--- a/documentation/Apothecary_v2.pptx
+++ b/documentation/Apothecary_v2.pptx
@@ -2,21 +2,26 @@
 <file path=ppt/presentation.xml><?xml version="1.0" encoding="utf-8"?>
 <p:presentation xmlns:a="http://schemas.openxmlformats.org/drawingml/2006/main" xmlns:r="http://schemas.openxmlformats.org/officeDocument/2006/relationships" xmlns:p="http://schemas.openxmlformats.org/presentationml/2006/main" saveSubsetFonts="1">
   <p:sldMasterIdLst>
-    <p:sldMasterId id="2147483840" r:id="rId1"/>
+    <p:sldMasterId id="2147483857" r:id="rId1"/>
   </p:sldMasterIdLst>
   <p:notesMasterIdLst>
-    <p:notesMasterId r:id="rId11"/>
+    <p:notesMasterId r:id="rId16"/>
   </p:notesMasterIdLst>
   <p:sldIdLst>
     <p:sldId id="256" r:id="rId2"/>
-    <p:sldId id="257" r:id="rId3"/>
-    <p:sldId id="267" r:id="rId4"/>
-    <p:sldId id="261" r:id="rId5"/>
-    <p:sldId id="265" r:id="rId6"/>
+    <p:sldId id="273" r:id="rId3"/>
+    <p:sldId id="257" r:id="rId4"/>
+    <p:sldId id="267" r:id="rId5"/>
+    <p:sldId id="261" r:id="rId6"/>
     <p:sldId id="263" r:id="rId7"/>
     <p:sldId id="260" r:id="rId8"/>
     <p:sldId id="258" r:id="rId9"/>
-    <p:sldId id="268" r:id="rId10"/>
+    <p:sldId id="270" r:id="rId10"/>
+    <p:sldId id="271" r:id="rId11"/>
+    <p:sldId id="272" r:id="rId12"/>
+    <p:sldId id="274" r:id="rId13"/>
+    <p:sldId id="275" r:id="rId14"/>
+    <p:sldId id="268" r:id="rId15"/>
   </p:sldIdLst>
   <p:sldSz cx="9144000" cy="6858000" type="screen4x3"/>
   <p:notesSz cx="6858000" cy="9144000"/>
@@ -216,7 +221,7 @@
           <a:p>
             <a:fld id="{ED57D7FF-5B91-43C0-B264-D097F342785C}" type="datetimeFigureOut">
               <a:rPr lang="en-PH" smtClean="0"/>
-              <a:t>9/1/2015</a:t>
+              <a:t>9/2/2015</a:t>
             </a:fld>
             <a:endParaRPr lang="en-PH"/>
           </a:p>
@@ -549,7 +554,7 @@
           <a:p>
             <a:fld id="{2B2AB6A9-51F2-4C7B-9F60-268BF1C038ED}" type="slidenum">
               <a:rPr lang="en-PH" smtClean="0"/>
-              <a:t>3</a:t>
+              <a:t>4</a:t>
             </a:fld>
             <a:endParaRPr lang="en-PH"/>
           </a:p>
@@ -569,7 +574,7 @@
 </file>
 
 <file path=ppt/slideLayouts/slideLayout1.xml><?xml version="1.0" encoding="utf-8"?>
-<p:sldLayout xmlns:a="http://schemas.openxmlformats.org/drawingml/2006/main" xmlns:r="http://schemas.openxmlformats.org/officeDocument/2006/relationships" xmlns:p="http://schemas.openxmlformats.org/presentationml/2006/main" showMasterSp="0" type="title" preserve="1">
+<p:sldLayout xmlns:a="http://schemas.openxmlformats.org/drawingml/2006/main" xmlns:r="http://schemas.openxmlformats.org/officeDocument/2006/relationships" xmlns:p="http://schemas.openxmlformats.org/presentationml/2006/main" type="title" preserve="1">
   <p:cSld name="Title Slide">
     <p:spTree>
       <p:nvGrpSpPr>
@@ -585,608 +590,6 @@
           <a:chExt cx="0" cy="0"/>
         </a:xfrm>
       </p:grpSpPr>
-      <p:grpSp>
-        <p:nvGrpSpPr>
-          <p:cNvPr id="7" name="Group 6"/>
-          <p:cNvGrpSpPr/>
-          <p:nvPr/>
-        </p:nvGrpSpPr>
-        <p:grpSpPr>
-          <a:xfrm>
-            <a:off x="-8466" y="-8468"/>
-            <a:ext cx="9169804" cy="6874935"/>
-            <a:chOff x="-8466" y="-8468"/>
-            <a:chExt cx="9169804" cy="6874935"/>
-          </a:xfrm>
-        </p:grpSpPr>
-        <p:cxnSp>
-          <p:nvCxnSpPr>
-            <p:cNvPr id="17" name="Straight Connector 16"/>
-            <p:cNvCxnSpPr/>
-            <p:nvPr/>
-          </p:nvCxnSpPr>
-          <p:spPr>
-            <a:xfrm flipV="1">
-              <a:off x="5130830" y="4175605"/>
-              <a:ext cx="4022475" cy="2682396"/>
-            </a:xfrm>
-            <a:prstGeom prst="line">
-              <a:avLst/>
-            </a:prstGeom>
-            <a:ln w="9525">
-              <a:solidFill>
-                <a:schemeClr val="bg1">
-                  <a:lumMod val="85000"/>
-                </a:schemeClr>
-              </a:solidFill>
-            </a:ln>
-          </p:spPr>
-          <p:style>
-            <a:lnRef idx="2">
-              <a:schemeClr val="accent1"/>
-            </a:lnRef>
-            <a:fillRef idx="0">
-              <a:schemeClr val="accent1"/>
-            </a:fillRef>
-            <a:effectRef idx="1">
-              <a:schemeClr val="accent1"/>
-            </a:effectRef>
-            <a:fontRef idx="minor">
-              <a:schemeClr val="tx1"/>
-            </a:fontRef>
-          </p:style>
-        </p:cxnSp>
-        <p:cxnSp>
-          <p:nvCxnSpPr>
-            <p:cNvPr id="18" name="Straight Connector 17"/>
-            <p:cNvCxnSpPr/>
-            <p:nvPr/>
-          </p:nvCxnSpPr>
-          <p:spPr>
-            <a:xfrm>
-              <a:off x="7042707" y="0"/>
-              <a:ext cx="1219200" cy="6858000"/>
-            </a:xfrm>
-            <a:prstGeom prst="line">
-              <a:avLst/>
-            </a:prstGeom>
-            <a:ln w="9525">
-              <a:solidFill>
-                <a:schemeClr val="bg1">
-                  <a:lumMod val="75000"/>
-                </a:schemeClr>
-              </a:solidFill>
-            </a:ln>
-          </p:spPr>
-          <p:style>
-            <a:lnRef idx="2">
-              <a:schemeClr val="accent1"/>
-            </a:lnRef>
-            <a:fillRef idx="0">
-              <a:schemeClr val="accent1"/>
-            </a:fillRef>
-            <a:effectRef idx="1">
-              <a:schemeClr val="accent1"/>
-            </a:effectRef>
-            <a:fontRef idx="minor">
-              <a:schemeClr val="tx1"/>
-            </a:fontRef>
-          </p:style>
-        </p:cxnSp>
-        <p:sp>
-          <p:nvSpPr>
-            <p:cNvPr id="19" name="Freeform 18"/>
-            <p:cNvSpPr/>
-            <p:nvPr/>
-          </p:nvSpPr>
-          <p:spPr>
-            <a:xfrm>
-              <a:off x="6891896" y="1"/>
-              <a:ext cx="2269442" cy="6866466"/>
-            </a:xfrm>
-            <a:custGeom>
-              <a:avLst/>
-              <a:gdLst/>
-              <a:ahLst/>
-              <a:cxnLst/>
-              <a:rect l="l" t="t" r="r" b="b"/>
-              <a:pathLst>
-                <a:path w="2269442" h="6866466">
-                  <a:moveTo>
-                    <a:pt x="2023534" y="0"/>
-                  </a:moveTo>
-                  <a:lnTo>
-                    <a:pt x="0" y="6858000"/>
-                  </a:lnTo>
-                  <a:lnTo>
-                    <a:pt x="2269067" y="6866466"/>
-                  </a:lnTo>
-                  <a:cubicBezTo>
-                    <a:pt x="2271889" y="4580466"/>
-                    <a:pt x="2257778" y="2294466"/>
-                    <a:pt x="2260600" y="8466"/>
-                  </a:cubicBezTo>
-                  <a:lnTo>
-                    <a:pt x="2023534" y="0"/>
-                  </a:lnTo>
-                  <a:close/>
-                </a:path>
-              </a:pathLst>
-            </a:custGeom>
-            <a:solidFill>
-              <a:schemeClr val="accent1">
-                <a:alpha val="30000"/>
-              </a:schemeClr>
-            </a:solidFill>
-            <a:ln>
-              <a:noFill/>
-            </a:ln>
-            <a:effectLst/>
-          </p:spPr>
-          <p:style>
-            <a:lnRef idx="1">
-              <a:schemeClr val="accent1"/>
-            </a:lnRef>
-            <a:fillRef idx="3">
-              <a:schemeClr val="accent1"/>
-            </a:fillRef>
-            <a:effectRef idx="2">
-              <a:schemeClr val="accent1"/>
-            </a:effectRef>
-            <a:fontRef idx="minor">
-              <a:schemeClr val="lt1"/>
-            </a:fontRef>
-          </p:style>
-        </p:sp>
-        <p:sp>
-          <p:nvSpPr>
-            <p:cNvPr id="20" name="Freeform 19"/>
-            <p:cNvSpPr/>
-            <p:nvPr/>
-          </p:nvSpPr>
-          <p:spPr>
-            <a:xfrm>
-              <a:off x="7205158" y="-8467"/>
-              <a:ext cx="1948147" cy="6866467"/>
-            </a:xfrm>
-            <a:custGeom>
-              <a:avLst/>
-              <a:gdLst/>
-              <a:ahLst/>
-              <a:cxnLst/>
-              <a:rect l="l" t="t" r="r" b="b"/>
-              <a:pathLst>
-                <a:path w="1948147" h="6866467">
-                  <a:moveTo>
-                    <a:pt x="0" y="0"/>
-                  </a:moveTo>
-                  <a:lnTo>
-                    <a:pt x="1202267" y="6866467"/>
-                  </a:lnTo>
-                  <a:lnTo>
-                    <a:pt x="1947333" y="6866467"/>
-                  </a:lnTo>
-                  <a:cubicBezTo>
-                    <a:pt x="1944511" y="4577645"/>
-                    <a:pt x="1950155" y="2288822"/>
-                    <a:pt x="1947333" y="0"/>
-                  </a:cubicBezTo>
-                  <a:lnTo>
-                    <a:pt x="0" y="0"/>
-                  </a:lnTo>
-                  <a:close/>
-                </a:path>
-              </a:pathLst>
-            </a:custGeom>
-            <a:solidFill>
-              <a:schemeClr val="accent1">
-                <a:alpha val="20000"/>
-              </a:schemeClr>
-            </a:solidFill>
-            <a:ln>
-              <a:noFill/>
-            </a:ln>
-            <a:effectLst/>
-          </p:spPr>
-          <p:style>
-            <a:lnRef idx="1">
-              <a:schemeClr val="accent1"/>
-            </a:lnRef>
-            <a:fillRef idx="3">
-              <a:schemeClr val="accent1"/>
-            </a:fillRef>
-            <a:effectRef idx="2">
-              <a:schemeClr val="accent1"/>
-            </a:effectRef>
-            <a:fontRef idx="minor">
-              <a:schemeClr val="lt1"/>
-            </a:fontRef>
-          </p:style>
-        </p:sp>
-        <p:sp>
-          <p:nvSpPr>
-            <p:cNvPr id="21" name="Freeform 20"/>
-            <p:cNvSpPr/>
-            <p:nvPr/>
-          </p:nvSpPr>
-          <p:spPr>
-            <a:xfrm>
-              <a:off x="6637896" y="3920066"/>
-              <a:ext cx="2513565" cy="2937933"/>
-            </a:xfrm>
-            <a:custGeom>
-              <a:avLst/>
-              <a:gdLst/>
-              <a:ahLst/>
-              <a:cxnLst/>
-              <a:rect l="l" t="t" r="r" b="b"/>
-              <a:pathLst>
-                <a:path w="3259667" h="3810000">
-                  <a:moveTo>
-                    <a:pt x="0" y="3810000"/>
-                  </a:moveTo>
-                  <a:lnTo>
-                    <a:pt x="3251200" y="0"/>
-                  </a:lnTo>
-                  <a:cubicBezTo>
-                    <a:pt x="3254022" y="1270000"/>
-                    <a:pt x="3256845" y="2540000"/>
-                    <a:pt x="3259667" y="3810000"/>
-                  </a:cubicBezTo>
-                  <a:lnTo>
-                    <a:pt x="0" y="3810000"/>
-                  </a:lnTo>
-                  <a:close/>
-                </a:path>
-              </a:pathLst>
-            </a:custGeom>
-            <a:solidFill>
-              <a:schemeClr val="accent2">
-                <a:alpha val="72000"/>
-              </a:schemeClr>
-            </a:solidFill>
-            <a:ln>
-              <a:noFill/>
-            </a:ln>
-            <a:effectLst/>
-          </p:spPr>
-          <p:style>
-            <a:lnRef idx="1">
-              <a:schemeClr val="accent1"/>
-            </a:lnRef>
-            <a:fillRef idx="3">
-              <a:schemeClr val="accent1"/>
-            </a:fillRef>
-            <a:effectRef idx="2">
-              <a:schemeClr val="accent1"/>
-            </a:effectRef>
-            <a:fontRef idx="minor">
-              <a:schemeClr val="lt1"/>
-            </a:fontRef>
-          </p:style>
-        </p:sp>
-        <p:sp>
-          <p:nvSpPr>
-            <p:cNvPr id="22" name="Freeform 21"/>
-            <p:cNvSpPr/>
-            <p:nvPr/>
-          </p:nvSpPr>
-          <p:spPr>
-            <a:xfrm>
-              <a:off x="7010429" y="-8467"/>
-              <a:ext cx="2142876" cy="6866467"/>
-            </a:xfrm>
-            <a:custGeom>
-              <a:avLst/>
-              <a:gdLst/>
-              <a:ahLst/>
-              <a:cxnLst/>
-              <a:rect l="l" t="t" r="r" b="b"/>
-              <a:pathLst>
-                <a:path w="2853267" h="6866467">
-                  <a:moveTo>
-                    <a:pt x="0" y="0"/>
-                  </a:moveTo>
-                  <a:lnTo>
-                    <a:pt x="2472267" y="6866467"/>
-                  </a:lnTo>
-                  <a:lnTo>
-                    <a:pt x="2853267" y="6858000"/>
-                  </a:lnTo>
-                  <a:lnTo>
-                    <a:pt x="2853267" y="0"/>
-                  </a:lnTo>
-                  <a:lnTo>
-                    <a:pt x="0" y="0"/>
-                  </a:lnTo>
-                  <a:close/>
-                </a:path>
-              </a:pathLst>
-            </a:custGeom>
-            <a:solidFill>
-              <a:schemeClr val="accent2">
-                <a:lumMod val="75000"/>
-                <a:alpha val="70000"/>
-              </a:schemeClr>
-            </a:solidFill>
-            <a:ln>
-              <a:noFill/>
-            </a:ln>
-            <a:effectLst/>
-          </p:spPr>
-          <p:style>
-            <a:lnRef idx="1">
-              <a:schemeClr val="accent1"/>
-            </a:lnRef>
-            <a:fillRef idx="3">
-              <a:schemeClr val="accent1"/>
-            </a:fillRef>
-            <a:effectRef idx="2">
-              <a:schemeClr val="accent1"/>
-            </a:effectRef>
-            <a:fontRef idx="minor">
-              <a:schemeClr val="lt1"/>
-            </a:fontRef>
-          </p:style>
-        </p:sp>
-        <p:sp>
-          <p:nvSpPr>
-            <p:cNvPr id="23" name="Freeform 22"/>
-            <p:cNvSpPr/>
-            <p:nvPr/>
-          </p:nvSpPr>
-          <p:spPr>
-            <a:xfrm>
-              <a:off x="8295776" y="-8467"/>
-              <a:ext cx="857530" cy="6866467"/>
-            </a:xfrm>
-            <a:custGeom>
-              <a:avLst/>
-              <a:gdLst/>
-              <a:ahLst/>
-              <a:cxnLst/>
-              <a:rect l="l" t="t" r="r" b="b"/>
-              <a:pathLst>
-                <a:path w="1286933" h="6866467">
-                  <a:moveTo>
-                    <a:pt x="1016000" y="0"/>
-                  </a:moveTo>
-                  <a:lnTo>
-                    <a:pt x="0" y="6866467"/>
-                  </a:lnTo>
-                  <a:lnTo>
-                    <a:pt x="1286933" y="6866467"/>
-                  </a:lnTo>
-                  <a:cubicBezTo>
-                    <a:pt x="1284111" y="4577645"/>
-                    <a:pt x="1281288" y="2288822"/>
-                    <a:pt x="1278466" y="0"/>
-                  </a:cubicBezTo>
-                  <a:lnTo>
-                    <a:pt x="1016000" y="0"/>
-                  </a:lnTo>
-                  <a:close/>
-                </a:path>
-              </a:pathLst>
-            </a:custGeom>
-            <a:solidFill>
-              <a:schemeClr val="accent1">
-                <a:lumMod val="60000"/>
-                <a:lumOff val="40000"/>
-                <a:alpha val="70000"/>
-              </a:schemeClr>
-            </a:solidFill>
-            <a:ln>
-              <a:noFill/>
-            </a:ln>
-            <a:effectLst/>
-          </p:spPr>
-          <p:style>
-            <a:lnRef idx="1">
-              <a:schemeClr val="accent1"/>
-            </a:lnRef>
-            <a:fillRef idx="3">
-              <a:schemeClr val="accent1"/>
-            </a:fillRef>
-            <a:effectRef idx="2">
-              <a:schemeClr val="accent1"/>
-            </a:effectRef>
-            <a:fontRef idx="minor">
-              <a:schemeClr val="lt1"/>
-            </a:fontRef>
-          </p:style>
-        </p:sp>
-        <p:sp>
-          <p:nvSpPr>
-            <p:cNvPr id="24" name="Freeform 23"/>
-            <p:cNvSpPr/>
-            <p:nvPr/>
-          </p:nvSpPr>
-          <p:spPr>
-            <a:xfrm>
-              <a:off x="8077231" y="-8468"/>
-              <a:ext cx="1066770" cy="6866467"/>
-            </a:xfrm>
-            <a:custGeom>
-              <a:avLst/>
-              <a:gdLst/>
-              <a:ahLst/>
-              <a:cxnLst/>
-              <a:rect l="l" t="t" r="r" b="b"/>
-              <a:pathLst>
-                <a:path w="1270244" h="6866467">
-                  <a:moveTo>
-                    <a:pt x="0" y="0"/>
-                  </a:moveTo>
-                  <a:lnTo>
-                    <a:pt x="1117600" y="6866467"/>
-                  </a:lnTo>
-                  <a:lnTo>
-                    <a:pt x="1270000" y="6866467"/>
-                  </a:lnTo>
-                  <a:cubicBezTo>
-                    <a:pt x="1272822" y="4574822"/>
-                    <a:pt x="1250245" y="2291645"/>
-                    <a:pt x="1253067" y="0"/>
-                  </a:cubicBezTo>
-                  <a:lnTo>
-                    <a:pt x="0" y="0"/>
-                  </a:lnTo>
-                  <a:close/>
-                </a:path>
-              </a:pathLst>
-            </a:custGeom>
-            <a:solidFill>
-              <a:schemeClr val="accent1">
-                <a:alpha val="65000"/>
-              </a:schemeClr>
-            </a:solidFill>
-            <a:ln>
-              <a:noFill/>
-            </a:ln>
-            <a:effectLst/>
-          </p:spPr>
-          <p:style>
-            <a:lnRef idx="1">
-              <a:schemeClr val="accent1"/>
-            </a:lnRef>
-            <a:fillRef idx="3">
-              <a:schemeClr val="accent1"/>
-            </a:fillRef>
-            <a:effectRef idx="2">
-              <a:schemeClr val="accent1"/>
-            </a:effectRef>
-            <a:fontRef idx="minor">
-              <a:schemeClr val="lt1"/>
-            </a:fontRef>
-          </p:style>
-        </p:sp>
-        <p:sp>
-          <p:nvSpPr>
-            <p:cNvPr id="25" name="Freeform 24"/>
-            <p:cNvSpPr/>
-            <p:nvPr/>
-          </p:nvSpPr>
-          <p:spPr>
-            <a:xfrm>
-              <a:off x="8060297" y="4893733"/>
-              <a:ext cx="1094086" cy="1964267"/>
-            </a:xfrm>
-            <a:custGeom>
-              <a:avLst/>
-              <a:gdLst/>
-              <a:ahLst/>
-              <a:cxnLst/>
-              <a:rect l="l" t="t" r="r" b="b"/>
-              <a:pathLst>
-                <a:path w="1820333" h="3268133">
-                  <a:moveTo>
-                    <a:pt x="0" y="3268133"/>
-                  </a:moveTo>
-                  <a:lnTo>
-                    <a:pt x="1811866" y="0"/>
-                  </a:lnTo>
-                  <a:cubicBezTo>
-                    <a:pt x="1814688" y="1086555"/>
-                    <a:pt x="1817511" y="2173111"/>
-                    <a:pt x="1820333" y="3259666"/>
-                  </a:cubicBezTo>
-                  <a:lnTo>
-                    <a:pt x="0" y="3268133"/>
-                  </a:lnTo>
-                  <a:close/>
-                </a:path>
-              </a:pathLst>
-            </a:custGeom>
-            <a:solidFill>
-              <a:schemeClr val="accent1">
-                <a:alpha val="80000"/>
-              </a:schemeClr>
-            </a:solidFill>
-            <a:ln>
-              <a:noFill/>
-            </a:ln>
-            <a:effectLst/>
-          </p:spPr>
-          <p:style>
-            <a:lnRef idx="1">
-              <a:schemeClr val="accent1"/>
-            </a:lnRef>
-            <a:fillRef idx="3">
-              <a:schemeClr val="accent1"/>
-            </a:fillRef>
-            <a:effectRef idx="2">
-              <a:schemeClr val="accent1"/>
-            </a:effectRef>
-            <a:fontRef idx="minor">
-              <a:schemeClr val="lt1"/>
-            </a:fontRef>
-          </p:style>
-        </p:sp>
-        <p:sp>
-          <p:nvSpPr>
-            <p:cNvPr id="28" name="Freeform 27"/>
-            <p:cNvSpPr/>
-            <p:nvPr/>
-          </p:nvSpPr>
-          <p:spPr>
-            <a:xfrm>
-              <a:off x="-8466" y="-8468"/>
-              <a:ext cx="863600" cy="5698067"/>
-            </a:xfrm>
-            <a:custGeom>
-              <a:avLst/>
-              <a:gdLst/>
-              <a:ahLst/>
-              <a:cxnLst/>
-              <a:rect l="l" t="t" r="r" b="b"/>
-              <a:pathLst>
-                <a:path w="863600" h="5698067">
-                  <a:moveTo>
-                    <a:pt x="0" y="8467"/>
-                  </a:moveTo>
-                  <a:lnTo>
-                    <a:pt x="863600" y="0"/>
-                  </a:lnTo>
-                  <a:lnTo>
-                    <a:pt x="863600" y="16934"/>
-                  </a:lnTo>
-                  <a:lnTo>
-                    <a:pt x="0" y="5698067"/>
-                  </a:lnTo>
-                  <a:lnTo>
-                    <a:pt x="0" y="8467"/>
-                  </a:lnTo>
-                  <a:close/>
-                </a:path>
-              </a:pathLst>
-            </a:custGeom>
-            <a:solidFill>
-              <a:schemeClr val="accent1">
-                <a:alpha val="85000"/>
-              </a:schemeClr>
-            </a:solidFill>
-            <a:ln>
-              <a:noFill/>
-            </a:ln>
-            <a:effectLst/>
-          </p:spPr>
-          <p:style>
-            <a:lnRef idx="1">
-              <a:schemeClr val="accent1"/>
-            </a:lnRef>
-            <a:fillRef idx="3">
-              <a:schemeClr val="accent1"/>
-            </a:fillRef>
-            <a:effectRef idx="2">
-              <a:schemeClr val="accent1"/>
-            </a:effectRef>
-            <a:fontRef idx="minor">
-              <a:schemeClr val="lt1"/>
-            </a:fontRef>
-          </p:style>
-        </p:sp>
-      </p:grpSp>
       <p:sp>
         <p:nvSpPr>
           <p:cNvPr id="2" name="Title 1"/>
@@ -1199,21 +602,17 @@
         </p:nvSpPr>
         <p:spPr>
           <a:xfrm>
-            <a:off x="1130595" y="2404534"/>
-            <a:ext cx="5826719" cy="1646302"/>
+            <a:off x="1028020" y="1769541"/>
+            <a:ext cx="7080026" cy="1828801"/>
           </a:xfrm>
         </p:spPr>
         <p:txBody>
           <a:bodyPr anchor="b">
-            <a:noAutofit/>
+            <a:normAutofit/>
           </a:bodyPr>
           <a:lstStyle>
-            <a:lvl1pPr algn="r">
-              <a:defRPr sz="5400">
-                <a:solidFill>
-                  <a:schemeClr val="accent1"/>
-                </a:solidFill>
-              </a:defRPr>
+            <a:lvl1pPr algn="ctr">
+              <a:defRPr sz="5400"/>
             </a:lvl1pPr>
           </a:lstStyle>
           <a:p>
@@ -1237,21 +636,18 @@
         </p:nvSpPr>
         <p:spPr>
           <a:xfrm>
-            <a:off x="1130595" y="4050834"/>
-            <a:ext cx="5826719" cy="1096899"/>
+            <a:off x="1028020" y="3598339"/>
+            <a:ext cx="7080026" cy="1049867"/>
           </a:xfrm>
         </p:spPr>
         <p:txBody>
           <a:bodyPr anchor="t"/>
           <a:lstStyle>
-            <a:lvl1pPr marL="0" indent="0" algn="r">
+            <a:lvl1pPr marL="0" indent="0" algn="ctr">
               <a:buNone/>
               <a:defRPr>
                 <a:solidFill>
-                  <a:schemeClr val="tx1">
-                    <a:lumMod val="50000"/>
-                    <a:lumOff val="50000"/>
-                  </a:schemeClr>
+                  <a:schemeClr val="tx1"/>
                 </a:solidFill>
               </a:defRPr>
             </a:lvl1pPr>
@@ -1362,7 +758,7 @@
           <a:p>
             <a:fld id="{89C68843-F252-4FDC-A047-6A4E79A98E00}" type="datetimeFigureOut">
               <a:rPr lang="en-PH" smtClean="0"/>
-              <a:t>9/1/2015</a:t>
+              <a:t>9/2/2015</a:t>
             </a:fld>
             <a:endParaRPr lang="en-PH"/>
           </a:p>
@@ -1413,7 +809,7 @@
     </p:spTree>
     <p:extLst>
       <p:ext uri="{BB962C8B-B14F-4D97-AF65-F5344CB8AC3E}">
-        <p14:creationId xmlns:p14="http://schemas.microsoft.com/office/powerpoint/2010/main" val="373909338"/>
+        <p14:creationId xmlns:p14="http://schemas.microsoft.com/office/powerpoint/2010/main" val="82047792"/>
       </p:ext>
     </p:extLst>
   </p:cSld>
@@ -1435,6 +831,304 @@
 
 <file path=ppt/slideLayouts/slideLayout10.xml><?xml version="1.0" encoding="utf-8"?>
 <p:sldLayout xmlns:a="http://schemas.openxmlformats.org/drawingml/2006/main" xmlns:r="http://schemas.openxmlformats.org/officeDocument/2006/relationships" xmlns:p="http://schemas.openxmlformats.org/presentationml/2006/main" preserve="1">
+  <p:cSld name="Panoramic Picture with Caption">
+    <p:spTree>
+      <p:nvGrpSpPr>
+        <p:cNvPr id="1" name=""/>
+        <p:cNvGrpSpPr/>
+        <p:nvPr/>
+      </p:nvGrpSpPr>
+      <p:grpSpPr>
+        <a:xfrm>
+          <a:off x="0" y="0"/>
+          <a:ext cx="0" cy="0"/>
+          <a:chOff x="0" y="0"/>
+          <a:chExt cx="0" cy="0"/>
+        </a:xfrm>
+      </p:grpSpPr>
+      <p:pic>
+        <p:nvPicPr>
+          <p:cNvPr id="8" name="Picture 7" descr="Slate-V2-SD-panoPhotoInset.png"/>
+          <p:cNvPicPr>
+            <a:picLocks noChangeAspect="1"/>
+          </p:cNvPicPr>
+          <p:nvPr/>
+        </p:nvPicPr>
+        <p:blipFill>
+          <a:blip r:embed="rId2">
+            <a:extLst>
+              <a:ext uri="{28A0092B-C50C-407E-A947-70E740481C1C}">
+                <a14:useLocalDpi xmlns:a14="http://schemas.microsoft.com/office/drawing/2010/main" val="0"/>
+              </a:ext>
+            </a:extLst>
+          </a:blip>
+          <a:stretch>
+            <a:fillRect/>
+          </a:stretch>
+        </p:blipFill>
+        <p:spPr>
+          <a:xfrm>
+            <a:off x="743995" y="540085"/>
+            <a:ext cx="7656010" cy="3834374"/>
+          </a:xfrm>
+          <a:prstGeom prst="rect">
+            <a:avLst/>
+          </a:prstGeom>
+        </p:spPr>
+      </p:pic>
+      <p:sp>
+        <p:nvSpPr>
+          <p:cNvPr id="2" name="Title 1"/>
+          <p:cNvSpPr>
+            <a:spLocks noGrp="1"/>
+          </p:cNvSpPr>
+          <p:nvPr>
+            <p:ph type="title"/>
+          </p:nvPr>
+        </p:nvSpPr>
+        <p:spPr>
+          <a:xfrm>
+            <a:off x="685354" y="4565255"/>
+            <a:ext cx="7766495" cy="543472"/>
+          </a:xfrm>
+        </p:spPr>
+        <p:txBody>
+          <a:bodyPr anchor="b">
+            <a:normAutofit/>
+          </a:bodyPr>
+          <a:lstStyle>
+            <a:lvl1pPr algn="ctr">
+              <a:defRPr sz="2800"/>
+            </a:lvl1pPr>
+          </a:lstStyle>
+          <a:p>
+            <a:r>
+              <a:rPr lang="en-US" smtClean="0"/>
+              <a:t>Click to edit Master title style</a:t>
+            </a:r>
+            <a:endParaRPr lang="en-US" dirty="0"/>
+          </a:p>
+        </p:txBody>
+      </p:sp>
+      <p:sp>
+        <p:nvSpPr>
+          <p:cNvPr id="3" name="Picture Placeholder 2"/>
+          <p:cNvSpPr>
+            <a:spLocks noGrp="1" noChangeAspect="1"/>
+          </p:cNvSpPr>
+          <p:nvPr>
+            <p:ph type="pic" idx="1"/>
+          </p:nvPr>
+        </p:nvSpPr>
+        <p:spPr>
+          <a:xfrm>
+            <a:off x="926217" y="695010"/>
+            <a:ext cx="7285600" cy="3525671"/>
+          </a:xfrm>
+          <a:effectLst>
+            <a:outerShdw blurRad="38100" dist="25400" dir="4440000">
+              <a:srgbClr val="000000">
+                <a:alpha val="36000"/>
+              </a:srgbClr>
+            </a:outerShdw>
+          </a:effectLst>
+        </p:spPr>
+        <p:txBody>
+          <a:bodyPr anchor="t">
+            <a:normAutofit/>
+          </a:bodyPr>
+          <a:lstStyle>
+            <a:lvl1pPr marL="0" indent="0" algn="ctr">
+              <a:buNone/>
+              <a:defRPr sz="2000"/>
+            </a:lvl1pPr>
+            <a:lvl2pPr marL="457200" indent="0">
+              <a:buNone/>
+              <a:defRPr sz="2000"/>
+            </a:lvl2pPr>
+            <a:lvl3pPr marL="914400" indent="0">
+              <a:buNone/>
+              <a:defRPr sz="2000"/>
+            </a:lvl3pPr>
+            <a:lvl4pPr marL="1371600" indent="0">
+              <a:buNone/>
+              <a:defRPr sz="2000"/>
+            </a:lvl4pPr>
+            <a:lvl5pPr marL="1828800" indent="0">
+              <a:buNone/>
+              <a:defRPr sz="2000"/>
+            </a:lvl5pPr>
+            <a:lvl6pPr marL="2286000" indent="0">
+              <a:buNone/>
+              <a:defRPr sz="2000"/>
+            </a:lvl6pPr>
+            <a:lvl7pPr marL="2743200" indent="0">
+              <a:buNone/>
+              <a:defRPr sz="2000"/>
+            </a:lvl7pPr>
+            <a:lvl8pPr marL="3200400" indent="0">
+              <a:buNone/>
+              <a:defRPr sz="2000"/>
+            </a:lvl8pPr>
+            <a:lvl9pPr marL="3657600" indent="0">
+              <a:buNone/>
+              <a:defRPr sz="2000"/>
+            </a:lvl9pPr>
+          </a:lstStyle>
+          <a:p>
+            <a:r>
+              <a:rPr lang="en-US" smtClean="0"/>
+              <a:t>Click icon to add picture</a:t>
+            </a:r>
+            <a:endParaRPr lang="en-US" dirty="0"/>
+          </a:p>
+        </p:txBody>
+      </p:sp>
+      <p:sp>
+        <p:nvSpPr>
+          <p:cNvPr id="4" name="Text Placeholder 3"/>
+          <p:cNvSpPr>
+            <a:spLocks noGrp="1"/>
+          </p:cNvSpPr>
+          <p:nvPr>
+            <p:ph type="body" sz="half" idx="2"/>
+          </p:nvPr>
+        </p:nvSpPr>
+        <p:spPr>
+          <a:xfrm>
+            <a:off x="685346" y="5108728"/>
+            <a:ext cx="7765322" cy="682472"/>
+          </a:xfrm>
+        </p:spPr>
+        <p:txBody>
+          <a:bodyPr anchor="t"/>
+          <a:lstStyle>
+            <a:lvl1pPr marL="0" indent="0" algn="ctr">
+              <a:buNone/>
+              <a:defRPr sz="1600"/>
+            </a:lvl1pPr>
+            <a:lvl2pPr marL="457200" indent="0">
+              <a:buNone/>
+              <a:defRPr sz="1400"/>
+            </a:lvl2pPr>
+            <a:lvl3pPr marL="914400" indent="0">
+              <a:buNone/>
+              <a:defRPr sz="1200"/>
+            </a:lvl3pPr>
+            <a:lvl4pPr marL="1371600" indent="0">
+              <a:buNone/>
+              <a:defRPr sz="1000"/>
+            </a:lvl4pPr>
+            <a:lvl5pPr marL="1828800" indent="0">
+              <a:buNone/>
+              <a:defRPr sz="1000"/>
+            </a:lvl5pPr>
+            <a:lvl6pPr marL="2286000" indent="0">
+              <a:buNone/>
+              <a:defRPr sz="1000"/>
+            </a:lvl6pPr>
+            <a:lvl7pPr marL="2743200" indent="0">
+              <a:buNone/>
+              <a:defRPr sz="1000"/>
+            </a:lvl7pPr>
+            <a:lvl8pPr marL="3200400" indent="0">
+              <a:buNone/>
+              <a:defRPr sz="1000"/>
+            </a:lvl8pPr>
+            <a:lvl9pPr marL="3657600" indent="0">
+              <a:buNone/>
+              <a:defRPr sz="1000"/>
+            </a:lvl9pPr>
+          </a:lstStyle>
+          <a:p>
+            <a:pPr lvl="0"/>
+            <a:r>
+              <a:rPr lang="en-US" smtClean="0"/>
+              <a:t>Click to edit Master text styles</a:t>
+            </a:r>
+          </a:p>
+        </p:txBody>
+      </p:sp>
+      <p:sp>
+        <p:nvSpPr>
+          <p:cNvPr id="5" name="Date Placeholder 4"/>
+          <p:cNvSpPr>
+            <a:spLocks noGrp="1"/>
+          </p:cNvSpPr>
+          <p:nvPr>
+            <p:ph type="dt" sz="half" idx="10"/>
+          </p:nvPr>
+        </p:nvSpPr>
+        <p:spPr/>
+        <p:txBody>
+          <a:bodyPr/>
+          <a:lstStyle/>
+          <a:p>
+            <a:fld id="{89C68843-F252-4FDC-A047-6A4E79A98E00}" type="datetimeFigureOut">
+              <a:rPr lang="en-PH" smtClean="0"/>
+              <a:t>9/2/2015</a:t>
+            </a:fld>
+            <a:endParaRPr lang="en-PH"/>
+          </a:p>
+        </p:txBody>
+      </p:sp>
+      <p:sp>
+        <p:nvSpPr>
+          <p:cNvPr id="6" name="Footer Placeholder 5"/>
+          <p:cNvSpPr>
+            <a:spLocks noGrp="1"/>
+          </p:cNvSpPr>
+          <p:nvPr>
+            <p:ph type="ftr" sz="quarter" idx="11"/>
+          </p:nvPr>
+        </p:nvSpPr>
+        <p:spPr/>
+        <p:txBody>
+          <a:bodyPr/>
+          <a:lstStyle/>
+          <a:p>
+            <a:endParaRPr lang="en-PH"/>
+          </a:p>
+        </p:txBody>
+      </p:sp>
+      <p:sp>
+        <p:nvSpPr>
+          <p:cNvPr id="7" name="Slide Number Placeholder 6"/>
+          <p:cNvSpPr>
+            <a:spLocks noGrp="1"/>
+          </p:cNvSpPr>
+          <p:nvPr>
+            <p:ph type="sldNum" sz="quarter" idx="12"/>
+          </p:nvPr>
+        </p:nvSpPr>
+        <p:spPr/>
+        <p:txBody>
+          <a:bodyPr/>
+          <a:lstStyle/>
+          <a:p>
+            <a:fld id="{425A87E6-8E4A-4361-88C9-748B3C73C6DE}" type="slidenum">
+              <a:rPr lang="en-PH" smtClean="0"/>
+              <a:t>‹#›</a:t>
+            </a:fld>
+            <a:endParaRPr lang="en-PH"/>
+          </a:p>
+        </p:txBody>
+      </p:sp>
+    </p:spTree>
+    <p:extLst>
+      <p:ext uri="{BB962C8B-B14F-4D97-AF65-F5344CB8AC3E}">
+        <p14:creationId xmlns:p14="http://schemas.microsoft.com/office/powerpoint/2010/main" val="443290083"/>
+      </p:ext>
+    </p:extLst>
+  </p:cSld>
+  <p:clrMapOvr>
+    <a:masterClrMapping/>
+  </p:clrMapOvr>
+</p:sldLayout>
+</file>
+
+<file path=ppt/slideLayouts/slideLayout11.xml><?xml version="1.0" encoding="utf-8"?>
+<p:sldLayout xmlns:a="http://schemas.openxmlformats.org/drawingml/2006/main" xmlns:r="http://schemas.openxmlformats.org/officeDocument/2006/relationships" xmlns:p="http://schemas.openxmlformats.org/presentationml/2006/main" preserve="1">
   <p:cSld name="Title and Caption">
     <p:spTree>
       <p:nvGrpSpPr>
@@ -1462,17 +1156,15 @@
         </p:nvSpPr>
         <p:spPr>
           <a:xfrm>
-            <a:off x="609600" y="609600"/>
-            <a:ext cx="6347714" cy="3403600"/>
-          </a:xfrm>
-        </p:spPr>
-        <p:txBody>
-          <a:bodyPr anchor="ctr">
-            <a:normAutofit/>
-          </a:bodyPr>
+            <a:off x="685346" y="608437"/>
+            <a:ext cx="7765322" cy="3534344"/>
+          </a:xfrm>
+        </p:spPr>
+        <p:txBody>
+          <a:bodyPr anchor="ctr"/>
           <a:lstStyle>
-            <a:lvl1pPr algn="l">
-              <a:defRPr sz="4400" b="0" cap="none"/>
+            <a:lvl1pPr>
+              <a:defRPr sz="3200"/>
             </a:lvl1pPr>
           </a:lstStyle>
           <a:p>
@@ -1486,115 +1178,58 @@
       </p:sp>
       <p:sp>
         <p:nvSpPr>
-          <p:cNvPr id="3" name="Text Placeholder 2"/>
-          <p:cNvSpPr>
-            <a:spLocks noGrp="1"/>
-          </p:cNvSpPr>
-          <p:nvPr>
-            <p:ph type="body" idx="1"/>
+          <p:cNvPr id="4" name="Text Placeholder 3"/>
+          <p:cNvSpPr>
+            <a:spLocks noGrp="1"/>
+          </p:cNvSpPr>
+          <p:nvPr>
+            <p:ph type="body" sz="half" idx="2"/>
           </p:nvPr>
         </p:nvSpPr>
         <p:spPr>
           <a:xfrm>
-            <a:off x="609600" y="4470400"/>
-            <a:ext cx="6347714" cy="1570962"/>
-          </a:xfrm>
-        </p:spPr>
-        <p:txBody>
-          <a:bodyPr anchor="ctr">
-            <a:normAutofit/>
-          </a:bodyPr>
+            <a:off x="685346" y="4295180"/>
+            <a:ext cx="7765322" cy="1501826"/>
+          </a:xfrm>
+        </p:spPr>
+        <p:txBody>
+          <a:bodyPr anchor="ctr"/>
           <a:lstStyle>
-            <a:lvl1pPr marL="0" indent="0" algn="l">
-              <a:buNone/>
-              <a:defRPr sz="1800">
-                <a:solidFill>
-                  <a:schemeClr val="tx1">
-                    <a:lumMod val="75000"/>
-                    <a:lumOff val="25000"/>
-                  </a:schemeClr>
-                </a:solidFill>
-              </a:defRPr>
+            <a:lvl1pPr marL="0" indent="0" algn="ctr">
+              <a:buNone/>
+              <a:defRPr sz="1600"/>
             </a:lvl1pPr>
             <a:lvl2pPr marL="457200" indent="0">
               <a:buNone/>
-              <a:defRPr sz="1800">
-                <a:solidFill>
-                  <a:schemeClr val="tx1">
-                    <a:tint val="75000"/>
-                  </a:schemeClr>
-                </a:solidFill>
-              </a:defRPr>
+              <a:defRPr sz="1400"/>
             </a:lvl2pPr>
             <a:lvl3pPr marL="914400" indent="0">
               <a:buNone/>
-              <a:defRPr sz="1600">
-                <a:solidFill>
-                  <a:schemeClr val="tx1">
-                    <a:tint val="75000"/>
-                  </a:schemeClr>
-                </a:solidFill>
-              </a:defRPr>
+              <a:defRPr sz="1200"/>
             </a:lvl3pPr>
             <a:lvl4pPr marL="1371600" indent="0">
               <a:buNone/>
-              <a:defRPr sz="1400">
-                <a:solidFill>
-                  <a:schemeClr val="tx1">
-                    <a:tint val="75000"/>
-                  </a:schemeClr>
-                </a:solidFill>
-              </a:defRPr>
+              <a:defRPr sz="1000"/>
             </a:lvl4pPr>
             <a:lvl5pPr marL="1828800" indent="0">
               <a:buNone/>
-              <a:defRPr sz="1400">
-                <a:solidFill>
-                  <a:schemeClr val="tx1">
-                    <a:tint val="75000"/>
-                  </a:schemeClr>
-                </a:solidFill>
-              </a:defRPr>
+              <a:defRPr sz="1000"/>
             </a:lvl5pPr>
             <a:lvl6pPr marL="2286000" indent="0">
               <a:buNone/>
-              <a:defRPr sz="1400">
-                <a:solidFill>
-                  <a:schemeClr val="tx1">
-                    <a:tint val="75000"/>
-                  </a:schemeClr>
-                </a:solidFill>
-              </a:defRPr>
+              <a:defRPr sz="1000"/>
             </a:lvl6pPr>
             <a:lvl7pPr marL="2743200" indent="0">
               <a:buNone/>
-              <a:defRPr sz="1400">
-                <a:solidFill>
-                  <a:schemeClr val="tx1">
-                    <a:tint val="75000"/>
-                  </a:schemeClr>
-                </a:solidFill>
-              </a:defRPr>
+              <a:defRPr sz="1000"/>
             </a:lvl7pPr>
             <a:lvl8pPr marL="3200400" indent="0">
               <a:buNone/>
-              <a:defRPr sz="1400">
-                <a:solidFill>
-                  <a:schemeClr val="tx1">
-                    <a:tint val="75000"/>
-                  </a:schemeClr>
-                </a:solidFill>
-              </a:defRPr>
+              <a:defRPr sz="1000"/>
             </a:lvl8pPr>
             <a:lvl9pPr marL="3657600" indent="0">
               <a:buNone/>
-              <a:defRPr sz="1400">
-                <a:solidFill>
-                  <a:schemeClr val="tx1">
-                    <a:tint val="75000"/>
-                  </a:schemeClr>
-                </a:solidFill>
-              </a:defRPr>
+              <a:defRPr sz="1000"/>
             </a:lvl9pPr>
           </a:lstStyle>
           <a:p>
@@ -1608,7 +1243,7 @@
       </p:sp>
       <p:sp>
         <p:nvSpPr>
-          <p:cNvPr id="4" name="Date Placeholder 3"/>
+          <p:cNvPr id="5" name="Date Placeholder 4"/>
           <p:cNvSpPr>
             <a:spLocks noGrp="1"/>
           </p:cNvSpPr>
@@ -1623,7 +1258,7 @@
           <a:p>
             <a:fld id="{89C68843-F252-4FDC-A047-6A4E79A98E00}" type="datetimeFigureOut">
               <a:rPr lang="en-PH" smtClean="0"/>
-              <a:t>9/1/2015</a:t>
+              <a:t>9/2/2015</a:t>
             </a:fld>
             <a:endParaRPr lang="en-PH"/>
           </a:p>
@@ -1631,7 +1266,7 @@
       </p:sp>
       <p:sp>
         <p:nvSpPr>
-          <p:cNvPr id="5" name="Footer Placeholder 4"/>
+          <p:cNvPr id="6" name="Footer Placeholder 5"/>
           <p:cNvSpPr>
             <a:spLocks noGrp="1"/>
           </p:cNvSpPr>
@@ -1650,7 +1285,7 @@
       </p:sp>
       <p:sp>
         <p:nvSpPr>
-          <p:cNvPr id="6" name="Slide Number Placeholder 5"/>
+          <p:cNvPr id="7" name="Slide Number Placeholder 6"/>
           <p:cNvSpPr>
             <a:spLocks noGrp="1"/>
           </p:cNvSpPr>
@@ -1674,1546 +1309,7 @@
     </p:spTree>
     <p:extLst>
       <p:ext uri="{BB962C8B-B14F-4D97-AF65-F5344CB8AC3E}">
-        <p14:creationId xmlns:p14="http://schemas.microsoft.com/office/powerpoint/2010/main" val="616412964"/>
-      </p:ext>
-    </p:extLst>
-  </p:cSld>
-  <p:clrMapOvr>
-    <a:masterClrMapping/>
-  </p:clrMapOvr>
-  <p:transition spd="slow">
-    <p:push dir="u"/>
-  </p:transition>
-</p:sldLayout>
-</file>
-
-<file path=ppt/slideLayouts/slideLayout11.xml><?xml version="1.0" encoding="utf-8"?>
-<p:sldLayout xmlns:a="http://schemas.openxmlformats.org/drawingml/2006/main" xmlns:r="http://schemas.openxmlformats.org/officeDocument/2006/relationships" xmlns:p="http://schemas.openxmlformats.org/presentationml/2006/main" preserve="1">
-  <p:cSld name="Quote with Caption">
-    <p:spTree>
-      <p:nvGrpSpPr>
-        <p:cNvPr id="1" name=""/>
-        <p:cNvGrpSpPr/>
-        <p:nvPr/>
-      </p:nvGrpSpPr>
-      <p:grpSpPr>
-        <a:xfrm>
-          <a:off x="0" y="0"/>
-          <a:ext cx="0" cy="0"/>
-          <a:chOff x="0" y="0"/>
-          <a:chExt cx="0" cy="0"/>
-        </a:xfrm>
-      </p:grpSpPr>
-      <p:sp>
-        <p:nvSpPr>
-          <p:cNvPr id="2" name="Title 1"/>
-          <p:cNvSpPr>
-            <a:spLocks noGrp="1"/>
-          </p:cNvSpPr>
-          <p:nvPr>
-            <p:ph type="title"/>
-          </p:nvPr>
-        </p:nvSpPr>
-        <p:spPr>
-          <a:xfrm>
-            <a:off x="774885" y="609600"/>
-            <a:ext cx="6072182" cy="3022600"/>
-          </a:xfrm>
-        </p:spPr>
-        <p:txBody>
-          <a:bodyPr anchor="ctr">
-            <a:normAutofit/>
-          </a:bodyPr>
-          <a:lstStyle>
-            <a:lvl1pPr algn="l">
-              <a:defRPr sz="4400" b="0" cap="none"/>
-            </a:lvl1pPr>
-          </a:lstStyle>
-          <a:p>
-            <a:r>
-              <a:rPr lang="en-US" smtClean="0"/>
-              <a:t>Click to edit Master title style</a:t>
-            </a:r>
-            <a:endParaRPr lang="en-US" dirty="0"/>
-          </a:p>
-        </p:txBody>
-      </p:sp>
-      <p:sp>
-        <p:nvSpPr>
-          <p:cNvPr id="23" name="Text Placeholder 9"/>
-          <p:cNvSpPr>
-            <a:spLocks noGrp="1"/>
-          </p:cNvSpPr>
-          <p:nvPr>
-            <p:ph type="body" sz="quarter" idx="13"/>
-          </p:nvPr>
-        </p:nvSpPr>
-        <p:spPr>
-          <a:xfrm>
-            <a:off x="1101074" y="3632200"/>
-            <a:ext cx="5419804" cy="381000"/>
-          </a:xfrm>
-        </p:spPr>
-        <p:txBody>
-          <a:bodyPr anchor="ctr">
-            <a:noAutofit/>
-          </a:bodyPr>
-          <a:lstStyle>
-            <a:lvl1pPr marL="0" indent="0">
-              <a:buFontTx/>
-              <a:buNone/>
-              <a:defRPr sz="1600">
-                <a:solidFill>
-                  <a:schemeClr val="tx1">
-                    <a:lumMod val="50000"/>
-                    <a:lumOff val="50000"/>
-                  </a:schemeClr>
-                </a:solidFill>
-              </a:defRPr>
-            </a:lvl1pPr>
-            <a:lvl2pPr marL="457200" indent="0">
-              <a:buFontTx/>
-              <a:buNone/>
-              <a:defRPr/>
-            </a:lvl2pPr>
-            <a:lvl3pPr marL="914400" indent="0">
-              <a:buFontTx/>
-              <a:buNone/>
-              <a:defRPr/>
-            </a:lvl3pPr>
-            <a:lvl4pPr marL="1371600" indent="0">
-              <a:buFontTx/>
-              <a:buNone/>
-              <a:defRPr/>
-            </a:lvl4pPr>
-            <a:lvl5pPr marL="1828800" indent="0">
-              <a:buFontTx/>
-              <a:buNone/>
-              <a:defRPr/>
-            </a:lvl5pPr>
-          </a:lstStyle>
-          <a:p>
-            <a:pPr lvl="0"/>
-            <a:r>
-              <a:rPr lang="en-US" smtClean="0"/>
-              <a:t>Click to edit Master text styles</a:t>
-            </a:r>
-          </a:p>
-        </p:txBody>
-      </p:sp>
-      <p:sp>
-        <p:nvSpPr>
-          <p:cNvPr id="3" name="Text Placeholder 2"/>
-          <p:cNvSpPr>
-            <a:spLocks noGrp="1"/>
-          </p:cNvSpPr>
-          <p:nvPr>
-            <p:ph type="body" idx="1"/>
-          </p:nvPr>
-        </p:nvSpPr>
-        <p:spPr>
-          <a:xfrm>
-            <a:off x="609598" y="4470400"/>
-            <a:ext cx="6347715" cy="1570962"/>
-          </a:xfrm>
-        </p:spPr>
-        <p:txBody>
-          <a:bodyPr anchor="ctr">
-            <a:normAutofit/>
-          </a:bodyPr>
-          <a:lstStyle>
-            <a:lvl1pPr marL="0" indent="0" algn="l">
-              <a:buNone/>
-              <a:defRPr sz="1800">
-                <a:solidFill>
-                  <a:schemeClr val="tx1">
-                    <a:lumMod val="75000"/>
-                    <a:lumOff val="25000"/>
-                  </a:schemeClr>
-                </a:solidFill>
-              </a:defRPr>
-            </a:lvl1pPr>
-            <a:lvl2pPr marL="457200" indent="0">
-              <a:buNone/>
-              <a:defRPr sz="1800">
-                <a:solidFill>
-                  <a:schemeClr val="tx1">
-                    <a:tint val="75000"/>
-                  </a:schemeClr>
-                </a:solidFill>
-              </a:defRPr>
-            </a:lvl2pPr>
-            <a:lvl3pPr marL="914400" indent="0">
-              <a:buNone/>
-              <a:defRPr sz="1600">
-                <a:solidFill>
-                  <a:schemeClr val="tx1">
-                    <a:tint val="75000"/>
-                  </a:schemeClr>
-                </a:solidFill>
-              </a:defRPr>
-            </a:lvl3pPr>
-            <a:lvl4pPr marL="1371600" indent="0">
-              <a:buNone/>
-              <a:defRPr sz="1400">
-                <a:solidFill>
-                  <a:schemeClr val="tx1">
-                    <a:tint val="75000"/>
-                  </a:schemeClr>
-                </a:solidFill>
-              </a:defRPr>
-            </a:lvl4pPr>
-            <a:lvl5pPr marL="1828800" indent="0">
-              <a:buNone/>
-              <a:defRPr sz="1400">
-                <a:solidFill>
-                  <a:schemeClr val="tx1">
-                    <a:tint val="75000"/>
-                  </a:schemeClr>
-                </a:solidFill>
-              </a:defRPr>
-            </a:lvl5pPr>
-            <a:lvl6pPr marL="2286000" indent="0">
-              <a:buNone/>
-              <a:defRPr sz="1400">
-                <a:solidFill>
-                  <a:schemeClr val="tx1">
-                    <a:tint val="75000"/>
-                  </a:schemeClr>
-                </a:solidFill>
-              </a:defRPr>
-            </a:lvl6pPr>
-            <a:lvl7pPr marL="2743200" indent="0">
-              <a:buNone/>
-              <a:defRPr sz="1400">
-                <a:solidFill>
-                  <a:schemeClr val="tx1">
-                    <a:tint val="75000"/>
-                  </a:schemeClr>
-                </a:solidFill>
-              </a:defRPr>
-            </a:lvl7pPr>
-            <a:lvl8pPr marL="3200400" indent="0">
-              <a:buNone/>
-              <a:defRPr sz="1400">
-                <a:solidFill>
-                  <a:schemeClr val="tx1">
-                    <a:tint val="75000"/>
-                  </a:schemeClr>
-                </a:solidFill>
-              </a:defRPr>
-            </a:lvl8pPr>
-            <a:lvl9pPr marL="3657600" indent="0">
-              <a:buNone/>
-              <a:defRPr sz="1400">
-                <a:solidFill>
-                  <a:schemeClr val="tx1">
-                    <a:tint val="75000"/>
-                  </a:schemeClr>
-                </a:solidFill>
-              </a:defRPr>
-            </a:lvl9pPr>
-          </a:lstStyle>
-          <a:p>
-            <a:pPr lvl="0"/>
-            <a:r>
-              <a:rPr lang="en-US" smtClean="0"/>
-              <a:t>Click to edit Master text styles</a:t>
-            </a:r>
-          </a:p>
-        </p:txBody>
-      </p:sp>
-      <p:sp>
-        <p:nvSpPr>
-          <p:cNvPr id="4" name="Date Placeholder 3"/>
-          <p:cNvSpPr>
-            <a:spLocks noGrp="1"/>
-          </p:cNvSpPr>
-          <p:nvPr>
-            <p:ph type="dt" sz="half" idx="10"/>
-          </p:nvPr>
-        </p:nvSpPr>
-        <p:spPr/>
-        <p:txBody>
-          <a:bodyPr/>
-          <a:lstStyle/>
-          <a:p>
-            <a:fld id="{89C68843-F252-4FDC-A047-6A4E79A98E00}" type="datetimeFigureOut">
-              <a:rPr lang="en-PH" smtClean="0"/>
-              <a:t>9/1/2015</a:t>
-            </a:fld>
-            <a:endParaRPr lang="en-PH"/>
-          </a:p>
-        </p:txBody>
-      </p:sp>
-      <p:sp>
-        <p:nvSpPr>
-          <p:cNvPr id="5" name="Footer Placeholder 4"/>
-          <p:cNvSpPr>
-            <a:spLocks noGrp="1"/>
-          </p:cNvSpPr>
-          <p:nvPr>
-            <p:ph type="ftr" sz="quarter" idx="11"/>
-          </p:nvPr>
-        </p:nvSpPr>
-        <p:spPr/>
-        <p:txBody>
-          <a:bodyPr/>
-          <a:lstStyle/>
-          <a:p>
-            <a:endParaRPr lang="en-PH"/>
-          </a:p>
-        </p:txBody>
-      </p:sp>
-      <p:sp>
-        <p:nvSpPr>
-          <p:cNvPr id="6" name="Slide Number Placeholder 5"/>
-          <p:cNvSpPr>
-            <a:spLocks noGrp="1"/>
-          </p:cNvSpPr>
-          <p:nvPr>
-            <p:ph type="sldNum" sz="quarter" idx="12"/>
-          </p:nvPr>
-        </p:nvSpPr>
-        <p:spPr/>
-        <p:txBody>
-          <a:bodyPr/>
-          <a:lstStyle/>
-          <a:p>
-            <a:fld id="{425A87E6-8E4A-4361-88C9-748B3C73C6DE}" type="slidenum">
-              <a:rPr lang="en-PH" smtClean="0"/>
-              <a:t>‹#›</a:t>
-            </a:fld>
-            <a:endParaRPr lang="en-PH"/>
-          </a:p>
-        </p:txBody>
-      </p:sp>
-      <p:sp>
-        <p:nvSpPr>
-          <p:cNvPr id="24" name="TextBox 23"/>
-          <p:cNvSpPr txBox="1"/>
-          <p:nvPr/>
-        </p:nvSpPr>
-        <p:spPr>
-          <a:xfrm>
-            <a:off x="482711" y="790378"/>
-            <a:ext cx="457319" cy="584776"/>
-          </a:xfrm>
-          <a:prstGeom prst="rect">
-            <a:avLst/>
-          </a:prstGeom>
-        </p:spPr>
-        <p:txBody>
-          <a:bodyPr vert="horz" lIns="91440" tIns="45720" rIns="91440" bIns="45720" rtlCol="0" anchor="ctr">
-            <a:noAutofit/>
-          </a:bodyPr>
-          <a:lstStyle/>
-          <a:p>
-            <a:pPr lvl="0"/>
-            <a:r>
-              <a:rPr lang="en-US" sz="8000" baseline="0" dirty="0">
-                <a:ln w="3175" cmpd="sng">
-                  <a:noFill/>
-                </a:ln>
-                <a:solidFill>
-                  <a:schemeClr val="accent1">
-                    <a:lumMod val="60000"/>
-                    <a:lumOff val="40000"/>
-                  </a:schemeClr>
-                </a:solidFill>
-                <a:effectLst/>
-                <a:latin typeface="Arial"/>
-              </a:rPr>
-              <a:t>“</a:t>
-            </a:r>
-          </a:p>
-        </p:txBody>
-      </p:sp>
-      <p:sp>
-        <p:nvSpPr>
-          <p:cNvPr id="25" name="TextBox 24"/>
-          <p:cNvSpPr txBox="1"/>
-          <p:nvPr/>
-        </p:nvSpPr>
-        <p:spPr>
-          <a:xfrm>
-            <a:off x="6747699" y="2886556"/>
-            <a:ext cx="457319" cy="584776"/>
-          </a:xfrm>
-          <a:prstGeom prst="rect">
-            <a:avLst/>
-          </a:prstGeom>
-        </p:spPr>
-        <p:txBody>
-          <a:bodyPr vert="horz" lIns="91440" tIns="45720" rIns="91440" bIns="45720" rtlCol="0" anchor="ctr">
-            <a:noAutofit/>
-          </a:bodyPr>
-          <a:lstStyle/>
-          <a:p>
-            <a:pPr lvl="0"/>
-            <a:r>
-              <a:rPr lang="en-US" sz="8000" baseline="0" dirty="0">
-                <a:ln w="3175" cmpd="sng">
-                  <a:noFill/>
-                </a:ln>
-                <a:solidFill>
-                  <a:schemeClr val="accent1">
-                    <a:lumMod val="60000"/>
-                    <a:lumOff val="40000"/>
-                  </a:schemeClr>
-                </a:solidFill>
-                <a:effectLst/>
-                <a:latin typeface="Arial"/>
-              </a:rPr>
-              <a:t>”</a:t>
-            </a:r>
-          </a:p>
-        </p:txBody>
-      </p:sp>
-    </p:spTree>
-    <p:extLst>
-      <p:ext uri="{BB962C8B-B14F-4D97-AF65-F5344CB8AC3E}">
-        <p14:creationId xmlns:p14="http://schemas.microsoft.com/office/powerpoint/2010/main" val="3334251599"/>
-      </p:ext>
-    </p:extLst>
-  </p:cSld>
-  <p:clrMapOvr>
-    <a:masterClrMapping/>
-  </p:clrMapOvr>
-  <p:transition spd="slow">
-    <p:push dir="u"/>
-  </p:transition>
-</p:sldLayout>
-</file>
-
-<file path=ppt/slideLayouts/slideLayout12.xml><?xml version="1.0" encoding="utf-8"?>
-<p:sldLayout xmlns:a="http://schemas.openxmlformats.org/drawingml/2006/main" xmlns:r="http://schemas.openxmlformats.org/officeDocument/2006/relationships" xmlns:p="http://schemas.openxmlformats.org/presentationml/2006/main" preserve="1">
-  <p:cSld name="Name Card">
-    <p:spTree>
-      <p:nvGrpSpPr>
-        <p:cNvPr id="1" name=""/>
-        <p:cNvGrpSpPr/>
-        <p:nvPr/>
-      </p:nvGrpSpPr>
-      <p:grpSpPr>
-        <a:xfrm>
-          <a:off x="0" y="0"/>
-          <a:ext cx="0" cy="0"/>
-          <a:chOff x="0" y="0"/>
-          <a:chExt cx="0" cy="0"/>
-        </a:xfrm>
-      </p:grpSpPr>
-      <p:sp>
-        <p:nvSpPr>
-          <p:cNvPr id="2" name="Title 1"/>
-          <p:cNvSpPr>
-            <a:spLocks noGrp="1"/>
-          </p:cNvSpPr>
-          <p:nvPr>
-            <p:ph type="title"/>
-          </p:nvPr>
-        </p:nvSpPr>
-        <p:spPr>
-          <a:xfrm>
-            <a:off x="609598" y="1931988"/>
-            <a:ext cx="6347715" cy="2595460"/>
-          </a:xfrm>
-        </p:spPr>
-        <p:txBody>
-          <a:bodyPr anchor="b">
-            <a:normAutofit/>
-          </a:bodyPr>
-          <a:lstStyle>
-            <a:lvl1pPr algn="l">
-              <a:defRPr sz="4400" b="0" cap="none"/>
-            </a:lvl1pPr>
-          </a:lstStyle>
-          <a:p>
-            <a:r>
-              <a:rPr lang="en-US" smtClean="0"/>
-              <a:t>Click to edit Master title style</a:t>
-            </a:r>
-            <a:endParaRPr lang="en-US" dirty="0"/>
-          </a:p>
-        </p:txBody>
-      </p:sp>
-      <p:sp>
-        <p:nvSpPr>
-          <p:cNvPr id="3" name="Text Placeholder 2"/>
-          <p:cNvSpPr>
-            <a:spLocks noGrp="1"/>
-          </p:cNvSpPr>
-          <p:nvPr>
-            <p:ph type="body" idx="1"/>
-          </p:nvPr>
-        </p:nvSpPr>
-        <p:spPr>
-          <a:xfrm>
-            <a:off x="609598" y="4527448"/>
-            <a:ext cx="6347715" cy="1513914"/>
-          </a:xfrm>
-        </p:spPr>
-        <p:txBody>
-          <a:bodyPr anchor="t">
-            <a:normAutofit/>
-          </a:bodyPr>
-          <a:lstStyle>
-            <a:lvl1pPr marL="0" indent="0" algn="l">
-              <a:buNone/>
-              <a:defRPr sz="1800">
-                <a:solidFill>
-                  <a:schemeClr val="tx1">
-                    <a:lumMod val="75000"/>
-                    <a:lumOff val="25000"/>
-                  </a:schemeClr>
-                </a:solidFill>
-              </a:defRPr>
-            </a:lvl1pPr>
-            <a:lvl2pPr marL="457200" indent="0">
-              <a:buNone/>
-              <a:defRPr sz="1800">
-                <a:solidFill>
-                  <a:schemeClr val="tx1">
-                    <a:tint val="75000"/>
-                  </a:schemeClr>
-                </a:solidFill>
-              </a:defRPr>
-            </a:lvl2pPr>
-            <a:lvl3pPr marL="914400" indent="0">
-              <a:buNone/>
-              <a:defRPr sz="1600">
-                <a:solidFill>
-                  <a:schemeClr val="tx1">
-                    <a:tint val="75000"/>
-                  </a:schemeClr>
-                </a:solidFill>
-              </a:defRPr>
-            </a:lvl3pPr>
-            <a:lvl4pPr marL="1371600" indent="0">
-              <a:buNone/>
-              <a:defRPr sz="1400">
-                <a:solidFill>
-                  <a:schemeClr val="tx1">
-                    <a:tint val="75000"/>
-                  </a:schemeClr>
-                </a:solidFill>
-              </a:defRPr>
-            </a:lvl4pPr>
-            <a:lvl5pPr marL="1828800" indent="0">
-              <a:buNone/>
-              <a:defRPr sz="1400">
-                <a:solidFill>
-                  <a:schemeClr val="tx1">
-                    <a:tint val="75000"/>
-                  </a:schemeClr>
-                </a:solidFill>
-              </a:defRPr>
-            </a:lvl5pPr>
-            <a:lvl6pPr marL="2286000" indent="0">
-              <a:buNone/>
-              <a:defRPr sz="1400">
-                <a:solidFill>
-                  <a:schemeClr val="tx1">
-                    <a:tint val="75000"/>
-                  </a:schemeClr>
-                </a:solidFill>
-              </a:defRPr>
-            </a:lvl6pPr>
-            <a:lvl7pPr marL="2743200" indent="0">
-              <a:buNone/>
-              <a:defRPr sz="1400">
-                <a:solidFill>
-                  <a:schemeClr val="tx1">
-                    <a:tint val="75000"/>
-                  </a:schemeClr>
-                </a:solidFill>
-              </a:defRPr>
-            </a:lvl7pPr>
-            <a:lvl8pPr marL="3200400" indent="0">
-              <a:buNone/>
-              <a:defRPr sz="1400">
-                <a:solidFill>
-                  <a:schemeClr val="tx1">
-                    <a:tint val="75000"/>
-                  </a:schemeClr>
-                </a:solidFill>
-              </a:defRPr>
-            </a:lvl8pPr>
-            <a:lvl9pPr marL="3657600" indent="0">
-              <a:buNone/>
-              <a:defRPr sz="1400">
-                <a:solidFill>
-                  <a:schemeClr val="tx1">
-                    <a:tint val="75000"/>
-                  </a:schemeClr>
-                </a:solidFill>
-              </a:defRPr>
-            </a:lvl9pPr>
-          </a:lstStyle>
-          <a:p>
-            <a:pPr lvl="0"/>
-            <a:r>
-              <a:rPr lang="en-US" smtClean="0"/>
-              <a:t>Click to edit Master text styles</a:t>
-            </a:r>
-          </a:p>
-        </p:txBody>
-      </p:sp>
-      <p:sp>
-        <p:nvSpPr>
-          <p:cNvPr id="4" name="Date Placeholder 3"/>
-          <p:cNvSpPr>
-            <a:spLocks noGrp="1"/>
-          </p:cNvSpPr>
-          <p:nvPr>
-            <p:ph type="dt" sz="half" idx="10"/>
-          </p:nvPr>
-        </p:nvSpPr>
-        <p:spPr/>
-        <p:txBody>
-          <a:bodyPr/>
-          <a:lstStyle/>
-          <a:p>
-            <a:fld id="{89C68843-F252-4FDC-A047-6A4E79A98E00}" type="datetimeFigureOut">
-              <a:rPr lang="en-PH" smtClean="0"/>
-              <a:t>9/1/2015</a:t>
-            </a:fld>
-            <a:endParaRPr lang="en-PH"/>
-          </a:p>
-        </p:txBody>
-      </p:sp>
-      <p:sp>
-        <p:nvSpPr>
-          <p:cNvPr id="5" name="Footer Placeholder 4"/>
-          <p:cNvSpPr>
-            <a:spLocks noGrp="1"/>
-          </p:cNvSpPr>
-          <p:nvPr>
-            <p:ph type="ftr" sz="quarter" idx="11"/>
-          </p:nvPr>
-        </p:nvSpPr>
-        <p:spPr/>
-        <p:txBody>
-          <a:bodyPr/>
-          <a:lstStyle/>
-          <a:p>
-            <a:endParaRPr lang="en-PH"/>
-          </a:p>
-        </p:txBody>
-      </p:sp>
-      <p:sp>
-        <p:nvSpPr>
-          <p:cNvPr id="6" name="Slide Number Placeholder 5"/>
-          <p:cNvSpPr>
-            <a:spLocks noGrp="1"/>
-          </p:cNvSpPr>
-          <p:nvPr>
-            <p:ph type="sldNum" sz="quarter" idx="12"/>
-          </p:nvPr>
-        </p:nvSpPr>
-        <p:spPr/>
-        <p:txBody>
-          <a:bodyPr/>
-          <a:lstStyle/>
-          <a:p>
-            <a:fld id="{425A87E6-8E4A-4361-88C9-748B3C73C6DE}" type="slidenum">
-              <a:rPr lang="en-PH" smtClean="0"/>
-              <a:t>‹#›</a:t>
-            </a:fld>
-            <a:endParaRPr lang="en-PH"/>
-          </a:p>
-        </p:txBody>
-      </p:sp>
-    </p:spTree>
-    <p:extLst>
-      <p:ext uri="{BB962C8B-B14F-4D97-AF65-F5344CB8AC3E}">
-        <p14:creationId xmlns:p14="http://schemas.microsoft.com/office/powerpoint/2010/main" val="1672693170"/>
-      </p:ext>
-    </p:extLst>
-  </p:cSld>
-  <p:clrMapOvr>
-    <a:masterClrMapping/>
-  </p:clrMapOvr>
-  <p:transition spd="slow">
-    <p:push dir="u"/>
-  </p:transition>
-</p:sldLayout>
-</file>
-
-<file path=ppt/slideLayouts/slideLayout13.xml><?xml version="1.0" encoding="utf-8"?>
-<p:sldLayout xmlns:a="http://schemas.openxmlformats.org/drawingml/2006/main" xmlns:r="http://schemas.openxmlformats.org/officeDocument/2006/relationships" xmlns:p="http://schemas.openxmlformats.org/presentationml/2006/main" preserve="1">
-  <p:cSld name="Quote Name Card">
-    <p:spTree>
-      <p:nvGrpSpPr>
-        <p:cNvPr id="1" name=""/>
-        <p:cNvGrpSpPr/>
-        <p:nvPr/>
-      </p:nvGrpSpPr>
-      <p:grpSpPr>
-        <a:xfrm>
-          <a:off x="0" y="0"/>
-          <a:ext cx="0" cy="0"/>
-          <a:chOff x="0" y="0"/>
-          <a:chExt cx="0" cy="0"/>
-        </a:xfrm>
-      </p:grpSpPr>
-      <p:sp>
-        <p:nvSpPr>
-          <p:cNvPr id="2" name="Title 1"/>
-          <p:cNvSpPr>
-            <a:spLocks noGrp="1"/>
-          </p:cNvSpPr>
-          <p:nvPr>
-            <p:ph type="title"/>
-          </p:nvPr>
-        </p:nvSpPr>
-        <p:spPr>
-          <a:xfrm>
-            <a:off x="774885" y="609600"/>
-            <a:ext cx="6072182" cy="3022600"/>
-          </a:xfrm>
-        </p:spPr>
-        <p:txBody>
-          <a:bodyPr anchor="ctr">
-            <a:normAutofit/>
-          </a:bodyPr>
-          <a:lstStyle>
-            <a:lvl1pPr algn="l">
-              <a:defRPr sz="4400" b="0" cap="none"/>
-            </a:lvl1pPr>
-          </a:lstStyle>
-          <a:p>
-            <a:r>
-              <a:rPr lang="en-US" smtClean="0"/>
-              <a:t>Click to edit Master title style</a:t>
-            </a:r>
-            <a:endParaRPr lang="en-US" dirty="0"/>
-          </a:p>
-        </p:txBody>
-      </p:sp>
-      <p:sp>
-        <p:nvSpPr>
-          <p:cNvPr id="23" name="Text Placeholder 9"/>
-          <p:cNvSpPr>
-            <a:spLocks noGrp="1"/>
-          </p:cNvSpPr>
-          <p:nvPr>
-            <p:ph type="body" sz="quarter" idx="13"/>
-          </p:nvPr>
-        </p:nvSpPr>
-        <p:spPr>
-          <a:xfrm>
-            <a:off x="609597" y="4013200"/>
-            <a:ext cx="6347716" cy="514248"/>
-          </a:xfrm>
-        </p:spPr>
-        <p:txBody>
-          <a:bodyPr anchor="b">
-            <a:noAutofit/>
-          </a:bodyPr>
-          <a:lstStyle>
-            <a:lvl1pPr marL="0" indent="0">
-              <a:buFontTx/>
-              <a:buNone/>
-              <a:defRPr sz="2400">
-                <a:solidFill>
-                  <a:schemeClr val="tx1">
-                    <a:lumMod val="75000"/>
-                    <a:lumOff val="25000"/>
-                  </a:schemeClr>
-                </a:solidFill>
-              </a:defRPr>
-            </a:lvl1pPr>
-            <a:lvl2pPr marL="457200" indent="0">
-              <a:buFontTx/>
-              <a:buNone/>
-              <a:defRPr/>
-            </a:lvl2pPr>
-            <a:lvl3pPr marL="914400" indent="0">
-              <a:buFontTx/>
-              <a:buNone/>
-              <a:defRPr/>
-            </a:lvl3pPr>
-            <a:lvl4pPr marL="1371600" indent="0">
-              <a:buFontTx/>
-              <a:buNone/>
-              <a:defRPr/>
-            </a:lvl4pPr>
-            <a:lvl5pPr marL="1828800" indent="0">
-              <a:buFontTx/>
-              <a:buNone/>
-              <a:defRPr/>
-            </a:lvl5pPr>
-          </a:lstStyle>
-          <a:p>
-            <a:pPr lvl="0"/>
-            <a:r>
-              <a:rPr lang="en-US" smtClean="0"/>
-              <a:t>Click to edit Master text styles</a:t>
-            </a:r>
-          </a:p>
-        </p:txBody>
-      </p:sp>
-      <p:sp>
-        <p:nvSpPr>
-          <p:cNvPr id="3" name="Text Placeholder 2"/>
-          <p:cNvSpPr>
-            <a:spLocks noGrp="1"/>
-          </p:cNvSpPr>
-          <p:nvPr>
-            <p:ph type="body" idx="1"/>
-          </p:nvPr>
-        </p:nvSpPr>
-        <p:spPr>
-          <a:xfrm>
-            <a:off x="609598" y="4527448"/>
-            <a:ext cx="6347715" cy="1513914"/>
-          </a:xfrm>
-        </p:spPr>
-        <p:txBody>
-          <a:bodyPr anchor="t">
-            <a:normAutofit/>
-          </a:bodyPr>
-          <a:lstStyle>
-            <a:lvl1pPr marL="0" indent="0" algn="l">
-              <a:buNone/>
-              <a:defRPr sz="1800">
-                <a:solidFill>
-                  <a:schemeClr val="tx1">
-                    <a:lumMod val="50000"/>
-                    <a:lumOff val="50000"/>
-                  </a:schemeClr>
-                </a:solidFill>
-              </a:defRPr>
-            </a:lvl1pPr>
-            <a:lvl2pPr marL="457200" indent="0">
-              <a:buNone/>
-              <a:defRPr sz="1800">
-                <a:solidFill>
-                  <a:schemeClr val="tx1">
-                    <a:tint val="75000"/>
-                  </a:schemeClr>
-                </a:solidFill>
-              </a:defRPr>
-            </a:lvl2pPr>
-            <a:lvl3pPr marL="914400" indent="0">
-              <a:buNone/>
-              <a:defRPr sz="1600">
-                <a:solidFill>
-                  <a:schemeClr val="tx1">
-                    <a:tint val="75000"/>
-                  </a:schemeClr>
-                </a:solidFill>
-              </a:defRPr>
-            </a:lvl3pPr>
-            <a:lvl4pPr marL="1371600" indent="0">
-              <a:buNone/>
-              <a:defRPr sz="1400">
-                <a:solidFill>
-                  <a:schemeClr val="tx1">
-                    <a:tint val="75000"/>
-                  </a:schemeClr>
-                </a:solidFill>
-              </a:defRPr>
-            </a:lvl4pPr>
-            <a:lvl5pPr marL="1828800" indent="0">
-              <a:buNone/>
-              <a:defRPr sz="1400">
-                <a:solidFill>
-                  <a:schemeClr val="tx1">
-                    <a:tint val="75000"/>
-                  </a:schemeClr>
-                </a:solidFill>
-              </a:defRPr>
-            </a:lvl5pPr>
-            <a:lvl6pPr marL="2286000" indent="0">
-              <a:buNone/>
-              <a:defRPr sz="1400">
-                <a:solidFill>
-                  <a:schemeClr val="tx1">
-                    <a:tint val="75000"/>
-                  </a:schemeClr>
-                </a:solidFill>
-              </a:defRPr>
-            </a:lvl6pPr>
-            <a:lvl7pPr marL="2743200" indent="0">
-              <a:buNone/>
-              <a:defRPr sz="1400">
-                <a:solidFill>
-                  <a:schemeClr val="tx1">
-                    <a:tint val="75000"/>
-                  </a:schemeClr>
-                </a:solidFill>
-              </a:defRPr>
-            </a:lvl7pPr>
-            <a:lvl8pPr marL="3200400" indent="0">
-              <a:buNone/>
-              <a:defRPr sz="1400">
-                <a:solidFill>
-                  <a:schemeClr val="tx1">
-                    <a:tint val="75000"/>
-                  </a:schemeClr>
-                </a:solidFill>
-              </a:defRPr>
-            </a:lvl8pPr>
-            <a:lvl9pPr marL="3657600" indent="0">
-              <a:buNone/>
-              <a:defRPr sz="1400">
-                <a:solidFill>
-                  <a:schemeClr val="tx1">
-                    <a:tint val="75000"/>
-                  </a:schemeClr>
-                </a:solidFill>
-              </a:defRPr>
-            </a:lvl9pPr>
-          </a:lstStyle>
-          <a:p>
-            <a:pPr lvl="0"/>
-            <a:r>
-              <a:rPr lang="en-US" smtClean="0"/>
-              <a:t>Click to edit Master text styles</a:t>
-            </a:r>
-          </a:p>
-        </p:txBody>
-      </p:sp>
-      <p:sp>
-        <p:nvSpPr>
-          <p:cNvPr id="4" name="Date Placeholder 3"/>
-          <p:cNvSpPr>
-            <a:spLocks noGrp="1"/>
-          </p:cNvSpPr>
-          <p:nvPr>
-            <p:ph type="dt" sz="half" idx="10"/>
-          </p:nvPr>
-        </p:nvSpPr>
-        <p:spPr/>
-        <p:txBody>
-          <a:bodyPr/>
-          <a:lstStyle/>
-          <a:p>
-            <a:fld id="{89C68843-F252-4FDC-A047-6A4E79A98E00}" type="datetimeFigureOut">
-              <a:rPr lang="en-PH" smtClean="0"/>
-              <a:t>9/1/2015</a:t>
-            </a:fld>
-            <a:endParaRPr lang="en-PH"/>
-          </a:p>
-        </p:txBody>
-      </p:sp>
-      <p:sp>
-        <p:nvSpPr>
-          <p:cNvPr id="5" name="Footer Placeholder 4"/>
-          <p:cNvSpPr>
-            <a:spLocks noGrp="1"/>
-          </p:cNvSpPr>
-          <p:nvPr>
-            <p:ph type="ftr" sz="quarter" idx="11"/>
-          </p:nvPr>
-        </p:nvSpPr>
-        <p:spPr/>
-        <p:txBody>
-          <a:bodyPr/>
-          <a:lstStyle/>
-          <a:p>
-            <a:endParaRPr lang="en-PH"/>
-          </a:p>
-        </p:txBody>
-      </p:sp>
-      <p:sp>
-        <p:nvSpPr>
-          <p:cNvPr id="6" name="Slide Number Placeholder 5"/>
-          <p:cNvSpPr>
-            <a:spLocks noGrp="1"/>
-          </p:cNvSpPr>
-          <p:nvPr>
-            <p:ph type="sldNum" sz="quarter" idx="12"/>
-          </p:nvPr>
-        </p:nvSpPr>
-        <p:spPr/>
-        <p:txBody>
-          <a:bodyPr/>
-          <a:lstStyle/>
-          <a:p>
-            <a:fld id="{425A87E6-8E4A-4361-88C9-748B3C73C6DE}" type="slidenum">
-              <a:rPr lang="en-PH" smtClean="0"/>
-              <a:t>‹#›</a:t>
-            </a:fld>
-            <a:endParaRPr lang="en-PH"/>
-          </a:p>
-        </p:txBody>
-      </p:sp>
-      <p:sp>
-        <p:nvSpPr>
-          <p:cNvPr id="24" name="TextBox 23"/>
-          <p:cNvSpPr txBox="1"/>
-          <p:nvPr/>
-        </p:nvSpPr>
-        <p:spPr>
-          <a:xfrm>
-            <a:off x="482711" y="790378"/>
-            <a:ext cx="457319" cy="584776"/>
-          </a:xfrm>
-          <a:prstGeom prst="rect">
-            <a:avLst/>
-          </a:prstGeom>
-        </p:spPr>
-        <p:txBody>
-          <a:bodyPr vert="horz" lIns="91440" tIns="45720" rIns="91440" bIns="45720" rtlCol="0" anchor="ctr">
-            <a:noAutofit/>
-          </a:bodyPr>
-          <a:lstStyle/>
-          <a:p>
-            <a:pPr lvl="0"/>
-            <a:r>
-              <a:rPr lang="en-US" sz="8000" baseline="0" dirty="0">
-                <a:ln w="3175" cmpd="sng">
-                  <a:noFill/>
-                </a:ln>
-                <a:solidFill>
-                  <a:schemeClr val="accent1">
-                    <a:lumMod val="60000"/>
-                    <a:lumOff val="40000"/>
-                  </a:schemeClr>
-                </a:solidFill>
-                <a:effectLst/>
-                <a:latin typeface="Arial"/>
-              </a:rPr>
-              <a:t>“</a:t>
-            </a:r>
-          </a:p>
-        </p:txBody>
-      </p:sp>
-      <p:sp>
-        <p:nvSpPr>
-          <p:cNvPr id="25" name="TextBox 24"/>
-          <p:cNvSpPr txBox="1"/>
-          <p:nvPr/>
-        </p:nvSpPr>
-        <p:spPr>
-          <a:xfrm>
-            <a:off x="6747699" y="2886556"/>
-            <a:ext cx="457319" cy="584776"/>
-          </a:xfrm>
-          <a:prstGeom prst="rect">
-            <a:avLst/>
-          </a:prstGeom>
-        </p:spPr>
-        <p:txBody>
-          <a:bodyPr vert="horz" lIns="91440" tIns="45720" rIns="91440" bIns="45720" rtlCol="0" anchor="ctr">
-            <a:noAutofit/>
-          </a:bodyPr>
-          <a:lstStyle/>
-          <a:p>
-            <a:pPr lvl="0"/>
-            <a:r>
-              <a:rPr lang="en-US" sz="8000" baseline="0" dirty="0">
-                <a:ln w="3175" cmpd="sng">
-                  <a:noFill/>
-                </a:ln>
-                <a:solidFill>
-                  <a:schemeClr val="accent1">
-                    <a:lumMod val="60000"/>
-                    <a:lumOff val="40000"/>
-                  </a:schemeClr>
-                </a:solidFill>
-                <a:effectLst/>
-                <a:latin typeface="Arial"/>
-              </a:rPr>
-              <a:t>”</a:t>
-            </a:r>
-          </a:p>
-        </p:txBody>
-      </p:sp>
-    </p:spTree>
-    <p:extLst>
-      <p:ext uri="{BB962C8B-B14F-4D97-AF65-F5344CB8AC3E}">
-        <p14:creationId xmlns:p14="http://schemas.microsoft.com/office/powerpoint/2010/main" val="3565349957"/>
-      </p:ext>
-    </p:extLst>
-  </p:cSld>
-  <p:clrMapOvr>
-    <a:masterClrMapping/>
-  </p:clrMapOvr>
-  <p:transition spd="slow">
-    <p:push dir="u"/>
-  </p:transition>
-</p:sldLayout>
-</file>
-
-<file path=ppt/slideLayouts/slideLayout14.xml><?xml version="1.0" encoding="utf-8"?>
-<p:sldLayout xmlns:a="http://schemas.openxmlformats.org/drawingml/2006/main" xmlns:r="http://schemas.openxmlformats.org/officeDocument/2006/relationships" xmlns:p="http://schemas.openxmlformats.org/presentationml/2006/main" preserve="1">
-  <p:cSld name="True or False">
-    <p:spTree>
-      <p:nvGrpSpPr>
-        <p:cNvPr id="1" name=""/>
-        <p:cNvGrpSpPr/>
-        <p:nvPr/>
-      </p:nvGrpSpPr>
-      <p:grpSpPr>
-        <a:xfrm>
-          <a:off x="0" y="0"/>
-          <a:ext cx="0" cy="0"/>
-          <a:chOff x="0" y="0"/>
-          <a:chExt cx="0" cy="0"/>
-        </a:xfrm>
-      </p:grpSpPr>
-      <p:sp>
-        <p:nvSpPr>
-          <p:cNvPr id="2" name="Title 1"/>
-          <p:cNvSpPr>
-            <a:spLocks noGrp="1"/>
-          </p:cNvSpPr>
-          <p:nvPr>
-            <p:ph type="title"/>
-          </p:nvPr>
-        </p:nvSpPr>
-        <p:spPr>
-          <a:xfrm>
-            <a:off x="615848" y="609600"/>
-            <a:ext cx="6341465" cy="3022600"/>
-          </a:xfrm>
-        </p:spPr>
-        <p:txBody>
-          <a:bodyPr anchor="ctr">
-            <a:normAutofit/>
-          </a:bodyPr>
-          <a:lstStyle>
-            <a:lvl1pPr algn="l">
-              <a:defRPr sz="4400" b="0" cap="none"/>
-            </a:lvl1pPr>
-          </a:lstStyle>
-          <a:p>
-            <a:r>
-              <a:rPr lang="en-US" smtClean="0"/>
-              <a:t>Click to edit Master title style</a:t>
-            </a:r>
-            <a:endParaRPr lang="en-US" dirty="0"/>
-          </a:p>
-        </p:txBody>
-      </p:sp>
-      <p:sp>
-        <p:nvSpPr>
-          <p:cNvPr id="23" name="Text Placeholder 9"/>
-          <p:cNvSpPr>
-            <a:spLocks noGrp="1"/>
-          </p:cNvSpPr>
-          <p:nvPr>
-            <p:ph type="body" sz="quarter" idx="13"/>
-          </p:nvPr>
-        </p:nvSpPr>
-        <p:spPr>
-          <a:xfrm>
-            <a:off x="609597" y="4013200"/>
-            <a:ext cx="6347716" cy="514248"/>
-          </a:xfrm>
-        </p:spPr>
-        <p:txBody>
-          <a:bodyPr anchor="b">
-            <a:noAutofit/>
-          </a:bodyPr>
-          <a:lstStyle>
-            <a:lvl1pPr marL="0" indent="0">
-              <a:buFontTx/>
-              <a:buNone/>
-              <a:defRPr sz="2400">
-                <a:solidFill>
-                  <a:schemeClr val="accent1"/>
-                </a:solidFill>
-              </a:defRPr>
-            </a:lvl1pPr>
-            <a:lvl2pPr marL="457200" indent="0">
-              <a:buFontTx/>
-              <a:buNone/>
-              <a:defRPr/>
-            </a:lvl2pPr>
-            <a:lvl3pPr marL="914400" indent="0">
-              <a:buFontTx/>
-              <a:buNone/>
-              <a:defRPr/>
-            </a:lvl3pPr>
-            <a:lvl4pPr marL="1371600" indent="0">
-              <a:buFontTx/>
-              <a:buNone/>
-              <a:defRPr/>
-            </a:lvl4pPr>
-            <a:lvl5pPr marL="1828800" indent="0">
-              <a:buFontTx/>
-              <a:buNone/>
-              <a:defRPr/>
-            </a:lvl5pPr>
-          </a:lstStyle>
-          <a:p>
-            <a:pPr lvl="0"/>
-            <a:r>
-              <a:rPr lang="en-US" smtClean="0"/>
-              <a:t>Click to edit Master text styles</a:t>
-            </a:r>
-          </a:p>
-        </p:txBody>
-      </p:sp>
-      <p:sp>
-        <p:nvSpPr>
-          <p:cNvPr id="3" name="Text Placeholder 2"/>
-          <p:cNvSpPr>
-            <a:spLocks noGrp="1"/>
-          </p:cNvSpPr>
-          <p:nvPr>
-            <p:ph type="body" idx="1"/>
-          </p:nvPr>
-        </p:nvSpPr>
-        <p:spPr>
-          <a:xfrm>
-            <a:off x="609598" y="4527448"/>
-            <a:ext cx="6347715" cy="1513914"/>
-          </a:xfrm>
-        </p:spPr>
-        <p:txBody>
-          <a:bodyPr anchor="t">
-            <a:normAutofit/>
-          </a:bodyPr>
-          <a:lstStyle>
-            <a:lvl1pPr marL="0" indent="0" algn="l">
-              <a:buNone/>
-              <a:defRPr sz="1800">
-                <a:solidFill>
-                  <a:schemeClr val="tx1">
-                    <a:lumMod val="50000"/>
-                    <a:lumOff val="50000"/>
-                  </a:schemeClr>
-                </a:solidFill>
-              </a:defRPr>
-            </a:lvl1pPr>
-            <a:lvl2pPr marL="457200" indent="0">
-              <a:buNone/>
-              <a:defRPr sz="1800">
-                <a:solidFill>
-                  <a:schemeClr val="tx1">
-                    <a:tint val="75000"/>
-                  </a:schemeClr>
-                </a:solidFill>
-              </a:defRPr>
-            </a:lvl2pPr>
-            <a:lvl3pPr marL="914400" indent="0">
-              <a:buNone/>
-              <a:defRPr sz="1600">
-                <a:solidFill>
-                  <a:schemeClr val="tx1">
-                    <a:tint val="75000"/>
-                  </a:schemeClr>
-                </a:solidFill>
-              </a:defRPr>
-            </a:lvl3pPr>
-            <a:lvl4pPr marL="1371600" indent="0">
-              <a:buNone/>
-              <a:defRPr sz="1400">
-                <a:solidFill>
-                  <a:schemeClr val="tx1">
-                    <a:tint val="75000"/>
-                  </a:schemeClr>
-                </a:solidFill>
-              </a:defRPr>
-            </a:lvl4pPr>
-            <a:lvl5pPr marL="1828800" indent="0">
-              <a:buNone/>
-              <a:defRPr sz="1400">
-                <a:solidFill>
-                  <a:schemeClr val="tx1">
-                    <a:tint val="75000"/>
-                  </a:schemeClr>
-                </a:solidFill>
-              </a:defRPr>
-            </a:lvl5pPr>
-            <a:lvl6pPr marL="2286000" indent="0">
-              <a:buNone/>
-              <a:defRPr sz="1400">
-                <a:solidFill>
-                  <a:schemeClr val="tx1">
-                    <a:tint val="75000"/>
-                  </a:schemeClr>
-                </a:solidFill>
-              </a:defRPr>
-            </a:lvl6pPr>
-            <a:lvl7pPr marL="2743200" indent="0">
-              <a:buNone/>
-              <a:defRPr sz="1400">
-                <a:solidFill>
-                  <a:schemeClr val="tx1">
-                    <a:tint val="75000"/>
-                  </a:schemeClr>
-                </a:solidFill>
-              </a:defRPr>
-            </a:lvl7pPr>
-            <a:lvl8pPr marL="3200400" indent="0">
-              <a:buNone/>
-              <a:defRPr sz="1400">
-                <a:solidFill>
-                  <a:schemeClr val="tx1">
-                    <a:tint val="75000"/>
-                  </a:schemeClr>
-                </a:solidFill>
-              </a:defRPr>
-            </a:lvl8pPr>
-            <a:lvl9pPr marL="3657600" indent="0">
-              <a:buNone/>
-              <a:defRPr sz="1400">
-                <a:solidFill>
-                  <a:schemeClr val="tx1">
-                    <a:tint val="75000"/>
-                  </a:schemeClr>
-                </a:solidFill>
-              </a:defRPr>
-            </a:lvl9pPr>
-          </a:lstStyle>
-          <a:p>
-            <a:pPr lvl="0"/>
-            <a:r>
-              <a:rPr lang="en-US" smtClean="0"/>
-              <a:t>Click to edit Master text styles</a:t>
-            </a:r>
-          </a:p>
-        </p:txBody>
-      </p:sp>
-      <p:sp>
-        <p:nvSpPr>
-          <p:cNvPr id="4" name="Date Placeholder 3"/>
-          <p:cNvSpPr>
-            <a:spLocks noGrp="1"/>
-          </p:cNvSpPr>
-          <p:nvPr>
-            <p:ph type="dt" sz="half" idx="10"/>
-          </p:nvPr>
-        </p:nvSpPr>
-        <p:spPr/>
-        <p:txBody>
-          <a:bodyPr/>
-          <a:lstStyle/>
-          <a:p>
-            <a:fld id="{89C68843-F252-4FDC-A047-6A4E79A98E00}" type="datetimeFigureOut">
-              <a:rPr lang="en-PH" smtClean="0"/>
-              <a:t>9/1/2015</a:t>
-            </a:fld>
-            <a:endParaRPr lang="en-PH"/>
-          </a:p>
-        </p:txBody>
-      </p:sp>
-      <p:sp>
-        <p:nvSpPr>
-          <p:cNvPr id="5" name="Footer Placeholder 4"/>
-          <p:cNvSpPr>
-            <a:spLocks noGrp="1"/>
-          </p:cNvSpPr>
-          <p:nvPr>
-            <p:ph type="ftr" sz="quarter" idx="11"/>
-          </p:nvPr>
-        </p:nvSpPr>
-        <p:spPr/>
-        <p:txBody>
-          <a:bodyPr/>
-          <a:lstStyle/>
-          <a:p>
-            <a:endParaRPr lang="en-PH"/>
-          </a:p>
-        </p:txBody>
-      </p:sp>
-      <p:sp>
-        <p:nvSpPr>
-          <p:cNvPr id="6" name="Slide Number Placeholder 5"/>
-          <p:cNvSpPr>
-            <a:spLocks noGrp="1"/>
-          </p:cNvSpPr>
-          <p:nvPr>
-            <p:ph type="sldNum" sz="quarter" idx="12"/>
-          </p:nvPr>
-        </p:nvSpPr>
-        <p:spPr/>
-        <p:txBody>
-          <a:bodyPr/>
-          <a:lstStyle/>
-          <a:p>
-            <a:fld id="{425A87E6-8E4A-4361-88C9-748B3C73C6DE}" type="slidenum">
-              <a:rPr lang="en-PH" smtClean="0"/>
-              <a:t>‹#›</a:t>
-            </a:fld>
-            <a:endParaRPr lang="en-PH"/>
-          </a:p>
-        </p:txBody>
-      </p:sp>
-    </p:spTree>
-    <p:extLst>
-      <p:ext uri="{BB962C8B-B14F-4D97-AF65-F5344CB8AC3E}">
-        <p14:creationId xmlns:p14="http://schemas.microsoft.com/office/powerpoint/2010/main" val="3329656927"/>
-      </p:ext>
-    </p:extLst>
-  </p:cSld>
-  <p:clrMapOvr>
-    <a:masterClrMapping/>
-  </p:clrMapOvr>
-  <p:transition spd="slow">
-    <p:push dir="u"/>
-  </p:transition>
-</p:sldLayout>
-</file>
-
-<file path=ppt/slideLayouts/slideLayout15.xml><?xml version="1.0" encoding="utf-8"?>
-<p:sldLayout xmlns:a="http://schemas.openxmlformats.org/drawingml/2006/main" xmlns:r="http://schemas.openxmlformats.org/officeDocument/2006/relationships" xmlns:p="http://schemas.openxmlformats.org/presentationml/2006/main" type="vertTx" preserve="1">
-  <p:cSld name="Title and Vertical Text">
-    <p:spTree>
-      <p:nvGrpSpPr>
-        <p:cNvPr id="1" name=""/>
-        <p:cNvGrpSpPr/>
-        <p:nvPr/>
-      </p:nvGrpSpPr>
-      <p:grpSpPr>
-        <a:xfrm>
-          <a:off x="0" y="0"/>
-          <a:ext cx="0" cy="0"/>
-          <a:chOff x="0" y="0"/>
-          <a:chExt cx="0" cy="0"/>
-        </a:xfrm>
-      </p:grpSpPr>
-      <p:sp>
-        <p:nvSpPr>
-          <p:cNvPr id="2" name="Title 1"/>
-          <p:cNvSpPr>
-            <a:spLocks noGrp="1"/>
-          </p:cNvSpPr>
-          <p:nvPr>
-            <p:ph type="title"/>
-          </p:nvPr>
-        </p:nvSpPr>
-        <p:spPr/>
-        <p:txBody>
-          <a:bodyPr/>
-          <a:lstStyle/>
-          <a:p>
-            <a:r>
-              <a:rPr lang="en-US" smtClean="0"/>
-              <a:t>Click to edit Master title style</a:t>
-            </a:r>
-            <a:endParaRPr lang="en-US" dirty="0"/>
-          </a:p>
-        </p:txBody>
-      </p:sp>
-      <p:sp>
-        <p:nvSpPr>
-          <p:cNvPr id="3" name="Vertical Text Placeholder 2"/>
-          <p:cNvSpPr>
-            <a:spLocks noGrp="1"/>
-          </p:cNvSpPr>
-          <p:nvPr>
-            <p:ph type="body" orient="vert" idx="1"/>
-          </p:nvPr>
-        </p:nvSpPr>
-        <p:spPr/>
-        <p:txBody>
-          <a:bodyPr vert="eaVert"/>
-          <a:lstStyle/>
-          <a:p>
-            <a:pPr lvl="0"/>
-            <a:r>
-              <a:rPr lang="en-US" smtClean="0"/>
-              <a:t>Click to edit Master text styles</a:t>
-            </a:r>
-          </a:p>
-          <a:p>
-            <a:pPr lvl="1"/>
-            <a:r>
-              <a:rPr lang="en-US" smtClean="0"/>
-              <a:t>Second level</a:t>
-            </a:r>
-          </a:p>
-          <a:p>
-            <a:pPr lvl="2"/>
-            <a:r>
-              <a:rPr lang="en-US" smtClean="0"/>
-              <a:t>Third level</a:t>
-            </a:r>
-          </a:p>
-          <a:p>
-            <a:pPr lvl="3"/>
-            <a:r>
-              <a:rPr lang="en-US" smtClean="0"/>
-              <a:t>Fourth level</a:t>
-            </a:r>
-          </a:p>
-          <a:p>
-            <a:pPr lvl="4"/>
-            <a:r>
-              <a:rPr lang="en-US" smtClean="0"/>
-              <a:t>Fifth level</a:t>
-            </a:r>
-            <a:endParaRPr lang="en-US" dirty="0"/>
-          </a:p>
-        </p:txBody>
-      </p:sp>
-      <p:sp>
-        <p:nvSpPr>
-          <p:cNvPr id="4" name="Date Placeholder 3"/>
-          <p:cNvSpPr>
-            <a:spLocks noGrp="1"/>
-          </p:cNvSpPr>
-          <p:nvPr>
-            <p:ph type="dt" sz="half" idx="10"/>
-          </p:nvPr>
-        </p:nvSpPr>
-        <p:spPr/>
-        <p:txBody>
-          <a:bodyPr/>
-          <a:lstStyle/>
-          <a:p>
-            <a:fld id="{89C68843-F252-4FDC-A047-6A4E79A98E00}" type="datetimeFigureOut">
-              <a:rPr lang="en-PH" smtClean="0"/>
-              <a:t>9/1/2015</a:t>
-            </a:fld>
-            <a:endParaRPr lang="en-PH"/>
-          </a:p>
-        </p:txBody>
-      </p:sp>
-      <p:sp>
-        <p:nvSpPr>
-          <p:cNvPr id="5" name="Footer Placeholder 4"/>
-          <p:cNvSpPr>
-            <a:spLocks noGrp="1"/>
-          </p:cNvSpPr>
-          <p:nvPr>
-            <p:ph type="ftr" sz="quarter" idx="11"/>
-          </p:nvPr>
-        </p:nvSpPr>
-        <p:spPr/>
-        <p:txBody>
-          <a:bodyPr/>
-          <a:lstStyle/>
-          <a:p>
-            <a:endParaRPr lang="en-PH"/>
-          </a:p>
-        </p:txBody>
-      </p:sp>
-      <p:sp>
-        <p:nvSpPr>
-          <p:cNvPr id="6" name="Slide Number Placeholder 5"/>
-          <p:cNvSpPr>
-            <a:spLocks noGrp="1"/>
-          </p:cNvSpPr>
-          <p:nvPr>
-            <p:ph type="sldNum" sz="quarter" idx="12"/>
-          </p:nvPr>
-        </p:nvSpPr>
-        <p:spPr/>
-        <p:txBody>
-          <a:bodyPr/>
-          <a:lstStyle/>
-          <a:p>
-            <a:fld id="{425A87E6-8E4A-4361-88C9-748B3C73C6DE}" type="slidenum">
-              <a:rPr lang="en-PH" smtClean="0"/>
-              <a:t>‹#›</a:t>
-            </a:fld>
-            <a:endParaRPr lang="en-PH"/>
-          </a:p>
-        </p:txBody>
-      </p:sp>
-    </p:spTree>
-    <p:extLst>
-      <p:ext uri="{BB962C8B-B14F-4D97-AF65-F5344CB8AC3E}">
-        <p14:creationId xmlns:p14="http://schemas.microsoft.com/office/powerpoint/2010/main" val="3099374232"/>
+        <p14:creationId xmlns:p14="http://schemas.microsoft.com/office/powerpoint/2010/main" val="4278673732"/>
       </p:ext>
     </p:extLst>
   </p:cSld>
@@ -3233,7 +1329,2293 @@
 </p:sldLayout>
 </file>
 
+<file path=ppt/slideLayouts/slideLayout12.xml><?xml version="1.0" encoding="utf-8"?>
+<p:sldLayout xmlns:a="http://schemas.openxmlformats.org/drawingml/2006/main" xmlns:r="http://schemas.openxmlformats.org/officeDocument/2006/relationships" xmlns:p="http://schemas.openxmlformats.org/presentationml/2006/main" preserve="1">
+  <p:cSld name="Quote with Caption">
+    <p:spTree>
+      <p:nvGrpSpPr>
+        <p:cNvPr id="1" name=""/>
+        <p:cNvGrpSpPr/>
+        <p:nvPr/>
+      </p:nvGrpSpPr>
+      <p:grpSpPr>
+        <a:xfrm>
+          <a:off x="0" y="0"/>
+          <a:ext cx="0" cy="0"/>
+          <a:chOff x="0" y="0"/>
+          <a:chExt cx="0" cy="0"/>
+        </a:xfrm>
+      </p:grpSpPr>
+      <p:sp>
+        <p:nvSpPr>
+          <p:cNvPr id="2" name="Title 1"/>
+          <p:cNvSpPr>
+            <a:spLocks noGrp="1"/>
+          </p:cNvSpPr>
+          <p:nvPr>
+            <p:ph type="title"/>
+          </p:nvPr>
+        </p:nvSpPr>
+        <p:spPr>
+          <a:xfrm>
+            <a:off x="1084659" y="609600"/>
+            <a:ext cx="6977064" cy="2992904"/>
+          </a:xfrm>
+        </p:spPr>
+        <p:txBody>
+          <a:bodyPr anchor="ctr"/>
+          <a:lstStyle>
+            <a:lvl1pPr>
+              <a:defRPr sz="3200"/>
+            </a:lvl1pPr>
+          </a:lstStyle>
+          <a:p>
+            <a:r>
+              <a:rPr lang="en-US" smtClean="0"/>
+              <a:t>Click to edit Master title style</a:t>
+            </a:r>
+            <a:endParaRPr lang="en-US" dirty="0"/>
+          </a:p>
+        </p:txBody>
+      </p:sp>
+      <p:sp>
+        <p:nvSpPr>
+          <p:cNvPr id="12" name="Text Placeholder 3"/>
+          <p:cNvSpPr>
+            <a:spLocks noGrp="1"/>
+          </p:cNvSpPr>
+          <p:nvPr>
+            <p:ph type="body" sz="half" idx="13"/>
+          </p:nvPr>
+        </p:nvSpPr>
+        <p:spPr>
+          <a:xfrm>
+            <a:off x="1290484" y="3610033"/>
+            <a:ext cx="6564224" cy="532749"/>
+          </a:xfrm>
+        </p:spPr>
+        <p:txBody>
+          <a:bodyPr anchor="t">
+            <a:normAutofit/>
+          </a:bodyPr>
+          <a:lstStyle>
+            <a:lvl1pPr marL="0" indent="0" algn="r">
+              <a:buNone/>
+              <a:defRPr sz="1400"/>
+            </a:lvl1pPr>
+            <a:lvl2pPr marL="457200" indent="0">
+              <a:buNone/>
+              <a:defRPr sz="1400"/>
+            </a:lvl2pPr>
+            <a:lvl3pPr marL="914400" indent="0">
+              <a:buNone/>
+              <a:defRPr sz="1200"/>
+            </a:lvl3pPr>
+            <a:lvl4pPr marL="1371600" indent="0">
+              <a:buNone/>
+              <a:defRPr sz="1000"/>
+            </a:lvl4pPr>
+            <a:lvl5pPr marL="1828800" indent="0">
+              <a:buNone/>
+              <a:defRPr sz="1000"/>
+            </a:lvl5pPr>
+            <a:lvl6pPr marL="2286000" indent="0">
+              <a:buNone/>
+              <a:defRPr sz="1000"/>
+            </a:lvl6pPr>
+            <a:lvl7pPr marL="2743200" indent="0">
+              <a:buNone/>
+              <a:defRPr sz="1000"/>
+            </a:lvl7pPr>
+            <a:lvl8pPr marL="3200400" indent="0">
+              <a:buNone/>
+              <a:defRPr sz="1000"/>
+            </a:lvl8pPr>
+            <a:lvl9pPr marL="3657600" indent="0">
+              <a:buNone/>
+              <a:defRPr sz="1000"/>
+            </a:lvl9pPr>
+          </a:lstStyle>
+          <a:p>
+            <a:pPr lvl="0"/>
+            <a:r>
+              <a:rPr lang="en-US" smtClean="0"/>
+              <a:t>Click to edit Master text styles</a:t>
+            </a:r>
+          </a:p>
+        </p:txBody>
+      </p:sp>
+      <p:sp>
+        <p:nvSpPr>
+          <p:cNvPr id="4" name="Text Placeholder 3"/>
+          <p:cNvSpPr>
+            <a:spLocks noGrp="1"/>
+          </p:cNvSpPr>
+          <p:nvPr>
+            <p:ph type="body" sz="half" idx="2"/>
+          </p:nvPr>
+        </p:nvSpPr>
+        <p:spPr>
+          <a:xfrm>
+            <a:off x="685346" y="4304353"/>
+            <a:ext cx="7765322" cy="1489496"/>
+          </a:xfrm>
+        </p:spPr>
+        <p:txBody>
+          <a:bodyPr anchor="ctr">
+            <a:normAutofit/>
+          </a:bodyPr>
+          <a:lstStyle>
+            <a:lvl1pPr marL="0" indent="0" algn="ctr">
+              <a:buNone/>
+              <a:defRPr sz="1600"/>
+            </a:lvl1pPr>
+            <a:lvl2pPr marL="457200" indent="0">
+              <a:buNone/>
+              <a:defRPr sz="1400"/>
+            </a:lvl2pPr>
+            <a:lvl3pPr marL="914400" indent="0">
+              <a:buNone/>
+              <a:defRPr sz="1200"/>
+            </a:lvl3pPr>
+            <a:lvl4pPr marL="1371600" indent="0">
+              <a:buNone/>
+              <a:defRPr sz="1000"/>
+            </a:lvl4pPr>
+            <a:lvl5pPr marL="1828800" indent="0">
+              <a:buNone/>
+              <a:defRPr sz="1000"/>
+            </a:lvl5pPr>
+            <a:lvl6pPr marL="2286000" indent="0">
+              <a:buNone/>
+              <a:defRPr sz="1000"/>
+            </a:lvl6pPr>
+            <a:lvl7pPr marL="2743200" indent="0">
+              <a:buNone/>
+              <a:defRPr sz="1000"/>
+            </a:lvl7pPr>
+            <a:lvl8pPr marL="3200400" indent="0">
+              <a:buNone/>
+              <a:defRPr sz="1000"/>
+            </a:lvl8pPr>
+            <a:lvl9pPr marL="3657600" indent="0">
+              <a:buNone/>
+              <a:defRPr sz="1000"/>
+            </a:lvl9pPr>
+          </a:lstStyle>
+          <a:p>
+            <a:pPr lvl="0"/>
+            <a:r>
+              <a:rPr lang="en-US" smtClean="0"/>
+              <a:t>Click to edit Master text styles</a:t>
+            </a:r>
+          </a:p>
+        </p:txBody>
+      </p:sp>
+      <p:sp>
+        <p:nvSpPr>
+          <p:cNvPr id="5" name="Date Placeholder 4"/>
+          <p:cNvSpPr>
+            <a:spLocks noGrp="1"/>
+          </p:cNvSpPr>
+          <p:nvPr>
+            <p:ph type="dt" sz="half" idx="10"/>
+          </p:nvPr>
+        </p:nvSpPr>
+        <p:spPr/>
+        <p:txBody>
+          <a:bodyPr/>
+          <a:lstStyle/>
+          <a:p>
+            <a:fld id="{89C68843-F252-4FDC-A047-6A4E79A98E00}" type="datetimeFigureOut">
+              <a:rPr lang="en-PH" smtClean="0"/>
+              <a:t>9/2/2015</a:t>
+            </a:fld>
+            <a:endParaRPr lang="en-PH"/>
+          </a:p>
+        </p:txBody>
+      </p:sp>
+      <p:sp>
+        <p:nvSpPr>
+          <p:cNvPr id="6" name="Footer Placeholder 5"/>
+          <p:cNvSpPr>
+            <a:spLocks noGrp="1"/>
+          </p:cNvSpPr>
+          <p:nvPr>
+            <p:ph type="ftr" sz="quarter" idx="11"/>
+          </p:nvPr>
+        </p:nvSpPr>
+        <p:spPr/>
+        <p:txBody>
+          <a:bodyPr/>
+          <a:lstStyle/>
+          <a:p>
+            <a:endParaRPr lang="en-PH"/>
+          </a:p>
+        </p:txBody>
+      </p:sp>
+      <p:sp>
+        <p:nvSpPr>
+          <p:cNvPr id="7" name="Slide Number Placeholder 6"/>
+          <p:cNvSpPr>
+            <a:spLocks noGrp="1"/>
+          </p:cNvSpPr>
+          <p:nvPr>
+            <p:ph type="sldNum" sz="quarter" idx="12"/>
+          </p:nvPr>
+        </p:nvSpPr>
+        <p:spPr/>
+        <p:txBody>
+          <a:bodyPr/>
+          <a:lstStyle/>
+          <a:p>
+            <a:fld id="{425A87E6-8E4A-4361-88C9-748B3C73C6DE}" type="slidenum">
+              <a:rPr lang="en-PH" smtClean="0"/>
+              <a:t>‹#›</a:t>
+            </a:fld>
+            <a:endParaRPr lang="en-PH"/>
+          </a:p>
+        </p:txBody>
+      </p:sp>
+      <p:sp>
+        <p:nvSpPr>
+          <p:cNvPr id="11" name="TextBox 10"/>
+          <p:cNvSpPr txBox="1"/>
+          <p:nvPr/>
+        </p:nvSpPr>
+        <p:spPr>
+          <a:xfrm>
+            <a:off x="627459" y="873912"/>
+            <a:ext cx="457200" cy="584776"/>
+          </a:xfrm>
+          <a:prstGeom prst="rect">
+            <a:avLst/>
+          </a:prstGeom>
+        </p:spPr>
+        <p:txBody>
+          <a:bodyPr vert="horz" lIns="91440" tIns="45720" rIns="91440" bIns="45720" rtlCol="0" anchor="ctr">
+            <a:noAutofit/>
+          </a:bodyPr>
+          <a:lstStyle>
+            <a:lvl1pPr>
+              <a:spcBef>
+                <a:spcPct val="0"/>
+              </a:spcBef>
+              <a:buNone/>
+              <a:defRPr sz="3200" b="0" cap="all">
+                <a:ln w="3175" cmpd="sng">
+                  <a:noFill/>
+                </a:ln>
+                <a:effectLst>
+                  <a:glow rad="38100">
+                    <a:schemeClr val="bg1">
+                      <a:lumMod val="65000"/>
+                      <a:lumOff val="35000"/>
+                      <a:alpha val="40000"/>
+                    </a:schemeClr>
+                  </a:glow>
+                  <a:outerShdw blurRad="28575" dist="38100" dir="14040000" algn="tl" rotWithShape="0">
+                    <a:srgbClr val="000000">
+                      <a:alpha val="25000"/>
+                    </a:srgbClr>
+                  </a:outerShdw>
+                </a:effectLst>
+              </a:defRPr>
+            </a:lvl1pPr>
+            <a:lvl2pPr>
+              <a:defRPr>
+                <a:solidFill>
+                  <a:schemeClr val="tx2"/>
+                </a:solidFill>
+              </a:defRPr>
+            </a:lvl2pPr>
+            <a:lvl3pPr>
+              <a:defRPr>
+                <a:solidFill>
+                  <a:schemeClr val="tx2"/>
+                </a:solidFill>
+              </a:defRPr>
+            </a:lvl3pPr>
+            <a:lvl4pPr>
+              <a:defRPr>
+                <a:solidFill>
+                  <a:schemeClr val="tx2"/>
+                </a:solidFill>
+              </a:defRPr>
+            </a:lvl4pPr>
+            <a:lvl5pPr>
+              <a:defRPr>
+                <a:solidFill>
+                  <a:schemeClr val="tx2"/>
+                </a:solidFill>
+              </a:defRPr>
+            </a:lvl5pPr>
+            <a:lvl6pPr>
+              <a:defRPr>
+                <a:solidFill>
+                  <a:schemeClr val="tx2"/>
+                </a:solidFill>
+              </a:defRPr>
+            </a:lvl6pPr>
+            <a:lvl7pPr>
+              <a:defRPr>
+                <a:solidFill>
+                  <a:schemeClr val="tx2"/>
+                </a:solidFill>
+              </a:defRPr>
+            </a:lvl7pPr>
+            <a:lvl8pPr>
+              <a:defRPr>
+                <a:solidFill>
+                  <a:schemeClr val="tx2"/>
+                </a:solidFill>
+              </a:defRPr>
+            </a:lvl8pPr>
+            <a:lvl9pPr>
+              <a:defRPr>
+                <a:solidFill>
+                  <a:schemeClr val="tx2"/>
+                </a:solidFill>
+              </a:defRPr>
+            </a:lvl9pPr>
+          </a:lstStyle>
+          <a:p>
+            <a:pPr lvl="0"/>
+            <a:r>
+              <a:rPr lang="en-US" sz="8000" dirty="0">
+                <a:solidFill>
+                  <a:schemeClr val="tx1"/>
+                </a:solidFill>
+                <a:effectLst/>
+              </a:rPr>
+              <a:t>“</a:t>
+            </a:r>
+          </a:p>
+        </p:txBody>
+      </p:sp>
+      <p:sp>
+        <p:nvSpPr>
+          <p:cNvPr id="13" name="TextBox 12"/>
+          <p:cNvSpPr txBox="1"/>
+          <p:nvPr/>
+        </p:nvSpPr>
+        <p:spPr>
+          <a:xfrm>
+            <a:off x="7828359" y="2933245"/>
+            <a:ext cx="457200" cy="584776"/>
+          </a:xfrm>
+          <a:prstGeom prst="rect">
+            <a:avLst/>
+          </a:prstGeom>
+        </p:spPr>
+        <p:txBody>
+          <a:bodyPr vert="horz" lIns="91440" tIns="45720" rIns="91440" bIns="45720" rtlCol="0" anchor="ctr">
+            <a:noAutofit/>
+          </a:bodyPr>
+          <a:lstStyle>
+            <a:lvl1pPr>
+              <a:spcBef>
+                <a:spcPct val="0"/>
+              </a:spcBef>
+              <a:buNone/>
+              <a:defRPr sz="3200" b="0" cap="all">
+                <a:ln w="3175" cmpd="sng">
+                  <a:noFill/>
+                </a:ln>
+                <a:effectLst>
+                  <a:glow rad="38100">
+                    <a:schemeClr val="bg1">
+                      <a:lumMod val="65000"/>
+                      <a:lumOff val="35000"/>
+                      <a:alpha val="40000"/>
+                    </a:schemeClr>
+                  </a:glow>
+                  <a:outerShdw blurRad="28575" dist="38100" dir="14040000" algn="tl" rotWithShape="0">
+                    <a:srgbClr val="000000">
+                      <a:alpha val="25000"/>
+                    </a:srgbClr>
+                  </a:outerShdw>
+                </a:effectLst>
+              </a:defRPr>
+            </a:lvl1pPr>
+            <a:lvl2pPr>
+              <a:defRPr>
+                <a:solidFill>
+                  <a:schemeClr val="tx2"/>
+                </a:solidFill>
+              </a:defRPr>
+            </a:lvl2pPr>
+            <a:lvl3pPr>
+              <a:defRPr>
+                <a:solidFill>
+                  <a:schemeClr val="tx2"/>
+                </a:solidFill>
+              </a:defRPr>
+            </a:lvl3pPr>
+            <a:lvl4pPr>
+              <a:defRPr>
+                <a:solidFill>
+                  <a:schemeClr val="tx2"/>
+                </a:solidFill>
+              </a:defRPr>
+            </a:lvl4pPr>
+            <a:lvl5pPr>
+              <a:defRPr>
+                <a:solidFill>
+                  <a:schemeClr val="tx2"/>
+                </a:solidFill>
+              </a:defRPr>
+            </a:lvl5pPr>
+            <a:lvl6pPr>
+              <a:defRPr>
+                <a:solidFill>
+                  <a:schemeClr val="tx2"/>
+                </a:solidFill>
+              </a:defRPr>
+            </a:lvl6pPr>
+            <a:lvl7pPr>
+              <a:defRPr>
+                <a:solidFill>
+                  <a:schemeClr val="tx2"/>
+                </a:solidFill>
+              </a:defRPr>
+            </a:lvl7pPr>
+            <a:lvl8pPr>
+              <a:defRPr>
+                <a:solidFill>
+                  <a:schemeClr val="tx2"/>
+                </a:solidFill>
+              </a:defRPr>
+            </a:lvl8pPr>
+            <a:lvl9pPr>
+              <a:defRPr>
+                <a:solidFill>
+                  <a:schemeClr val="tx2"/>
+                </a:solidFill>
+              </a:defRPr>
+            </a:lvl9pPr>
+          </a:lstStyle>
+          <a:p>
+            <a:pPr lvl="0" algn="r"/>
+            <a:r>
+              <a:rPr lang="en-US" sz="8000" dirty="0">
+                <a:solidFill>
+                  <a:schemeClr val="tx1"/>
+                </a:solidFill>
+                <a:effectLst/>
+              </a:rPr>
+              <a:t>”</a:t>
+            </a:r>
+          </a:p>
+        </p:txBody>
+      </p:sp>
+    </p:spTree>
+    <p:extLst>
+      <p:ext uri="{BB962C8B-B14F-4D97-AF65-F5344CB8AC3E}">
+        <p14:creationId xmlns:p14="http://schemas.microsoft.com/office/powerpoint/2010/main" val="3871502541"/>
+      </p:ext>
+    </p:extLst>
+  </p:cSld>
+  <p:clrMapOvr>
+    <a:masterClrMapping/>
+  </p:clrMapOvr>
+  <p:transition spd="slow">
+    <p:push dir="u"/>
+  </p:transition>
+  <p:timing>
+    <p:tnLst>
+      <p:par>
+        <p:cTn id="1" dur="indefinite" restart="never" nodeType="tmRoot"/>
+      </p:par>
+    </p:tnLst>
+  </p:timing>
+</p:sldLayout>
+</file>
+
+<file path=ppt/slideLayouts/slideLayout13.xml><?xml version="1.0" encoding="utf-8"?>
+<p:sldLayout xmlns:a="http://schemas.openxmlformats.org/drawingml/2006/main" xmlns:r="http://schemas.openxmlformats.org/officeDocument/2006/relationships" xmlns:p="http://schemas.openxmlformats.org/presentationml/2006/main" preserve="1">
+  <p:cSld name="Name Card">
+    <p:spTree>
+      <p:nvGrpSpPr>
+        <p:cNvPr id="1" name=""/>
+        <p:cNvGrpSpPr/>
+        <p:nvPr/>
+      </p:nvGrpSpPr>
+      <p:grpSpPr>
+        <a:xfrm>
+          <a:off x="0" y="0"/>
+          <a:ext cx="0" cy="0"/>
+          <a:chOff x="0" y="0"/>
+          <a:chExt cx="0" cy="0"/>
+        </a:xfrm>
+      </p:grpSpPr>
+      <p:sp>
+        <p:nvSpPr>
+          <p:cNvPr id="2" name="Title 1"/>
+          <p:cNvSpPr>
+            <a:spLocks noGrp="1"/>
+          </p:cNvSpPr>
+          <p:nvPr>
+            <p:ph type="title"/>
+          </p:nvPr>
+        </p:nvSpPr>
+        <p:spPr>
+          <a:xfrm>
+            <a:off x="685346" y="2126943"/>
+            <a:ext cx="7765322" cy="2511835"/>
+          </a:xfrm>
+        </p:spPr>
+        <p:txBody>
+          <a:bodyPr anchor="b"/>
+          <a:lstStyle>
+            <a:lvl1pPr>
+              <a:defRPr sz="3200"/>
+            </a:lvl1pPr>
+          </a:lstStyle>
+          <a:p>
+            <a:r>
+              <a:rPr lang="en-US" smtClean="0"/>
+              <a:t>Click to edit Master title style</a:t>
+            </a:r>
+            <a:endParaRPr lang="en-US" dirty="0"/>
+          </a:p>
+        </p:txBody>
+      </p:sp>
+      <p:sp>
+        <p:nvSpPr>
+          <p:cNvPr id="4" name="Text Placeholder 3"/>
+          <p:cNvSpPr>
+            <a:spLocks noGrp="1"/>
+          </p:cNvSpPr>
+          <p:nvPr>
+            <p:ph type="body" sz="half" idx="2"/>
+          </p:nvPr>
+        </p:nvSpPr>
+        <p:spPr>
+          <a:xfrm>
+            <a:off x="685339" y="4650556"/>
+            <a:ext cx="7764149" cy="1140644"/>
+          </a:xfrm>
+        </p:spPr>
+        <p:txBody>
+          <a:bodyPr anchor="t"/>
+          <a:lstStyle>
+            <a:lvl1pPr marL="0" indent="0" algn="ctr">
+              <a:buNone/>
+              <a:defRPr sz="1600"/>
+            </a:lvl1pPr>
+            <a:lvl2pPr marL="457200" indent="0">
+              <a:buNone/>
+              <a:defRPr sz="1400"/>
+            </a:lvl2pPr>
+            <a:lvl3pPr marL="914400" indent="0">
+              <a:buNone/>
+              <a:defRPr sz="1200"/>
+            </a:lvl3pPr>
+            <a:lvl4pPr marL="1371600" indent="0">
+              <a:buNone/>
+              <a:defRPr sz="1000"/>
+            </a:lvl4pPr>
+            <a:lvl5pPr marL="1828800" indent="0">
+              <a:buNone/>
+              <a:defRPr sz="1000"/>
+            </a:lvl5pPr>
+            <a:lvl6pPr marL="2286000" indent="0">
+              <a:buNone/>
+              <a:defRPr sz="1000"/>
+            </a:lvl6pPr>
+            <a:lvl7pPr marL="2743200" indent="0">
+              <a:buNone/>
+              <a:defRPr sz="1000"/>
+            </a:lvl7pPr>
+            <a:lvl8pPr marL="3200400" indent="0">
+              <a:buNone/>
+              <a:defRPr sz="1000"/>
+            </a:lvl8pPr>
+            <a:lvl9pPr marL="3657600" indent="0">
+              <a:buNone/>
+              <a:defRPr sz="1000"/>
+            </a:lvl9pPr>
+          </a:lstStyle>
+          <a:p>
+            <a:pPr lvl="0"/>
+            <a:r>
+              <a:rPr lang="en-US" smtClean="0"/>
+              <a:t>Click to edit Master text styles</a:t>
+            </a:r>
+          </a:p>
+        </p:txBody>
+      </p:sp>
+      <p:sp>
+        <p:nvSpPr>
+          <p:cNvPr id="5" name="Date Placeholder 4"/>
+          <p:cNvSpPr>
+            <a:spLocks noGrp="1"/>
+          </p:cNvSpPr>
+          <p:nvPr>
+            <p:ph type="dt" sz="half" idx="10"/>
+          </p:nvPr>
+        </p:nvSpPr>
+        <p:spPr/>
+        <p:txBody>
+          <a:bodyPr/>
+          <a:lstStyle/>
+          <a:p>
+            <a:fld id="{89C68843-F252-4FDC-A047-6A4E79A98E00}" type="datetimeFigureOut">
+              <a:rPr lang="en-PH" smtClean="0"/>
+              <a:t>9/2/2015</a:t>
+            </a:fld>
+            <a:endParaRPr lang="en-PH"/>
+          </a:p>
+        </p:txBody>
+      </p:sp>
+      <p:sp>
+        <p:nvSpPr>
+          <p:cNvPr id="6" name="Footer Placeholder 5"/>
+          <p:cNvSpPr>
+            <a:spLocks noGrp="1"/>
+          </p:cNvSpPr>
+          <p:nvPr>
+            <p:ph type="ftr" sz="quarter" idx="11"/>
+          </p:nvPr>
+        </p:nvSpPr>
+        <p:spPr/>
+        <p:txBody>
+          <a:bodyPr/>
+          <a:lstStyle/>
+          <a:p>
+            <a:endParaRPr lang="en-PH"/>
+          </a:p>
+        </p:txBody>
+      </p:sp>
+      <p:sp>
+        <p:nvSpPr>
+          <p:cNvPr id="7" name="Slide Number Placeholder 6"/>
+          <p:cNvSpPr>
+            <a:spLocks noGrp="1"/>
+          </p:cNvSpPr>
+          <p:nvPr>
+            <p:ph type="sldNum" sz="quarter" idx="12"/>
+          </p:nvPr>
+        </p:nvSpPr>
+        <p:spPr/>
+        <p:txBody>
+          <a:bodyPr/>
+          <a:lstStyle/>
+          <a:p>
+            <a:fld id="{425A87E6-8E4A-4361-88C9-748B3C73C6DE}" type="slidenum">
+              <a:rPr lang="en-PH" smtClean="0"/>
+              <a:t>‹#›</a:t>
+            </a:fld>
+            <a:endParaRPr lang="en-PH"/>
+          </a:p>
+        </p:txBody>
+      </p:sp>
+    </p:spTree>
+    <p:extLst>
+      <p:ext uri="{BB962C8B-B14F-4D97-AF65-F5344CB8AC3E}">
+        <p14:creationId xmlns:p14="http://schemas.microsoft.com/office/powerpoint/2010/main" val="1261510267"/>
+      </p:ext>
+    </p:extLst>
+  </p:cSld>
+  <p:clrMapOvr>
+    <a:masterClrMapping/>
+  </p:clrMapOvr>
+  <p:transition spd="slow">
+    <p:push dir="u"/>
+  </p:transition>
+  <p:timing>
+    <p:tnLst>
+      <p:par>
+        <p:cTn id="1" dur="indefinite" restart="never" nodeType="tmRoot"/>
+      </p:par>
+    </p:tnLst>
+  </p:timing>
+</p:sldLayout>
+</file>
+
+<file path=ppt/slideLayouts/slideLayout14.xml><?xml version="1.0" encoding="utf-8"?>
+<p:sldLayout xmlns:a="http://schemas.openxmlformats.org/drawingml/2006/main" xmlns:r="http://schemas.openxmlformats.org/officeDocument/2006/relationships" xmlns:p="http://schemas.openxmlformats.org/presentationml/2006/main" preserve="1">
+  <p:cSld name="3 Column">
+    <p:spTree>
+      <p:nvGrpSpPr>
+        <p:cNvPr id="1" name=""/>
+        <p:cNvGrpSpPr/>
+        <p:nvPr/>
+      </p:nvGrpSpPr>
+      <p:grpSpPr>
+        <a:xfrm>
+          <a:off x="0" y="0"/>
+          <a:ext cx="0" cy="0"/>
+          <a:chOff x="0" y="0"/>
+          <a:chExt cx="0" cy="0"/>
+        </a:xfrm>
+      </p:grpSpPr>
+      <p:sp>
+        <p:nvSpPr>
+          <p:cNvPr id="15" name="Title 1"/>
+          <p:cNvSpPr>
+            <a:spLocks noGrp="1"/>
+          </p:cNvSpPr>
+          <p:nvPr>
+            <p:ph type="title"/>
+          </p:nvPr>
+        </p:nvSpPr>
+        <p:spPr>
+          <a:xfrm>
+            <a:off x="685346" y="609600"/>
+            <a:ext cx="7765322" cy="970450"/>
+          </a:xfrm>
+        </p:spPr>
+        <p:txBody>
+          <a:bodyPr/>
+          <a:lstStyle/>
+          <a:p>
+            <a:r>
+              <a:rPr lang="en-US" smtClean="0"/>
+              <a:t>Click to edit Master title style</a:t>
+            </a:r>
+            <a:endParaRPr lang="en-US" dirty="0"/>
+          </a:p>
+        </p:txBody>
+      </p:sp>
+      <p:sp>
+        <p:nvSpPr>
+          <p:cNvPr id="7" name="Text Placeholder 2"/>
+          <p:cNvSpPr>
+            <a:spLocks noGrp="1"/>
+          </p:cNvSpPr>
+          <p:nvPr>
+            <p:ph type="body" idx="1"/>
+          </p:nvPr>
+        </p:nvSpPr>
+        <p:spPr>
+          <a:xfrm>
+            <a:off x="685346" y="1885950"/>
+            <a:ext cx="2475738" cy="576262"/>
+          </a:xfrm>
+        </p:spPr>
+        <p:txBody>
+          <a:bodyPr anchor="b">
+            <a:noAutofit/>
+          </a:bodyPr>
+          <a:lstStyle>
+            <a:lvl1pPr marL="0" indent="0" algn="ctr">
+              <a:buNone/>
+              <a:defRPr sz="2400" b="0">
+                <a:solidFill>
+                  <a:schemeClr val="tx1"/>
+                </a:solidFill>
+              </a:defRPr>
+            </a:lvl1pPr>
+            <a:lvl2pPr marL="457200" indent="0">
+              <a:buNone/>
+              <a:defRPr sz="2000" b="1"/>
+            </a:lvl2pPr>
+            <a:lvl3pPr marL="914400" indent="0">
+              <a:buNone/>
+              <a:defRPr sz="1800" b="1"/>
+            </a:lvl3pPr>
+            <a:lvl4pPr marL="1371600" indent="0">
+              <a:buNone/>
+              <a:defRPr sz="1600" b="1"/>
+            </a:lvl4pPr>
+            <a:lvl5pPr marL="1828800" indent="0">
+              <a:buNone/>
+              <a:defRPr sz="1600" b="1"/>
+            </a:lvl5pPr>
+            <a:lvl6pPr marL="2286000" indent="0">
+              <a:buNone/>
+              <a:defRPr sz="1600" b="1"/>
+            </a:lvl6pPr>
+            <a:lvl7pPr marL="2743200" indent="0">
+              <a:buNone/>
+              <a:defRPr sz="1600" b="1"/>
+            </a:lvl7pPr>
+            <a:lvl8pPr marL="3200400" indent="0">
+              <a:buNone/>
+              <a:defRPr sz="1600" b="1"/>
+            </a:lvl8pPr>
+            <a:lvl9pPr marL="3657600" indent="0">
+              <a:buNone/>
+              <a:defRPr sz="1600" b="1"/>
+            </a:lvl9pPr>
+          </a:lstStyle>
+          <a:p>
+            <a:pPr lvl="0"/>
+            <a:r>
+              <a:rPr lang="en-US" smtClean="0"/>
+              <a:t>Click to edit Master text styles</a:t>
+            </a:r>
+          </a:p>
+        </p:txBody>
+      </p:sp>
+      <p:sp>
+        <p:nvSpPr>
+          <p:cNvPr id="8" name="Text Placeholder 3"/>
+          <p:cNvSpPr>
+            <a:spLocks noGrp="1"/>
+          </p:cNvSpPr>
+          <p:nvPr>
+            <p:ph type="body" sz="half" idx="15"/>
+          </p:nvPr>
+        </p:nvSpPr>
+        <p:spPr>
+          <a:xfrm>
+            <a:off x="685346" y="2571750"/>
+            <a:ext cx="2475738" cy="3219450"/>
+          </a:xfrm>
+        </p:spPr>
+        <p:txBody>
+          <a:bodyPr anchor="t">
+            <a:normAutofit/>
+          </a:bodyPr>
+          <a:lstStyle>
+            <a:lvl1pPr marL="0" indent="0" algn="ctr">
+              <a:buNone/>
+              <a:defRPr sz="1400"/>
+            </a:lvl1pPr>
+            <a:lvl2pPr marL="457200" indent="0">
+              <a:buNone/>
+              <a:defRPr sz="1200"/>
+            </a:lvl2pPr>
+            <a:lvl3pPr marL="914400" indent="0">
+              <a:buNone/>
+              <a:defRPr sz="1000"/>
+            </a:lvl3pPr>
+            <a:lvl4pPr marL="1371600" indent="0">
+              <a:buNone/>
+              <a:defRPr sz="900"/>
+            </a:lvl4pPr>
+            <a:lvl5pPr marL="1828800" indent="0">
+              <a:buNone/>
+              <a:defRPr sz="900"/>
+            </a:lvl5pPr>
+            <a:lvl6pPr marL="2286000" indent="0">
+              <a:buNone/>
+              <a:defRPr sz="900"/>
+            </a:lvl6pPr>
+            <a:lvl7pPr marL="2743200" indent="0">
+              <a:buNone/>
+              <a:defRPr sz="900"/>
+            </a:lvl7pPr>
+            <a:lvl8pPr marL="3200400" indent="0">
+              <a:buNone/>
+              <a:defRPr sz="900"/>
+            </a:lvl8pPr>
+            <a:lvl9pPr marL="3657600" indent="0">
+              <a:buNone/>
+              <a:defRPr sz="900"/>
+            </a:lvl9pPr>
+          </a:lstStyle>
+          <a:p>
+            <a:pPr lvl="0"/>
+            <a:r>
+              <a:rPr lang="en-US" smtClean="0"/>
+              <a:t>Click to edit Master text styles</a:t>
+            </a:r>
+          </a:p>
+        </p:txBody>
+      </p:sp>
+      <p:sp>
+        <p:nvSpPr>
+          <p:cNvPr id="9" name="Text Placeholder 4"/>
+          <p:cNvSpPr>
+            <a:spLocks noGrp="1"/>
+          </p:cNvSpPr>
+          <p:nvPr>
+            <p:ph type="body" sz="quarter" idx="3"/>
+          </p:nvPr>
+        </p:nvSpPr>
+        <p:spPr>
+          <a:xfrm>
+            <a:off x="3335033" y="1885950"/>
+            <a:ext cx="2475738" cy="576262"/>
+          </a:xfrm>
+        </p:spPr>
+        <p:txBody>
+          <a:bodyPr anchor="b">
+            <a:noAutofit/>
+          </a:bodyPr>
+          <a:lstStyle>
+            <a:lvl1pPr marL="0" indent="0" algn="ctr">
+              <a:buNone/>
+              <a:defRPr sz="2400" b="0">
+                <a:solidFill>
+                  <a:schemeClr val="tx1"/>
+                </a:solidFill>
+              </a:defRPr>
+            </a:lvl1pPr>
+            <a:lvl2pPr marL="457200" indent="0">
+              <a:buNone/>
+              <a:defRPr sz="2000" b="1"/>
+            </a:lvl2pPr>
+            <a:lvl3pPr marL="914400" indent="0">
+              <a:buNone/>
+              <a:defRPr sz="1800" b="1"/>
+            </a:lvl3pPr>
+            <a:lvl4pPr marL="1371600" indent="0">
+              <a:buNone/>
+              <a:defRPr sz="1600" b="1"/>
+            </a:lvl4pPr>
+            <a:lvl5pPr marL="1828800" indent="0">
+              <a:buNone/>
+              <a:defRPr sz="1600" b="1"/>
+            </a:lvl5pPr>
+            <a:lvl6pPr marL="2286000" indent="0">
+              <a:buNone/>
+              <a:defRPr sz="1600" b="1"/>
+            </a:lvl6pPr>
+            <a:lvl7pPr marL="2743200" indent="0">
+              <a:buNone/>
+              <a:defRPr sz="1600" b="1"/>
+            </a:lvl7pPr>
+            <a:lvl8pPr marL="3200400" indent="0">
+              <a:buNone/>
+              <a:defRPr sz="1600" b="1"/>
+            </a:lvl8pPr>
+            <a:lvl9pPr marL="3657600" indent="0">
+              <a:buNone/>
+              <a:defRPr sz="1600" b="1"/>
+            </a:lvl9pPr>
+          </a:lstStyle>
+          <a:p>
+            <a:pPr lvl="0"/>
+            <a:r>
+              <a:rPr lang="en-US" smtClean="0"/>
+              <a:t>Click to edit Master text styles</a:t>
+            </a:r>
+          </a:p>
+        </p:txBody>
+      </p:sp>
+      <p:sp>
+        <p:nvSpPr>
+          <p:cNvPr id="10" name="Text Placeholder 3"/>
+          <p:cNvSpPr>
+            <a:spLocks noGrp="1"/>
+          </p:cNvSpPr>
+          <p:nvPr>
+            <p:ph type="body" sz="half" idx="16"/>
+          </p:nvPr>
+        </p:nvSpPr>
+        <p:spPr>
+          <a:xfrm>
+            <a:off x="3331076" y="2571750"/>
+            <a:ext cx="2475738" cy="3219450"/>
+          </a:xfrm>
+        </p:spPr>
+        <p:txBody>
+          <a:bodyPr anchor="t">
+            <a:normAutofit/>
+          </a:bodyPr>
+          <a:lstStyle>
+            <a:lvl1pPr marL="0" indent="0" algn="ctr">
+              <a:buNone/>
+              <a:defRPr sz="1400"/>
+            </a:lvl1pPr>
+            <a:lvl2pPr marL="457200" indent="0">
+              <a:buNone/>
+              <a:defRPr sz="1200"/>
+            </a:lvl2pPr>
+            <a:lvl3pPr marL="914400" indent="0">
+              <a:buNone/>
+              <a:defRPr sz="1000"/>
+            </a:lvl3pPr>
+            <a:lvl4pPr marL="1371600" indent="0">
+              <a:buNone/>
+              <a:defRPr sz="900"/>
+            </a:lvl4pPr>
+            <a:lvl5pPr marL="1828800" indent="0">
+              <a:buNone/>
+              <a:defRPr sz="900"/>
+            </a:lvl5pPr>
+            <a:lvl6pPr marL="2286000" indent="0">
+              <a:buNone/>
+              <a:defRPr sz="900"/>
+            </a:lvl6pPr>
+            <a:lvl7pPr marL="2743200" indent="0">
+              <a:buNone/>
+              <a:defRPr sz="900"/>
+            </a:lvl7pPr>
+            <a:lvl8pPr marL="3200400" indent="0">
+              <a:buNone/>
+              <a:defRPr sz="900"/>
+            </a:lvl8pPr>
+            <a:lvl9pPr marL="3657600" indent="0">
+              <a:buNone/>
+              <a:defRPr sz="900"/>
+            </a:lvl9pPr>
+          </a:lstStyle>
+          <a:p>
+            <a:pPr lvl="0"/>
+            <a:r>
+              <a:rPr lang="en-US" smtClean="0"/>
+              <a:t>Click to edit Master text styles</a:t>
+            </a:r>
+          </a:p>
+        </p:txBody>
+      </p:sp>
+      <p:sp>
+        <p:nvSpPr>
+          <p:cNvPr id="11" name="Text Placeholder 4"/>
+          <p:cNvSpPr>
+            <a:spLocks noGrp="1"/>
+          </p:cNvSpPr>
+          <p:nvPr>
+            <p:ph type="body" sz="quarter" idx="13"/>
+          </p:nvPr>
+        </p:nvSpPr>
+        <p:spPr>
+          <a:xfrm>
+            <a:off x="5974929" y="1885950"/>
+            <a:ext cx="2475738" cy="576262"/>
+          </a:xfrm>
+        </p:spPr>
+        <p:txBody>
+          <a:bodyPr anchor="b">
+            <a:noAutofit/>
+          </a:bodyPr>
+          <a:lstStyle>
+            <a:lvl1pPr marL="0" indent="0" algn="ctr">
+              <a:buNone/>
+              <a:defRPr sz="2400" b="0">
+                <a:solidFill>
+                  <a:schemeClr val="tx1"/>
+                </a:solidFill>
+              </a:defRPr>
+            </a:lvl1pPr>
+            <a:lvl2pPr marL="457200" indent="0">
+              <a:buNone/>
+              <a:defRPr sz="2000" b="1"/>
+            </a:lvl2pPr>
+            <a:lvl3pPr marL="914400" indent="0">
+              <a:buNone/>
+              <a:defRPr sz="1800" b="1"/>
+            </a:lvl3pPr>
+            <a:lvl4pPr marL="1371600" indent="0">
+              <a:buNone/>
+              <a:defRPr sz="1600" b="1"/>
+            </a:lvl4pPr>
+            <a:lvl5pPr marL="1828800" indent="0">
+              <a:buNone/>
+              <a:defRPr sz="1600" b="1"/>
+            </a:lvl5pPr>
+            <a:lvl6pPr marL="2286000" indent="0">
+              <a:buNone/>
+              <a:defRPr sz="1600" b="1"/>
+            </a:lvl6pPr>
+            <a:lvl7pPr marL="2743200" indent="0">
+              <a:buNone/>
+              <a:defRPr sz="1600" b="1"/>
+            </a:lvl7pPr>
+            <a:lvl8pPr marL="3200400" indent="0">
+              <a:buNone/>
+              <a:defRPr sz="1600" b="1"/>
+            </a:lvl8pPr>
+            <a:lvl9pPr marL="3657600" indent="0">
+              <a:buNone/>
+              <a:defRPr sz="1600" b="1"/>
+            </a:lvl9pPr>
+          </a:lstStyle>
+          <a:p>
+            <a:pPr lvl="0"/>
+            <a:r>
+              <a:rPr lang="en-US" smtClean="0"/>
+              <a:t>Click to edit Master text styles</a:t>
+            </a:r>
+          </a:p>
+        </p:txBody>
+      </p:sp>
+      <p:sp>
+        <p:nvSpPr>
+          <p:cNvPr id="12" name="Text Placeholder 3"/>
+          <p:cNvSpPr>
+            <a:spLocks noGrp="1"/>
+          </p:cNvSpPr>
+          <p:nvPr>
+            <p:ph type="body" sz="half" idx="17"/>
+          </p:nvPr>
+        </p:nvSpPr>
+        <p:spPr>
+          <a:xfrm>
+            <a:off x="5974929" y="2571750"/>
+            <a:ext cx="2475738" cy="3219450"/>
+          </a:xfrm>
+        </p:spPr>
+        <p:txBody>
+          <a:bodyPr anchor="t">
+            <a:normAutofit/>
+          </a:bodyPr>
+          <a:lstStyle>
+            <a:lvl1pPr marL="0" indent="0" algn="ctr">
+              <a:buNone/>
+              <a:defRPr sz="1400"/>
+            </a:lvl1pPr>
+            <a:lvl2pPr marL="457200" indent="0">
+              <a:buNone/>
+              <a:defRPr sz="1200"/>
+            </a:lvl2pPr>
+            <a:lvl3pPr marL="914400" indent="0">
+              <a:buNone/>
+              <a:defRPr sz="1000"/>
+            </a:lvl3pPr>
+            <a:lvl4pPr marL="1371600" indent="0">
+              <a:buNone/>
+              <a:defRPr sz="900"/>
+            </a:lvl4pPr>
+            <a:lvl5pPr marL="1828800" indent="0">
+              <a:buNone/>
+              <a:defRPr sz="900"/>
+            </a:lvl5pPr>
+            <a:lvl6pPr marL="2286000" indent="0">
+              <a:buNone/>
+              <a:defRPr sz="900"/>
+            </a:lvl6pPr>
+            <a:lvl7pPr marL="2743200" indent="0">
+              <a:buNone/>
+              <a:defRPr sz="900"/>
+            </a:lvl7pPr>
+            <a:lvl8pPr marL="3200400" indent="0">
+              <a:buNone/>
+              <a:defRPr sz="900"/>
+            </a:lvl8pPr>
+            <a:lvl9pPr marL="3657600" indent="0">
+              <a:buNone/>
+              <a:defRPr sz="900"/>
+            </a:lvl9pPr>
+          </a:lstStyle>
+          <a:p>
+            <a:pPr lvl="0"/>
+            <a:r>
+              <a:rPr lang="en-US" smtClean="0"/>
+              <a:t>Click to edit Master text styles</a:t>
+            </a:r>
+          </a:p>
+        </p:txBody>
+      </p:sp>
+      <p:sp>
+        <p:nvSpPr>
+          <p:cNvPr id="3" name="Date Placeholder 2"/>
+          <p:cNvSpPr>
+            <a:spLocks noGrp="1"/>
+          </p:cNvSpPr>
+          <p:nvPr>
+            <p:ph type="dt" sz="half" idx="10"/>
+          </p:nvPr>
+        </p:nvSpPr>
+        <p:spPr/>
+        <p:txBody>
+          <a:bodyPr/>
+          <a:lstStyle/>
+          <a:p>
+            <a:fld id="{89C68843-F252-4FDC-A047-6A4E79A98E00}" type="datetimeFigureOut">
+              <a:rPr lang="en-PH" smtClean="0"/>
+              <a:t>9/2/2015</a:t>
+            </a:fld>
+            <a:endParaRPr lang="en-PH"/>
+          </a:p>
+        </p:txBody>
+      </p:sp>
+      <p:sp>
+        <p:nvSpPr>
+          <p:cNvPr id="4" name="Footer Placeholder 3"/>
+          <p:cNvSpPr>
+            <a:spLocks noGrp="1"/>
+          </p:cNvSpPr>
+          <p:nvPr>
+            <p:ph type="ftr" sz="quarter" idx="11"/>
+          </p:nvPr>
+        </p:nvSpPr>
+        <p:spPr/>
+        <p:txBody>
+          <a:bodyPr/>
+          <a:lstStyle/>
+          <a:p>
+            <a:endParaRPr lang="en-PH"/>
+          </a:p>
+        </p:txBody>
+      </p:sp>
+      <p:sp>
+        <p:nvSpPr>
+          <p:cNvPr id="5" name="Slide Number Placeholder 4"/>
+          <p:cNvSpPr>
+            <a:spLocks noGrp="1"/>
+          </p:cNvSpPr>
+          <p:nvPr>
+            <p:ph type="sldNum" sz="quarter" idx="12"/>
+          </p:nvPr>
+        </p:nvSpPr>
+        <p:spPr/>
+        <p:txBody>
+          <a:bodyPr/>
+          <a:lstStyle/>
+          <a:p>
+            <a:fld id="{425A87E6-8E4A-4361-88C9-748B3C73C6DE}" type="slidenum">
+              <a:rPr lang="en-PH" smtClean="0"/>
+              <a:t>‹#›</a:t>
+            </a:fld>
+            <a:endParaRPr lang="en-PH"/>
+          </a:p>
+        </p:txBody>
+      </p:sp>
+    </p:spTree>
+    <p:extLst>
+      <p:ext uri="{BB962C8B-B14F-4D97-AF65-F5344CB8AC3E}">
+        <p14:creationId xmlns:p14="http://schemas.microsoft.com/office/powerpoint/2010/main" val="771393120"/>
+      </p:ext>
+    </p:extLst>
+  </p:cSld>
+  <p:clrMapOvr>
+    <a:masterClrMapping/>
+  </p:clrMapOvr>
+</p:sldLayout>
+</file>
+
+<file path=ppt/slideLayouts/slideLayout15.xml><?xml version="1.0" encoding="utf-8"?>
+<p:sldLayout xmlns:a="http://schemas.openxmlformats.org/drawingml/2006/main" xmlns:r="http://schemas.openxmlformats.org/officeDocument/2006/relationships" xmlns:p="http://schemas.openxmlformats.org/presentationml/2006/main" preserve="1">
+  <p:cSld name="3 Picture Column">
+    <p:spTree>
+      <p:nvGrpSpPr>
+        <p:cNvPr id="1" name=""/>
+        <p:cNvGrpSpPr/>
+        <p:nvPr/>
+      </p:nvGrpSpPr>
+      <p:grpSpPr>
+        <a:xfrm>
+          <a:off x="0" y="0"/>
+          <a:ext cx="0" cy="0"/>
+          <a:chOff x="0" y="0"/>
+          <a:chExt cx="0" cy="0"/>
+        </a:xfrm>
+      </p:grpSpPr>
+      <p:pic>
+        <p:nvPicPr>
+          <p:cNvPr id="6" name="Picture 5" descr="Slate-V2-SD-3colPhotoInset.png"/>
+          <p:cNvPicPr>
+            <a:picLocks noChangeAspect="1"/>
+          </p:cNvPicPr>
+          <p:nvPr/>
+        </p:nvPicPr>
+        <p:blipFill>
+          <a:blip r:embed="rId2">
+            <a:extLst>
+              <a:ext uri="{28A0092B-C50C-407E-A947-70E740481C1C}">
+                <a14:useLocalDpi xmlns:a14="http://schemas.microsoft.com/office/drawing/2010/main" val="0"/>
+              </a:ext>
+            </a:extLst>
+          </a:blip>
+          <a:stretch>
+            <a:fillRect/>
+          </a:stretch>
+        </p:blipFill>
+        <p:spPr>
+          <a:xfrm>
+            <a:off x="659239" y="1826045"/>
+            <a:ext cx="2529046" cy="1833558"/>
+          </a:xfrm>
+          <a:prstGeom prst="rect">
+            <a:avLst/>
+          </a:prstGeom>
+        </p:spPr>
+      </p:pic>
+      <p:pic>
+        <p:nvPicPr>
+          <p:cNvPr id="28" name="Picture 27" descr="Slate-V2-SD-3colPhotoInset.png"/>
+          <p:cNvPicPr>
+            <a:picLocks noChangeAspect="1"/>
+          </p:cNvPicPr>
+          <p:nvPr/>
+        </p:nvPicPr>
+        <p:blipFill>
+          <a:blip r:embed="rId2">
+            <a:extLst>
+              <a:ext uri="{28A0092B-C50C-407E-A947-70E740481C1C}">
+                <a14:useLocalDpi xmlns:a14="http://schemas.microsoft.com/office/drawing/2010/main" val="0"/>
+              </a:ext>
+            </a:extLst>
+          </a:blip>
+          <a:stretch>
+            <a:fillRect/>
+          </a:stretch>
+        </p:blipFill>
+        <p:spPr>
+          <a:xfrm>
+            <a:off x="3293813" y="1826045"/>
+            <a:ext cx="2529046" cy="1833558"/>
+          </a:xfrm>
+          <a:prstGeom prst="rect">
+            <a:avLst/>
+          </a:prstGeom>
+        </p:spPr>
+      </p:pic>
+      <p:pic>
+        <p:nvPicPr>
+          <p:cNvPr id="29" name="Picture 28" descr="Slate-V2-SD-3colPhotoInset.png"/>
+          <p:cNvPicPr>
+            <a:picLocks noChangeAspect="1"/>
+          </p:cNvPicPr>
+          <p:nvPr/>
+        </p:nvPicPr>
+        <p:blipFill>
+          <a:blip r:embed="rId2">
+            <a:extLst>
+              <a:ext uri="{28A0092B-C50C-407E-A947-70E740481C1C}">
+                <a14:useLocalDpi xmlns:a14="http://schemas.microsoft.com/office/drawing/2010/main" val="0"/>
+              </a:ext>
+            </a:extLst>
+          </a:blip>
+          <a:stretch>
+            <a:fillRect/>
+          </a:stretch>
+        </p:blipFill>
+        <p:spPr>
+          <a:xfrm>
+            <a:off x="5921715" y="1826045"/>
+            <a:ext cx="2529046" cy="1833558"/>
+          </a:xfrm>
+          <a:prstGeom prst="rect">
+            <a:avLst/>
+          </a:prstGeom>
+        </p:spPr>
+      </p:pic>
+      <p:sp>
+        <p:nvSpPr>
+          <p:cNvPr id="30" name="Title 1"/>
+          <p:cNvSpPr>
+            <a:spLocks noGrp="1"/>
+          </p:cNvSpPr>
+          <p:nvPr>
+            <p:ph type="title"/>
+          </p:nvPr>
+        </p:nvSpPr>
+        <p:spPr>
+          <a:xfrm>
+            <a:off x="685346" y="609600"/>
+            <a:ext cx="7765322" cy="970450"/>
+          </a:xfrm>
+        </p:spPr>
+        <p:txBody>
+          <a:bodyPr/>
+          <a:lstStyle/>
+          <a:p>
+            <a:r>
+              <a:rPr lang="en-US" smtClean="0"/>
+              <a:t>Click to edit Master title style</a:t>
+            </a:r>
+            <a:endParaRPr lang="en-US" dirty="0"/>
+          </a:p>
+        </p:txBody>
+      </p:sp>
+      <p:sp>
+        <p:nvSpPr>
+          <p:cNvPr id="19" name="Text Placeholder 2"/>
+          <p:cNvSpPr>
+            <a:spLocks noGrp="1"/>
+          </p:cNvSpPr>
+          <p:nvPr>
+            <p:ph type="body" idx="1"/>
+          </p:nvPr>
+        </p:nvSpPr>
+        <p:spPr>
+          <a:xfrm>
+            <a:off x="685346" y="3904106"/>
+            <a:ext cx="2475738" cy="576262"/>
+          </a:xfrm>
+        </p:spPr>
+        <p:txBody>
+          <a:bodyPr anchor="b">
+            <a:noAutofit/>
+          </a:bodyPr>
+          <a:lstStyle>
+            <a:lvl1pPr marL="0" indent="0" algn="ctr">
+              <a:buNone/>
+              <a:defRPr sz="2000" b="0">
+                <a:solidFill>
+                  <a:schemeClr val="tx1"/>
+                </a:solidFill>
+              </a:defRPr>
+            </a:lvl1pPr>
+            <a:lvl2pPr marL="457200" indent="0">
+              <a:buNone/>
+              <a:defRPr sz="2000" b="1"/>
+            </a:lvl2pPr>
+            <a:lvl3pPr marL="914400" indent="0">
+              <a:buNone/>
+              <a:defRPr sz="1800" b="1"/>
+            </a:lvl3pPr>
+            <a:lvl4pPr marL="1371600" indent="0">
+              <a:buNone/>
+              <a:defRPr sz="1600" b="1"/>
+            </a:lvl4pPr>
+            <a:lvl5pPr marL="1828800" indent="0">
+              <a:buNone/>
+              <a:defRPr sz="1600" b="1"/>
+            </a:lvl5pPr>
+            <a:lvl6pPr marL="2286000" indent="0">
+              <a:buNone/>
+              <a:defRPr sz="1600" b="1"/>
+            </a:lvl6pPr>
+            <a:lvl7pPr marL="2743200" indent="0">
+              <a:buNone/>
+              <a:defRPr sz="1600" b="1"/>
+            </a:lvl7pPr>
+            <a:lvl8pPr marL="3200400" indent="0">
+              <a:buNone/>
+              <a:defRPr sz="1600" b="1"/>
+            </a:lvl8pPr>
+            <a:lvl9pPr marL="3657600" indent="0">
+              <a:buNone/>
+              <a:defRPr sz="1600" b="1"/>
+            </a:lvl9pPr>
+          </a:lstStyle>
+          <a:p>
+            <a:pPr lvl="0"/>
+            <a:r>
+              <a:rPr lang="en-US" smtClean="0"/>
+              <a:t>Click to edit Master text styles</a:t>
+            </a:r>
+          </a:p>
+        </p:txBody>
+      </p:sp>
+      <p:sp>
+        <p:nvSpPr>
+          <p:cNvPr id="20" name="Picture Placeholder 2"/>
+          <p:cNvSpPr>
+            <a:spLocks noGrp="1" noChangeAspect="1"/>
+          </p:cNvSpPr>
+          <p:nvPr>
+            <p:ph type="pic" idx="15"/>
+          </p:nvPr>
+        </p:nvSpPr>
+        <p:spPr>
+          <a:xfrm>
+            <a:off x="763577" y="1938918"/>
+            <a:ext cx="2319276" cy="1602954"/>
+          </a:xfrm>
+          <a:prstGeom prst="roundRect">
+            <a:avLst>
+              <a:gd name="adj" fmla="val 1858"/>
+            </a:avLst>
+          </a:prstGeom>
+          <a:effectLst>
+            <a:outerShdw blurRad="38100" dist="25400" dir="4440000">
+              <a:srgbClr val="000000">
+                <a:alpha val="36000"/>
+              </a:srgbClr>
+            </a:outerShdw>
+          </a:effectLst>
+        </p:spPr>
+        <p:txBody>
+          <a:bodyPr anchor="t">
+            <a:normAutofit/>
+          </a:bodyPr>
+          <a:lstStyle>
+            <a:lvl1pPr marL="0" indent="0" algn="ctr">
+              <a:buNone/>
+              <a:defRPr sz="1600"/>
+            </a:lvl1pPr>
+            <a:lvl2pPr marL="457200" indent="0">
+              <a:buNone/>
+              <a:defRPr sz="1600"/>
+            </a:lvl2pPr>
+            <a:lvl3pPr marL="914400" indent="0">
+              <a:buNone/>
+              <a:defRPr sz="1600"/>
+            </a:lvl3pPr>
+            <a:lvl4pPr marL="1371600" indent="0">
+              <a:buNone/>
+              <a:defRPr sz="1600"/>
+            </a:lvl4pPr>
+            <a:lvl5pPr marL="1828800" indent="0">
+              <a:buNone/>
+              <a:defRPr sz="1600"/>
+            </a:lvl5pPr>
+            <a:lvl6pPr marL="2286000" indent="0">
+              <a:buNone/>
+              <a:defRPr sz="1600"/>
+            </a:lvl6pPr>
+            <a:lvl7pPr marL="2743200" indent="0">
+              <a:buNone/>
+              <a:defRPr sz="1600"/>
+            </a:lvl7pPr>
+            <a:lvl8pPr marL="3200400" indent="0">
+              <a:buNone/>
+              <a:defRPr sz="1600"/>
+            </a:lvl8pPr>
+            <a:lvl9pPr marL="3657600" indent="0">
+              <a:buNone/>
+              <a:defRPr sz="1600"/>
+            </a:lvl9pPr>
+          </a:lstStyle>
+          <a:p>
+            <a:r>
+              <a:rPr lang="en-US" smtClean="0"/>
+              <a:t>Click icon to add picture</a:t>
+            </a:r>
+            <a:endParaRPr lang="en-US" dirty="0"/>
+          </a:p>
+        </p:txBody>
+      </p:sp>
+      <p:sp>
+        <p:nvSpPr>
+          <p:cNvPr id="21" name="Text Placeholder 3"/>
+          <p:cNvSpPr>
+            <a:spLocks noGrp="1"/>
+          </p:cNvSpPr>
+          <p:nvPr>
+            <p:ph type="body" sz="half" idx="18"/>
+          </p:nvPr>
+        </p:nvSpPr>
+        <p:spPr>
+          <a:xfrm>
+            <a:off x="685346" y="4480369"/>
+            <a:ext cx="2475738" cy="1310833"/>
+          </a:xfrm>
+        </p:spPr>
+        <p:txBody>
+          <a:bodyPr anchor="t">
+            <a:normAutofit/>
+          </a:bodyPr>
+          <a:lstStyle>
+            <a:lvl1pPr marL="0" indent="0" algn="ctr">
+              <a:buNone/>
+              <a:defRPr sz="1400"/>
+            </a:lvl1pPr>
+            <a:lvl2pPr marL="457200" indent="0">
+              <a:buNone/>
+              <a:defRPr sz="1200"/>
+            </a:lvl2pPr>
+            <a:lvl3pPr marL="914400" indent="0">
+              <a:buNone/>
+              <a:defRPr sz="1000"/>
+            </a:lvl3pPr>
+            <a:lvl4pPr marL="1371600" indent="0">
+              <a:buNone/>
+              <a:defRPr sz="900"/>
+            </a:lvl4pPr>
+            <a:lvl5pPr marL="1828800" indent="0">
+              <a:buNone/>
+              <a:defRPr sz="900"/>
+            </a:lvl5pPr>
+            <a:lvl6pPr marL="2286000" indent="0">
+              <a:buNone/>
+              <a:defRPr sz="900"/>
+            </a:lvl6pPr>
+            <a:lvl7pPr marL="2743200" indent="0">
+              <a:buNone/>
+              <a:defRPr sz="900"/>
+            </a:lvl7pPr>
+            <a:lvl8pPr marL="3200400" indent="0">
+              <a:buNone/>
+              <a:defRPr sz="900"/>
+            </a:lvl8pPr>
+            <a:lvl9pPr marL="3657600" indent="0">
+              <a:buNone/>
+              <a:defRPr sz="900"/>
+            </a:lvl9pPr>
+          </a:lstStyle>
+          <a:p>
+            <a:pPr lvl="0"/>
+            <a:r>
+              <a:rPr lang="en-US" smtClean="0"/>
+              <a:t>Click to edit Master text styles</a:t>
+            </a:r>
+          </a:p>
+        </p:txBody>
+      </p:sp>
+      <p:sp>
+        <p:nvSpPr>
+          <p:cNvPr id="22" name="Text Placeholder 4"/>
+          <p:cNvSpPr>
+            <a:spLocks noGrp="1"/>
+          </p:cNvSpPr>
+          <p:nvPr>
+            <p:ph type="body" sz="quarter" idx="3"/>
+          </p:nvPr>
+        </p:nvSpPr>
+        <p:spPr>
+          <a:xfrm>
+            <a:off x="3332091" y="3904106"/>
+            <a:ext cx="2475738" cy="576262"/>
+          </a:xfrm>
+        </p:spPr>
+        <p:txBody>
+          <a:bodyPr anchor="b">
+            <a:noAutofit/>
+          </a:bodyPr>
+          <a:lstStyle>
+            <a:lvl1pPr marL="0" indent="0" algn="ctr">
+              <a:buNone/>
+              <a:defRPr sz="2000" b="0">
+                <a:solidFill>
+                  <a:schemeClr val="tx1"/>
+                </a:solidFill>
+              </a:defRPr>
+            </a:lvl1pPr>
+            <a:lvl2pPr marL="457200" indent="0">
+              <a:buNone/>
+              <a:defRPr sz="2000" b="1"/>
+            </a:lvl2pPr>
+            <a:lvl3pPr marL="914400" indent="0">
+              <a:buNone/>
+              <a:defRPr sz="1800" b="1"/>
+            </a:lvl3pPr>
+            <a:lvl4pPr marL="1371600" indent="0">
+              <a:buNone/>
+              <a:defRPr sz="1600" b="1"/>
+            </a:lvl4pPr>
+            <a:lvl5pPr marL="1828800" indent="0">
+              <a:buNone/>
+              <a:defRPr sz="1600" b="1"/>
+            </a:lvl5pPr>
+            <a:lvl6pPr marL="2286000" indent="0">
+              <a:buNone/>
+              <a:defRPr sz="1600" b="1"/>
+            </a:lvl6pPr>
+            <a:lvl7pPr marL="2743200" indent="0">
+              <a:buNone/>
+              <a:defRPr sz="1600" b="1"/>
+            </a:lvl7pPr>
+            <a:lvl8pPr marL="3200400" indent="0">
+              <a:buNone/>
+              <a:defRPr sz="1600" b="1"/>
+            </a:lvl8pPr>
+            <a:lvl9pPr marL="3657600" indent="0">
+              <a:buNone/>
+              <a:defRPr sz="1600" b="1"/>
+            </a:lvl9pPr>
+          </a:lstStyle>
+          <a:p>
+            <a:pPr lvl="0"/>
+            <a:r>
+              <a:rPr lang="en-US" smtClean="0"/>
+              <a:t>Click to edit Master text styles</a:t>
+            </a:r>
+          </a:p>
+        </p:txBody>
+      </p:sp>
+      <p:sp>
+        <p:nvSpPr>
+          <p:cNvPr id="23" name="Picture Placeholder 2"/>
+          <p:cNvSpPr>
+            <a:spLocks noGrp="1" noChangeAspect="1"/>
+          </p:cNvSpPr>
+          <p:nvPr>
+            <p:ph type="pic" idx="21"/>
+          </p:nvPr>
+        </p:nvSpPr>
+        <p:spPr>
+          <a:xfrm>
+            <a:off x="3409307" y="1939094"/>
+            <a:ext cx="2319276" cy="1608164"/>
+          </a:xfrm>
+          <a:prstGeom prst="roundRect">
+            <a:avLst>
+              <a:gd name="adj" fmla="val 1858"/>
+            </a:avLst>
+          </a:prstGeom>
+          <a:effectLst>
+            <a:outerShdw blurRad="38100" dist="25400" dir="4440000">
+              <a:srgbClr val="000000">
+                <a:alpha val="36000"/>
+              </a:srgbClr>
+            </a:outerShdw>
+          </a:effectLst>
+        </p:spPr>
+        <p:txBody>
+          <a:bodyPr anchor="t">
+            <a:normAutofit/>
+          </a:bodyPr>
+          <a:lstStyle>
+            <a:lvl1pPr marL="0" indent="0" algn="ctr">
+              <a:buNone/>
+              <a:defRPr sz="1600"/>
+            </a:lvl1pPr>
+            <a:lvl2pPr marL="457200" indent="0">
+              <a:buNone/>
+              <a:defRPr sz="1600"/>
+            </a:lvl2pPr>
+            <a:lvl3pPr marL="914400" indent="0">
+              <a:buNone/>
+              <a:defRPr sz="1600"/>
+            </a:lvl3pPr>
+            <a:lvl4pPr marL="1371600" indent="0">
+              <a:buNone/>
+              <a:defRPr sz="1600"/>
+            </a:lvl4pPr>
+            <a:lvl5pPr marL="1828800" indent="0">
+              <a:buNone/>
+              <a:defRPr sz="1600"/>
+            </a:lvl5pPr>
+            <a:lvl6pPr marL="2286000" indent="0">
+              <a:buNone/>
+              <a:defRPr sz="1600"/>
+            </a:lvl6pPr>
+            <a:lvl7pPr marL="2743200" indent="0">
+              <a:buNone/>
+              <a:defRPr sz="1600"/>
+            </a:lvl7pPr>
+            <a:lvl8pPr marL="3200400" indent="0">
+              <a:buNone/>
+              <a:defRPr sz="1600"/>
+            </a:lvl8pPr>
+            <a:lvl9pPr marL="3657600" indent="0">
+              <a:buNone/>
+              <a:defRPr sz="1600"/>
+            </a:lvl9pPr>
+          </a:lstStyle>
+          <a:p>
+            <a:r>
+              <a:rPr lang="en-US" smtClean="0"/>
+              <a:t>Click icon to add picture</a:t>
+            </a:r>
+            <a:endParaRPr lang="en-US" dirty="0"/>
+          </a:p>
+        </p:txBody>
+      </p:sp>
+      <p:sp>
+        <p:nvSpPr>
+          <p:cNvPr id="24" name="Text Placeholder 3"/>
+          <p:cNvSpPr>
+            <a:spLocks noGrp="1"/>
+          </p:cNvSpPr>
+          <p:nvPr>
+            <p:ph type="body" sz="half" idx="19"/>
+          </p:nvPr>
+        </p:nvSpPr>
+        <p:spPr>
+          <a:xfrm>
+            <a:off x="3331075" y="4480368"/>
+            <a:ext cx="2476753" cy="1310833"/>
+          </a:xfrm>
+        </p:spPr>
+        <p:txBody>
+          <a:bodyPr anchor="t">
+            <a:normAutofit/>
+          </a:bodyPr>
+          <a:lstStyle>
+            <a:lvl1pPr marL="0" indent="0" algn="ctr">
+              <a:buNone/>
+              <a:defRPr sz="1400"/>
+            </a:lvl1pPr>
+            <a:lvl2pPr marL="457200" indent="0">
+              <a:buNone/>
+              <a:defRPr sz="1200"/>
+            </a:lvl2pPr>
+            <a:lvl3pPr marL="914400" indent="0">
+              <a:buNone/>
+              <a:defRPr sz="1000"/>
+            </a:lvl3pPr>
+            <a:lvl4pPr marL="1371600" indent="0">
+              <a:buNone/>
+              <a:defRPr sz="900"/>
+            </a:lvl4pPr>
+            <a:lvl5pPr marL="1828800" indent="0">
+              <a:buNone/>
+              <a:defRPr sz="900"/>
+            </a:lvl5pPr>
+            <a:lvl6pPr marL="2286000" indent="0">
+              <a:buNone/>
+              <a:defRPr sz="900"/>
+            </a:lvl6pPr>
+            <a:lvl7pPr marL="2743200" indent="0">
+              <a:buNone/>
+              <a:defRPr sz="900"/>
+            </a:lvl7pPr>
+            <a:lvl8pPr marL="3200400" indent="0">
+              <a:buNone/>
+              <a:defRPr sz="900"/>
+            </a:lvl8pPr>
+            <a:lvl9pPr marL="3657600" indent="0">
+              <a:buNone/>
+              <a:defRPr sz="900"/>
+            </a:lvl9pPr>
+          </a:lstStyle>
+          <a:p>
+            <a:pPr lvl="0"/>
+            <a:r>
+              <a:rPr lang="en-US" smtClean="0"/>
+              <a:t>Click to edit Master text styles</a:t>
+            </a:r>
+          </a:p>
+        </p:txBody>
+      </p:sp>
+      <p:sp>
+        <p:nvSpPr>
+          <p:cNvPr id="25" name="Text Placeholder 4"/>
+          <p:cNvSpPr>
+            <a:spLocks noGrp="1"/>
+          </p:cNvSpPr>
+          <p:nvPr>
+            <p:ph type="body" sz="quarter" idx="13"/>
+          </p:nvPr>
+        </p:nvSpPr>
+        <p:spPr>
+          <a:xfrm>
+            <a:off x="5975023" y="3904106"/>
+            <a:ext cx="2475738" cy="576262"/>
+          </a:xfrm>
+        </p:spPr>
+        <p:txBody>
+          <a:bodyPr anchor="b">
+            <a:noAutofit/>
+          </a:bodyPr>
+          <a:lstStyle>
+            <a:lvl1pPr marL="0" indent="0" algn="ctr">
+              <a:buNone/>
+              <a:defRPr sz="2000" b="0">
+                <a:solidFill>
+                  <a:schemeClr val="tx1"/>
+                </a:solidFill>
+              </a:defRPr>
+            </a:lvl1pPr>
+            <a:lvl2pPr marL="457200" indent="0">
+              <a:buNone/>
+              <a:defRPr sz="2000" b="1"/>
+            </a:lvl2pPr>
+            <a:lvl3pPr marL="914400" indent="0">
+              <a:buNone/>
+              <a:defRPr sz="1800" b="1"/>
+            </a:lvl3pPr>
+            <a:lvl4pPr marL="1371600" indent="0">
+              <a:buNone/>
+              <a:defRPr sz="1600" b="1"/>
+            </a:lvl4pPr>
+            <a:lvl5pPr marL="1828800" indent="0">
+              <a:buNone/>
+              <a:defRPr sz="1600" b="1"/>
+            </a:lvl5pPr>
+            <a:lvl6pPr marL="2286000" indent="0">
+              <a:buNone/>
+              <a:defRPr sz="1600" b="1"/>
+            </a:lvl6pPr>
+            <a:lvl7pPr marL="2743200" indent="0">
+              <a:buNone/>
+              <a:defRPr sz="1600" b="1"/>
+            </a:lvl7pPr>
+            <a:lvl8pPr marL="3200400" indent="0">
+              <a:buNone/>
+              <a:defRPr sz="1600" b="1"/>
+            </a:lvl8pPr>
+            <a:lvl9pPr marL="3657600" indent="0">
+              <a:buNone/>
+              <a:defRPr sz="1600" b="1"/>
+            </a:lvl9pPr>
+          </a:lstStyle>
+          <a:p>
+            <a:pPr lvl="0"/>
+            <a:r>
+              <a:rPr lang="en-US" smtClean="0"/>
+              <a:t>Click to edit Master text styles</a:t>
+            </a:r>
+          </a:p>
+        </p:txBody>
+      </p:sp>
+      <p:sp>
+        <p:nvSpPr>
+          <p:cNvPr id="26" name="Picture Placeholder 2"/>
+          <p:cNvSpPr>
+            <a:spLocks noGrp="1" noChangeAspect="1"/>
+          </p:cNvSpPr>
+          <p:nvPr>
+            <p:ph type="pic" idx="22"/>
+          </p:nvPr>
+        </p:nvSpPr>
+        <p:spPr>
+          <a:xfrm>
+            <a:off x="6056774" y="1934432"/>
+            <a:ext cx="2319276" cy="1607294"/>
+          </a:xfrm>
+          <a:prstGeom prst="roundRect">
+            <a:avLst>
+              <a:gd name="adj" fmla="val 1858"/>
+            </a:avLst>
+          </a:prstGeom>
+          <a:effectLst>
+            <a:outerShdw blurRad="38100" dist="25400" dir="4440000">
+              <a:srgbClr val="000000">
+                <a:alpha val="36000"/>
+              </a:srgbClr>
+            </a:outerShdw>
+          </a:effectLst>
+        </p:spPr>
+        <p:txBody>
+          <a:bodyPr anchor="t">
+            <a:normAutofit/>
+          </a:bodyPr>
+          <a:lstStyle>
+            <a:lvl1pPr marL="0" indent="0" algn="ctr">
+              <a:buNone/>
+              <a:defRPr sz="1600"/>
+            </a:lvl1pPr>
+            <a:lvl2pPr marL="457200" indent="0">
+              <a:buNone/>
+              <a:defRPr sz="1600"/>
+            </a:lvl2pPr>
+            <a:lvl3pPr marL="914400" indent="0">
+              <a:buNone/>
+              <a:defRPr sz="1600"/>
+            </a:lvl3pPr>
+            <a:lvl4pPr marL="1371600" indent="0">
+              <a:buNone/>
+              <a:defRPr sz="1600"/>
+            </a:lvl4pPr>
+            <a:lvl5pPr marL="1828800" indent="0">
+              <a:buNone/>
+              <a:defRPr sz="1600"/>
+            </a:lvl5pPr>
+            <a:lvl6pPr marL="2286000" indent="0">
+              <a:buNone/>
+              <a:defRPr sz="1600"/>
+            </a:lvl6pPr>
+            <a:lvl7pPr marL="2743200" indent="0">
+              <a:buNone/>
+              <a:defRPr sz="1600"/>
+            </a:lvl7pPr>
+            <a:lvl8pPr marL="3200400" indent="0">
+              <a:buNone/>
+              <a:defRPr sz="1600"/>
+            </a:lvl8pPr>
+            <a:lvl9pPr marL="3657600" indent="0">
+              <a:buNone/>
+              <a:defRPr sz="1600"/>
+            </a:lvl9pPr>
+          </a:lstStyle>
+          <a:p>
+            <a:r>
+              <a:rPr lang="en-US" smtClean="0"/>
+              <a:t>Click icon to add picture</a:t>
+            </a:r>
+            <a:endParaRPr lang="en-US" dirty="0"/>
+          </a:p>
+        </p:txBody>
+      </p:sp>
+      <p:sp>
+        <p:nvSpPr>
+          <p:cNvPr id="27" name="Text Placeholder 3"/>
+          <p:cNvSpPr>
+            <a:spLocks noGrp="1"/>
+          </p:cNvSpPr>
+          <p:nvPr>
+            <p:ph type="body" sz="half" idx="20"/>
+          </p:nvPr>
+        </p:nvSpPr>
+        <p:spPr>
+          <a:xfrm>
+            <a:off x="5974929" y="4480366"/>
+            <a:ext cx="2475738" cy="1310835"/>
+          </a:xfrm>
+        </p:spPr>
+        <p:txBody>
+          <a:bodyPr anchor="t">
+            <a:normAutofit/>
+          </a:bodyPr>
+          <a:lstStyle>
+            <a:lvl1pPr marL="0" indent="0" algn="ctr">
+              <a:buNone/>
+              <a:defRPr sz="1400"/>
+            </a:lvl1pPr>
+            <a:lvl2pPr marL="457200" indent="0">
+              <a:buNone/>
+              <a:defRPr sz="1200"/>
+            </a:lvl2pPr>
+            <a:lvl3pPr marL="914400" indent="0">
+              <a:buNone/>
+              <a:defRPr sz="1000"/>
+            </a:lvl3pPr>
+            <a:lvl4pPr marL="1371600" indent="0">
+              <a:buNone/>
+              <a:defRPr sz="900"/>
+            </a:lvl4pPr>
+            <a:lvl5pPr marL="1828800" indent="0">
+              <a:buNone/>
+              <a:defRPr sz="900"/>
+            </a:lvl5pPr>
+            <a:lvl6pPr marL="2286000" indent="0">
+              <a:buNone/>
+              <a:defRPr sz="900"/>
+            </a:lvl6pPr>
+            <a:lvl7pPr marL="2743200" indent="0">
+              <a:buNone/>
+              <a:defRPr sz="900"/>
+            </a:lvl7pPr>
+            <a:lvl8pPr marL="3200400" indent="0">
+              <a:buNone/>
+              <a:defRPr sz="900"/>
+            </a:lvl8pPr>
+            <a:lvl9pPr marL="3657600" indent="0">
+              <a:buNone/>
+              <a:defRPr sz="900"/>
+            </a:lvl9pPr>
+          </a:lstStyle>
+          <a:p>
+            <a:pPr lvl="0"/>
+            <a:r>
+              <a:rPr lang="en-US" smtClean="0"/>
+              <a:t>Click to edit Master text styles</a:t>
+            </a:r>
+          </a:p>
+        </p:txBody>
+      </p:sp>
+      <p:sp>
+        <p:nvSpPr>
+          <p:cNvPr id="3" name="Date Placeholder 2"/>
+          <p:cNvSpPr>
+            <a:spLocks noGrp="1"/>
+          </p:cNvSpPr>
+          <p:nvPr>
+            <p:ph type="dt" sz="half" idx="10"/>
+          </p:nvPr>
+        </p:nvSpPr>
+        <p:spPr/>
+        <p:txBody>
+          <a:bodyPr/>
+          <a:lstStyle/>
+          <a:p>
+            <a:fld id="{89C68843-F252-4FDC-A047-6A4E79A98E00}" type="datetimeFigureOut">
+              <a:rPr lang="en-PH" smtClean="0"/>
+              <a:t>9/2/2015</a:t>
+            </a:fld>
+            <a:endParaRPr lang="en-PH"/>
+          </a:p>
+        </p:txBody>
+      </p:sp>
+      <p:sp>
+        <p:nvSpPr>
+          <p:cNvPr id="4" name="Footer Placeholder 3"/>
+          <p:cNvSpPr>
+            <a:spLocks noGrp="1"/>
+          </p:cNvSpPr>
+          <p:nvPr>
+            <p:ph type="ftr" sz="quarter" idx="11"/>
+          </p:nvPr>
+        </p:nvSpPr>
+        <p:spPr/>
+        <p:txBody>
+          <a:bodyPr/>
+          <a:lstStyle/>
+          <a:p>
+            <a:endParaRPr lang="en-PH"/>
+          </a:p>
+        </p:txBody>
+      </p:sp>
+      <p:sp>
+        <p:nvSpPr>
+          <p:cNvPr id="5" name="Slide Number Placeholder 4"/>
+          <p:cNvSpPr>
+            <a:spLocks noGrp="1"/>
+          </p:cNvSpPr>
+          <p:nvPr>
+            <p:ph type="sldNum" sz="quarter" idx="12"/>
+          </p:nvPr>
+        </p:nvSpPr>
+        <p:spPr/>
+        <p:txBody>
+          <a:bodyPr/>
+          <a:lstStyle/>
+          <a:p>
+            <a:fld id="{425A87E6-8E4A-4361-88C9-748B3C73C6DE}" type="slidenum">
+              <a:rPr lang="en-PH" smtClean="0"/>
+              <a:t>‹#›</a:t>
+            </a:fld>
+            <a:endParaRPr lang="en-PH"/>
+          </a:p>
+        </p:txBody>
+      </p:sp>
+    </p:spTree>
+    <p:extLst>
+      <p:ext uri="{BB962C8B-B14F-4D97-AF65-F5344CB8AC3E}">
+        <p14:creationId xmlns:p14="http://schemas.microsoft.com/office/powerpoint/2010/main" val="2589271136"/>
+      </p:ext>
+    </p:extLst>
+  </p:cSld>
+  <p:clrMapOvr>
+    <a:masterClrMapping/>
+  </p:clrMapOvr>
+</p:sldLayout>
+</file>
+
 <file path=ppt/slideLayouts/slideLayout16.xml><?xml version="1.0" encoding="utf-8"?>
+<p:sldLayout xmlns:a="http://schemas.openxmlformats.org/drawingml/2006/main" xmlns:r="http://schemas.openxmlformats.org/officeDocument/2006/relationships" xmlns:p="http://schemas.openxmlformats.org/presentationml/2006/main" type="vertTx" preserve="1">
+  <p:cSld name="Title and Vertical Text">
+    <p:spTree>
+      <p:nvGrpSpPr>
+        <p:cNvPr id="1" name=""/>
+        <p:cNvGrpSpPr/>
+        <p:nvPr/>
+      </p:nvGrpSpPr>
+      <p:grpSpPr>
+        <a:xfrm>
+          <a:off x="0" y="0"/>
+          <a:ext cx="0" cy="0"/>
+          <a:chOff x="0" y="0"/>
+          <a:chExt cx="0" cy="0"/>
+        </a:xfrm>
+      </p:grpSpPr>
+      <p:sp>
+        <p:nvSpPr>
+          <p:cNvPr id="2" name="Title 1"/>
+          <p:cNvSpPr>
+            <a:spLocks noGrp="1"/>
+          </p:cNvSpPr>
+          <p:nvPr>
+            <p:ph type="title"/>
+          </p:nvPr>
+        </p:nvSpPr>
+        <p:spPr/>
+        <p:txBody>
+          <a:bodyPr/>
+          <a:lstStyle/>
+          <a:p>
+            <a:r>
+              <a:rPr lang="en-US" smtClean="0"/>
+              <a:t>Click to edit Master title style</a:t>
+            </a:r>
+            <a:endParaRPr lang="en-US" dirty="0"/>
+          </a:p>
+        </p:txBody>
+      </p:sp>
+      <p:sp>
+        <p:nvSpPr>
+          <p:cNvPr id="3" name="Vertical Text Placeholder 2"/>
+          <p:cNvSpPr>
+            <a:spLocks noGrp="1"/>
+          </p:cNvSpPr>
+          <p:nvPr>
+            <p:ph type="body" orient="vert" idx="1"/>
+          </p:nvPr>
+        </p:nvSpPr>
+        <p:spPr/>
+        <p:txBody>
+          <a:bodyPr vert="eaVert" anchor="t"/>
+          <a:lstStyle/>
+          <a:p>
+            <a:pPr lvl="0"/>
+            <a:r>
+              <a:rPr lang="en-US" smtClean="0"/>
+              <a:t>Click to edit Master text styles</a:t>
+            </a:r>
+          </a:p>
+          <a:p>
+            <a:pPr lvl="1"/>
+            <a:r>
+              <a:rPr lang="en-US" smtClean="0"/>
+              <a:t>Second level</a:t>
+            </a:r>
+          </a:p>
+          <a:p>
+            <a:pPr lvl="2"/>
+            <a:r>
+              <a:rPr lang="en-US" smtClean="0"/>
+              <a:t>Third level</a:t>
+            </a:r>
+          </a:p>
+          <a:p>
+            <a:pPr lvl="3"/>
+            <a:r>
+              <a:rPr lang="en-US" smtClean="0"/>
+              <a:t>Fourth level</a:t>
+            </a:r>
+          </a:p>
+          <a:p>
+            <a:pPr lvl="4"/>
+            <a:r>
+              <a:rPr lang="en-US" smtClean="0"/>
+              <a:t>Fifth level</a:t>
+            </a:r>
+            <a:endParaRPr lang="en-US" dirty="0"/>
+          </a:p>
+        </p:txBody>
+      </p:sp>
+      <p:sp>
+        <p:nvSpPr>
+          <p:cNvPr id="4" name="Date Placeholder 3"/>
+          <p:cNvSpPr>
+            <a:spLocks noGrp="1"/>
+          </p:cNvSpPr>
+          <p:nvPr>
+            <p:ph type="dt" sz="half" idx="10"/>
+          </p:nvPr>
+        </p:nvSpPr>
+        <p:spPr/>
+        <p:txBody>
+          <a:bodyPr/>
+          <a:lstStyle/>
+          <a:p>
+            <a:fld id="{89C68843-F252-4FDC-A047-6A4E79A98E00}" type="datetimeFigureOut">
+              <a:rPr lang="en-PH" smtClean="0"/>
+              <a:t>9/2/2015</a:t>
+            </a:fld>
+            <a:endParaRPr lang="en-PH"/>
+          </a:p>
+        </p:txBody>
+      </p:sp>
+      <p:sp>
+        <p:nvSpPr>
+          <p:cNvPr id="5" name="Footer Placeholder 4"/>
+          <p:cNvSpPr>
+            <a:spLocks noGrp="1"/>
+          </p:cNvSpPr>
+          <p:nvPr>
+            <p:ph type="ftr" sz="quarter" idx="11"/>
+          </p:nvPr>
+        </p:nvSpPr>
+        <p:spPr/>
+        <p:txBody>
+          <a:bodyPr/>
+          <a:lstStyle/>
+          <a:p>
+            <a:endParaRPr lang="en-PH"/>
+          </a:p>
+        </p:txBody>
+      </p:sp>
+      <p:sp>
+        <p:nvSpPr>
+          <p:cNvPr id="6" name="Slide Number Placeholder 5"/>
+          <p:cNvSpPr>
+            <a:spLocks noGrp="1"/>
+          </p:cNvSpPr>
+          <p:nvPr>
+            <p:ph type="sldNum" sz="quarter" idx="12"/>
+          </p:nvPr>
+        </p:nvSpPr>
+        <p:spPr/>
+        <p:txBody>
+          <a:bodyPr/>
+          <a:lstStyle/>
+          <a:p>
+            <a:fld id="{425A87E6-8E4A-4361-88C9-748B3C73C6DE}" type="slidenum">
+              <a:rPr lang="en-PH" smtClean="0"/>
+              <a:t>‹#›</a:t>
+            </a:fld>
+            <a:endParaRPr lang="en-PH"/>
+          </a:p>
+        </p:txBody>
+      </p:sp>
+    </p:spTree>
+    <p:extLst>
+      <p:ext uri="{BB962C8B-B14F-4D97-AF65-F5344CB8AC3E}">
+        <p14:creationId xmlns:p14="http://schemas.microsoft.com/office/powerpoint/2010/main" val="3536801163"/>
+      </p:ext>
+    </p:extLst>
+  </p:cSld>
+  <p:clrMapOvr>
+    <a:masterClrMapping/>
+  </p:clrMapOvr>
+  <p:transition spd="slow">
+    <p:push dir="u"/>
+  </p:transition>
+  <p:timing>
+    <p:tnLst>
+      <p:par>
+        <p:cTn id="1" dur="indefinite" restart="never" nodeType="tmRoot"/>
+      </p:par>
+    </p:tnLst>
+  </p:timing>
+</p:sldLayout>
+</file>
+
+<file path=ppt/slideLayouts/slideLayout17.xml><?xml version="1.0" encoding="utf-8"?>
 <p:sldLayout xmlns:a="http://schemas.openxmlformats.org/drawingml/2006/main" xmlns:r="http://schemas.openxmlformats.org/officeDocument/2006/relationships" xmlns:p="http://schemas.openxmlformats.org/presentationml/2006/main" type="vertTitleAndTx" preserve="1">
   <p:cSld name="Vertical Title and Text">
     <p:spTree>
@@ -3262,13 +3644,17 @@
         </p:nvSpPr>
         <p:spPr>
           <a:xfrm>
-            <a:off x="5977312" y="609600"/>
-            <a:ext cx="978812" cy="5251451"/>
-          </a:xfrm>
-        </p:spPr>
-        <p:txBody>
-          <a:bodyPr vert="eaVert" anchor="ctr"/>
-          <a:lstStyle/>
+            <a:off x="6737302" y="609600"/>
+            <a:ext cx="1713365" cy="5181601"/>
+          </a:xfrm>
+        </p:spPr>
+        <p:txBody>
+          <a:bodyPr vert="eaVert"/>
+          <a:lstStyle>
+            <a:lvl1pPr algn="l">
+              <a:defRPr/>
+            </a:lvl1pPr>
+          </a:lstStyle>
           <a:p>
             <a:r>
               <a:rPr lang="en-US" smtClean="0"/>
@@ -3290,12 +3676,12 @@
         </p:nvSpPr>
         <p:spPr>
           <a:xfrm>
-            <a:off x="609599" y="609600"/>
-            <a:ext cx="5195026" cy="5251451"/>
-          </a:xfrm>
-        </p:spPr>
-        <p:txBody>
-          <a:bodyPr vert="eaVert"/>
+            <a:off x="685347" y="609600"/>
+            <a:ext cx="5937654" cy="5181601"/>
+          </a:xfrm>
+        </p:spPr>
+        <p:txBody>
+          <a:bodyPr vert="eaVert" anchor="t"/>
           <a:lstStyle/>
           <a:p>
             <a:pPr lvl="0"/>
@@ -3352,7 +3738,7 @@
           <a:p>
             <a:fld id="{89C68843-F252-4FDC-A047-6A4E79A98E00}" type="datetimeFigureOut">
               <a:rPr lang="en-PH" smtClean="0"/>
-              <a:t>9/1/2015</a:t>
+              <a:t>9/2/2015</a:t>
             </a:fld>
             <a:endParaRPr lang="en-PH"/>
           </a:p>
@@ -3403,7 +3789,7 @@
     </p:spTree>
     <p:extLst>
       <p:ext uri="{BB962C8B-B14F-4D97-AF65-F5344CB8AC3E}">
-        <p14:creationId xmlns:p14="http://schemas.microsoft.com/office/powerpoint/2010/main" val="3182248190"/>
+        <p14:creationId xmlns:p14="http://schemas.microsoft.com/office/powerpoint/2010/main" val="92440489"/>
       </p:ext>
     </p:extLst>
   </p:cSld>
@@ -3532,7 +3918,7 @@
           <a:p>
             <a:fld id="{89C68843-F252-4FDC-A047-6A4E79A98E00}" type="datetimeFigureOut">
               <a:rPr lang="en-PH" smtClean="0"/>
-              <a:t>9/1/2015</a:t>
+              <a:t>9/2/2015</a:t>
             </a:fld>
             <a:endParaRPr lang="en-PH"/>
           </a:p>
@@ -3583,7 +3969,7 @@
     </p:spTree>
     <p:extLst>
       <p:ext uri="{BB962C8B-B14F-4D97-AF65-F5344CB8AC3E}">
-        <p14:creationId xmlns:p14="http://schemas.microsoft.com/office/powerpoint/2010/main" val="644804332"/>
+        <p14:creationId xmlns:p14="http://schemas.microsoft.com/office/powerpoint/2010/main" val="4035776921"/>
       </p:ext>
     </p:extLst>
   </p:cSld>
@@ -3632,14 +4018,14 @@
         </p:nvSpPr>
         <p:spPr>
           <a:xfrm>
-            <a:off x="609598" y="2700868"/>
-            <a:ext cx="6347715" cy="1826581"/>
+            <a:off x="971551" y="1761068"/>
+            <a:ext cx="7192913" cy="1828813"/>
           </a:xfrm>
         </p:spPr>
         <p:txBody>
           <a:bodyPr anchor="b"/>
           <a:lstStyle>
-            <a:lvl1pPr algn="l">
+            <a:lvl1pPr algn="ctr">
               <a:defRPr sz="4000" b="0" cap="none"/>
             </a:lvl1pPr>
           </a:lstStyle>
@@ -3664,21 +4050,18 @@
         </p:nvSpPr>
         <p:spPr>
           <a:xfrm>
-            <a:off x="609598" y="4527448"/>
-            <a:ext cx="6347715" cy="860400"/>
+            <a:off x="971551" y="3589879"/>
+            <a:ext cx="7192913" cy="1507054"/>
           </a:xfrm>
         </p:spPr>
         <p:txBody>
           <a:bodyPr anchor="t"/>
           <a:lstStyle>
-            <a:lvl1pPr marL="0" indent="0" algn="l">
+            <a:lvl1pPr marL="0" indent="0" algn="ctr">
               <a:buNone/>
               <a:defRPr sz="2000">
                 <a:solidFill>
-                  <a:schemeClr val="tx1">
-                    <a:lumMod val="50000"/>
-                    <a:lumOff val="50000"/>
-                  </a:schemeClr>
+                  <a:schemeClr val="tx1"/>
                 </a:solidFill>
               </a:defRPr>
             </a:lvl1pPr>
@@ -3789,7 +4172,7 @@
           <a:p>
             <a:fld id="{89C68843-F252-4FDC-A047-6A4E79A98E00}" type="datetimeFigureOut">
               <a:rPr lang="en-PH" smtClean="0"/>
-              <a:t>9/1/2015</a:t>
+              <a:t>9/2/2015</a:t>
             </a:fld>
             <a:endParaRPr lang="en-PH"/>
           </a:p>
@@ -3840,7 +4223,7 @@
     </p:spTree>
     <p:extLst>
       <p:ext uri="{BB962C8B-B14F-4D97-AF65-F5344CB8AC3E}">
-        <p14:creationId xmlns:p14="http://schemas.microsoft.com/office/powerpoint/2010/main" val="1264006802"/>
+        <p14:creationId xmlns:p14="http://schemas.microsoft.com/office/powerpoint/2010/main" val="1079189799"/>
       </p:ext>
     </p:extLst>
   </p:cSld>
@@ -3887,12 +4270,7 @@
             <p:ph type="title"/>
           </p:nvPr>
         </p:nvSpPr>
-        <p:spPr>
-          <a:xfrm>
-            <a:off x="609600" y="609600"/>
-            <a:ext cx="6347714" cy="1320800"/>
-          </a:xfrm>
-        </p:spPr>
+        <p:spPr/>
         <p:txBody>
           <a:bodyPr/>
           <a:lstStyle/>
@@ -3917,43 +4295,15 @@
         </p:nvSpPr>
         <p:spPr>
           <a:xfrm>
-            <a:off x="609600" y="2160589"/>
-            <a:ext cx="3088109" cy="3880772"/>
-          </a:xfrm>
-        </p:spPr>
-        <p:txBody>
-          <a:bodyPr>
+            <a:off x="685347" y="1732449"/>
+            <a:ext cx="3795373" cy="4058750"/>
+          </a:xfrm>
+        </p:spPr>
+        <p:txBody>
+          <a:bodyPr anchor="t">
             <a:normAutofit/>
           </a:bodyPr>
-          <a:lstStyle>
-            <a:lvl1pPr>
-              <a:defRPr sz="1800"/>
-            </a:lvl1pPr>
-            <a:lvl2pPr>
-              <a:defRPr sz="1600"/>
-            </a:lvl2pPr>
-            <a:lvl3pPr>
-              <a:defRPr sz="1400"/>
-            </a:lvl3pPr>
-            <a:lvl4pPr>
-              <a:defRPr sz="1200"/>
-            </a:lvl4pPr>
-            <a:lvl5pPr>
-              <a:defRPr sz="1200"/>
-            </a:lvl5pPr>
-            <a:lvl6pPr>
-              <a:defRPr sz="1200"/>
-            </a:lvl6pPr>
-            <a:lvl7pPr>
-              <a:defRPr sz="1200"/>
-            </a:lvl7pPr>
-            <a:lvl8pPr>
-              <a:defRPr sz="1200"/>
-            </a:lvl8pPr>
-            <a:lvl9pPr>
-              <a:defRPr sz="1200"/>
-            </a:lvl9pPr>
-          </a:lstStyle>
+          <a:lstStyle/>
           <a:p>
             <a:pPr lvl="0"/>
             <a:r>
@@ -4004,43 +4354,15 @@
         </p:nvSpPr>
         <p:spPr>
           <a:xfrm>
-            <a:off x="3869204" y="2160590"/>
-            <a:ext cx="3088110" cy="3880773"/>
-          </a:xfrm>
-        </p:spPr>
-        <p:txBody>
-          <a:bodyPr>
+            <a:off x="4652169" y="1732450"/>
+            <a:ext cx="3798499" cy="4058751"/>
+          </a:xfrm>
+        </p:spPr>
+        <p:txBody>
+          <a:bodyPr anchor="t">
             <a:normAutofit/>
           </a:bodyPr>
-          <a:lstStyle>
-            <a:lvl1pPr>
-              <a:defRPr sz="1800"/>
-            </a:lvl1pPr>
-            <a:lvl2pPr>
-              <a:defRPr sz="1600"/>
-            </a:lvl2pPr>
-            <a:lvl3pPr>
-              <a:defRPr sz="1400"/>
-            </a:lvl3pPr>
-            <a:lvl4pPr>
-              <a:defRPr sz="1200"/>
-            </a:lvl4pPr>
-            <a:lvl5pPr>
-              <a:defRPr sz="1200"/>
-            </a:lvl5pPr>
-            <a:lvl6pPr>
-              <a:defRPr sz="1200"/>
-            </a:lvl6pPr>
-            <a:lvl7pPr>
-              <a:defRPr sz="1200"/>
-            </a:lvl7pPr>
-            <a:lvl8pPr>
-              <a:defRPr sz="1200"/>
-            </a:lvl8pPr>
-            <a:lvl9pPr>
-              <a:defRPr sz="1200"/>
-            </a:lvl9pPr>
-          </a:lstStyle>
+          <a:lstStyle/>
           <a:p>
             <a:pPr lvl="0"/>
             <a:r>
@@ -4096,7 +4418,7 @@
           <a:p>
             <a:fld id="{89C68843-F252-4FDC-A047-6A4E79A98E00}" type="datetimeFigureOut">
               <a:rPr lang="en-PH" smtClean="0"/>
-              <a:t>9/1/2015</a:t>
+              <a:t>9/2/2015</a:t>
             </a:fld>
             <a:endParaRPr lang="en-PH"/>
           </a:p>
@@ -4147,7 +4469,7 @@
     </p:spTree>
     <p:extLst>
       <p:ext uri="{BB962C8B-B14F-4D97-AF65-F5344CB8AC3E}">
-        <p14:creationId xmlns:p14="http://schemas.microsoft.com/office/powerpoint/2010/main" val="2933636064"/>
+        <p14:creationId xmlns:p14="http://schemas.microsoft.com/office/powerpoint/2010/main" val="651560692"/>
       </p:ext>
     </p:extLst>
   </p:cSld>
@@ -4184,6 +4506,66 @@
           <a:chExt cx="0" cy="0"/>
         </a:xfrm>
       </p:grpSpPr>
+      <p:pic>
+        <p:nvPicPr>
+          <p:cNvPr id="10" name="Picture 9" descr="Slate-V2-SD-compPhotoInset.png"/>
+          <p:cNvPicPr>
+            <a:picLocks noChangeAspect="1"/>
+          </p:cNvPicPr>
+          <p:nvPr/>
+        </p:nvPicPr>
+        <p:blipFill>
+          <a:blip r:embed="rId2">
+            <a:extLst>
+              <a:ext uri="{28A0092B-C50C-407E-A947-70E740481C1C}">
+                <a14:useLocalDpi xmlns:a14="http://schemas.microsoft.com/office/drawing/2010/main" val="0"/>
+              </a:ext>
+            </a:extLst>
+          </a:blip>
+          <a:stretch>
+            <a:fillRect/>
+          </a:stretch>
+        </p:blipFill>
+        <p:spPr>
+          <a:xfrm>
+            <a:off x="685345" y="1770323"/>
+            <a:ext cx="3787423" cy="4112953"/>
+          </a:xfrm>
+          <a:prstGeom prst="rect">
+            <a:avLst/>
+          </a:prstGeom>
+        </p:spPr>
+      </p:pic>
+      <p:pic>
+        <p:nvPicPr>
+          <p:cNvPr id="14" name="Picture 13" descr="Slate-V2-SD-compPhotoInset.png"/>
+          <p:cNvPicPr>
+            <a:picLocks noChangeAspect="1"/>
+          </p:cNvPicPr>
+          <p:nvPr/>
+        </p:nvPicPr>
+        <p:blipFill>
+          <a:blip r:embed="rId2">
+            <a:extLst>
+              <a:ext uri="{28A0092B-C50C-407E-A947-70E740481C1C}">
+                <a14:useLocalDpi xmlns:a14="http://schemas.microsoft.com/office/drawing/2010/main" val="0"/>
+              </a:ext>
+            </a:extLst>
+          </a:blip>
+          <a:stretch>
+            <a:fillRect/>
+          </a:stretch>
+        </p:blipFill>
+        <p:spPr>
+          <a:xfrm>
+            <a:off x="4663245" y="1770323"/>
+            <a:ext cx="3787423" cy="4112953"/>
+          </a:xfrm>
+          <a:prstGeom prst="rect">
+            <a:avLst/>
+          </a:prstGeom>
+        </p:spPr>
+      </p:pic>
       <p:sp>
         <p:nvSpPr>
           <p:cNvPr id="2" name="Title 1"/>
@@ -4194,12 +4576,7 @@
             <p:ph type="title"/>
           </p:nvPr>
         </p:nvSpPr>
-        <p:spPr>
-          <a:xfrm>
-            <a:off x="609599" y="609600"/>
-            <a:ext cx="6347713" cy="1320800"/>
-          </a:xfrm>
-        </p:spPr>
+        <p:spPr/>
         <p:txBody>
           <a:bodyPr/>
           <a:lstStyle>
@@ -4228,8 +4605,8 @@
         </p:nvSpPr>
         <p:spPr>
           <a:xfrm>
-            <a:off x="609599" y="2160983"/>
-            <a:ext cx="3090672" cy="576262"/>
+            <a:off x="754404" y="1835254"/>
+            <a:ext cx="3657258" cy="544884"/>
           </a:xfrm>
         </p:spPr>
         <p:txBody>
@@ -4237,7 +4614,7 @@
             <a:noAutofit/>
           </a:bodyPr>
           <a:lstStyle>
-            <a:lvl1pPr marL="0" indent="0">
+            <a:lvl1pPr marL="0" indent="0" algn="ctr">
               <a:buNone/>
               <a:defRPr sz="2400" b="0"/>
             </a:lvl1pPr>
@@ -4295,15 +4672,31 @@
         </p:nvSpPr>
         <p:spPr>
           <a:xfrm>
-            <a:off x="609599" y="2737246"/>
-            <a:ext cx="3090672" cy="3304117"/>
-          </a:xfrm>
-        </p:spPr>
-        <p:txBody>
-          <a:bodyPr>
+            <a:off x="754404" y="2380138"/>
+            <a:ext cx="3657258" cy="3411063"/>
+          </a:xfrm>
+        </p:spPr>
+        <p:txBody>
+          <a:bodyPr anchor="t">
             <a:normAutofit/>
           </a:bodyPr>
-          <a:lstStyle/>
+          <a:lstStyle>
+            <a:lvl1pPr>
+              <a:defRPr sz="1800"/>
+            </a:lvl1pPr>
+            <a:lvl2pPr>
+              <a:defRPr sz="1600"/>
+            </a:lvl2pPr>
+            <a:lvl3pPr>
+              <a:defRPr sz="1400"/>
+            </a:lvl3pPr>
+            <a:lvl4pPr>
+              <a:defRPr sz="1200"/>
+            </a:lvl4pPr>
+            <a:lvl5pPr>
+              <a:defRPr sz="1200"/>
+            </a:lvl5pPr>
+          </a:lstStyle>
           <a:p>
             <a:pPr lvl="0"/>
             <a:r>
@@ -4354,8 +4747,8 @@
         </p:nvSpPr>
         <p:spPr>
           <a:xfrm>
-            <a:off x="3866640" y="2160983"/>
-            <a:ext cx="3090672" cy="576262"/>
+            <a:off x="4721225" y="1835255"/>
+            <a:ext cx="3671498" cy="544883"/>
           </a:xfrm>
         </p:spPr>
         <p:txBody>
@@ -4363,7 +4756,7 @@
             <a:noAutofit/>
           </a:bodyPr>
           <a:lstStyle>
-            <a:lvl1pPr marL="0" indent="0">
+            <a:lvl1pPr marL="0" indent="0" algn="ctr">
               <a:buNone/>
               <a:defRPr sz="2400" b="0"/>
             </a:lvl1pPr>
@@ -4421,15 +4814,31 @@
         </p:nvSpPr>
         <p:spPr>
           <a:xfrm>
-            <a:off x="3866640" y="2737246"/>
-            <a:ext cx="3090672" cy="3304117"/>
-          </a:xfrm>
-        </p:spPr>
-        <p:txBody>
-          <a:bodyPr>
+            <a:off x="4721225" y="2380138"/>
+            <a:ext cx="3671498" cy="3411063"/>
+          </a:xfrm>
+        </p:spPr>
+        <p:txBody>
+          <a:bodyPr anchor="t">
             <a:normAutofit/>
           </a:bodyPr>
-          <a:lstStyle/>
+          <a:lstStyle>
+            <a:lvl1pPr>
+              <a:defRPr sz="1800"/>
+            </a:lvl1pPr>
+            <a:lvl2pPr>
+              <a:defRPr sz="1600"/>
+            </a:lvl2pPr>
+            <a:lvl3pPr>
+              <a:defRPr sz="1400"/>
+            </a:lvl3pPr>
+            <a:lvl4pPr>
+              <a:defRPr sz="1200"/>
+            </a:lvl4pPr>
+            <a:lvl5pPr>
+              <a:defRPr sz="1200"/>
+            </a:lvl5pPr>
+          </a:lstStyle>
           <a:p>
             <a:pPr lvl="0"/>
             <a:r>
@@ -4485,7 +4894,7 @@
           <a:p>
             <a:fld id="{89C68843-F252-4FDC-A047-6A4E79A98E00}" type="datetimeFigureOut">
               <a:rPr lang="en-PH" smtClean="0"/>
-              <a:t>9/1/2015</a:t>
+              <a:t>9/2/2015</a:t>
             </a:fld>
             <a:endParaRPr lang="en-PH"/>
           </a:p>
@@ -4536,7 +4945,7 @@
     </p:spTree>
     <p:extLst>
       <p:ext uri="{BB962C8B-B14F-4D97-AF65-F5344CB8AC3E}">
-        <p14:creationId xmlns:p14="http://schemas.microsoft.com/office/powerpoint/2010/main" val="553217957"/>
+        <p14:creationId xmlns:p14="http://schemas.microsoft.com/office/powerpoint/2010/main" val="3004256655"/>
       </p:ext>
     </p:extLst>
   </p:cSld>
@@ -4583,12 +4992,7 @@
             <p:ph type="title"/>
           </p:nvPr>
         </p:nvSpPr>
-        <p:spPr>
-          <a:xfrm>
-            <a:off x="609599" y="609600"/>
-            <a:ext cx="6347714" cy="1320800"/>
-          </a:xfrm>
-        </p:spPr>
+        <p:spPr/>
         <p:txBody>
           <a:bodyPr/>
           <a:lstStyle/>
@@ -4618,7 +5022,7 @@
           <a:p>
             <a:fld id="{89C68843-F252-4FDC-A047-6A4E79A98E00}" type="datetimeFigureOut">
               <a:rPr lang="en-PH" smtClean="0"/>
-              <a:t>9/1/2015</a:t>
+              <a:t>9/2/2015</a:t>
             </a:fld>
             <a:endParaRPr lang="en-PH"/>
           </a:p>
@@ -4669,7 +5073,7 @@
     </p:spTree>
     <p:extLst>
       <p:ext uri="{BB962C8B-B14F-4D97-AF65-F5344CB8AC3E}">
-        <p14:creationId xmlns:p14="http://schemas.microsoft.com/office/powerpoint/2010/main" val="4266290888"/>
+        <p14:creationId xmlns:p14="http://schemas.microsoft.com/office/powerpoint/2010/main" val="2712529625"/>
       </p:ext>
     </p:extLst>
   </p:cSld>
@@ -4723,7 +5127,7 @@
           <a:p>
             <a:fld id="{89C68843-F252-4FDC-A047-6A4E79A98E00}" type="datetimeFigureOut">
               <a:rPr lang="en-PH" smtClean="0"/>
-              <a:t>9/1/2015</a:t>
+              <a:t>9/2/2015</a:t>
             </a:fld>
             <a:endParaRPr lang="en-PH"/>
           </a:p>
@@ -4774,7 +5178,7 @@
     </p:spTree>
     <p:extLst>
       <p:ext uri="{BB962C8B-B14F-4D97-AF65-F5344CB8AC3E}">
-        <p14:creationId xmlns:p14="http://schemas.microsoft.com/office/powerpoint/2010/main" val="561206548"/>
+        <p14:creationId xmlns:p14="http://schemas.microsoft.com/office/powerpoint/2010/main" val="4027128035"/>
       </p:ext>
     </p:extLst>
   </p:cSld>
@@ -4823,8 +5227,8 @@
         </p:nvSpPr>
         <p:spPr>
           <a:xfrm>
-            <a:off x="609599" y="1498604"/>
-            <a:ext cx="2790182" cy="1278466"/>
+            <a:off x="685347" y="609600"/>
+            <a:ext cx="2780167" cy="1821918"/>
           </a:xfrm>
         </p:spPr>
         <p:txBody>
@@ -4832,8 +5236,8 @@
             <a:normAutofit/>
           </a:bodyPr>
           <a:lstStyle>
-            <a:lvl1pPr>
-              <a:defRPr sz="2000"/>
+            <a:lvl1pPr algn="ctr">
+              <a:defRPr sz="2400" b="0"/>
             </a:lvl1pPr>
           </a:lstStyle>
           <a:p>
@@ -4857,8 +5261,8 @@
         </p:nvSpPr>
         <p:spPr>
           <a:xfrm>
-            <a:off x="3571275" y="514925"/>
-            <a:ext cx="3386037" cy="5526437"/>
+            <a:off x="3641725" y="609600"/>
+            <a:ext cx="4808943" cy="5181600"/>
           </a:xfrm>
         </p:spPr>
         <p:txBody>
@@ -4916,50 +5320,50 @@
         </p:nvSpPr>
         <p:spPr>
           <a:xfrm>
-            <a:off x="609599" y="2777069"/>
-            <a:ext cx="2790182" cy="2584449"/>
-          </a:xfrm>
-        </p:spPr>
-        <p:txBody>
-          <a:bodyPr>
+            <a:off x="685347" y="2431518"/>
+            <a:ext cx="2780167" cy="3359681"/>
+          </a:xfrm>
+        </p:spPr>
+        <p:txBody>
+          <a:bodyPr anchor="t">
             <a:normAutofit/>
           </a:bodyPr>
           <a:lstStyle>
-            <a:lvl1pPr marL="0" indent="0">
-              <a:buNone/>
-              <a:defRPr sz="1400"/>
+            <a:lvl1pPr marL="0" indent="0" algn="ctr">
+              <a:buNone/>
+              <a:defRPr sz="1600"/>
             </a:lvl1pPr>
-            <a:lvl2pPr marL="342900" indent="0">
-              <a:buNone/>
-              <a:defRPr sz="1050"/>
+            <a:lvl2pPr marL="457200" indent="0">
+              <a:buNone/>
+              <a:defRPr sz="1200"/>
             </a:lvl2pPr>
-            <a:lvl3pPr marL="685800" indent="0">
+            <a:lvl3pPr marL="914400" indent="0">
+              <a:buNone/>
+              <a:defRPr sz="1000"/>
+            </a:lvl3pPr>
+            <a:lvl4pPr marL="1371600" indent="0">
               <a:buNone/>
               <a:defRPr sz="900"/>
-            </a:lvl3pPr>
-            <a:lvl4pPr marL="1028700" indent="0">
-              <a:buNone/>
-              <a:defRPr sz="750"/>
             </a:lvl4pPr>
-            <a:lvl5pPr marL="1371600" indent="0">
-              <a:buNone/>
-              <a:defRPr sz="750"/>
+            <a:lvl5pPr marL="1828800" indent="0">
+              <a:buNone/>
+              <a:defRPr sz="900"/>
             </a:lvl5pPr>
-            <a:lvl6pPr marL="1714500" indent="0">
-              <a:buNone/>
-              <a:defRPr sz="750"/>
+            <a:lvl6pPr marL="2286000" indent="0">
+              <a:buNone/>
+              <a:defRPr sz="900"/>
             </a:lvl6pPr>
-            <a:lvl7pPr marL="2057400" indent="0">
-              <a:buNone/>
-              <a:defRPr sz="750"/>
+            <a:lvl7pPr marL="2743200" indent="0">
+              <a:buNone/>
+              <a:defRPr sz="900"/>
             </a:lvl7pPr>
-            <a:lvl8pPr marL="2400300" indent="0">
-              <a:buNone/>
-              <a:defRPr sz="750"/>
+            <a:lvl8pPr marL="3200400" indent="0">
+              <a:buNone/>
+              <a:defRPr sz="900"/>
             </a:lvl8pPr>
-            <a:lvl9pPr marL="2743200" indent="0">
-              <a:buNone/>
-              <a:defRPr sz="750"/>
+            <a:lvl9pPr marL="3657600" indent="0">
+              <a:buNone/>
+              <a:defRPr sz="900"/>
             </a:lvl9pPr>
           </a:lstStyle>
           <a:p>
@@ -4988,7 +5392,7 @@
           <a:p>
             <a:fld id="{89C68843-F252-4FDC-A047-6A4E79A98E00}" type="datetimeFigureOut">
               <a:rPr lang="en-PH" smtClean="0"/>
-              <a:t>9/1/2015</a:t>
+              <a:t>9/2/2015</a:t>
             </a:fld>
             <a:endParaRPr lang="en-PH"/>
           </a:p>
@@ -5039,7 +5443,7 @@
     </p:spTree>
     <p:extLst>
       <p:ext uri="{BB962C8B-B14F-4D97-AF65-F5344CB8AC3E}">
-        <p14:creationId xmlns:p14="http://schemas.microsoft.com/office/powerpoint/2010/main" val="1295365420"/>
+        <p14:creationId xmlns:p14="http://schemas.microsoft.com/office/powerpoint/2010/main" val="3083587730"/>
       </p:ext>
     </p:extLst>
   </p:cSld>
@@ -5076,6 +5480,36 @@
           <a:chExt cx="0" cy="0"/>
         </a:xfrm>
       </p:grpSpPr>
+      <p:pic>
+        <p:nvPicPr>
+          <p:cNvPr id="12" name="Picture 11" descr="Slate-V2-SD-vertPhotoInset.png"/>
+          <p:cNvPicPr>
+            <a:picLocks noChangeAspect="1"/>
+          </p:cNvPicPr>
+          <p:nvPr/>
+        </p:nvPicPr>
+        <p:blipFill>
+          <a:blip r:embed="rId2">
+            <a:extLst>
+              <a:ext uri="{28A0092B-C50C-407E-A947-70E740481C1C}">
+                <a14:useLocalDpi xmlns:a14="http://schemas.microsoft.com/office/drawing/2010/main" val="0"/>
+              </a:ext>
+            </a:extLst>
+          </a:blip>
+          <a:stretch>
+            <a:fillRect/>
+          </a:stretch>
+        </p:blipFill>
+        <p:spPr>
+          <a:xfrm>
+            <a:off x="4844987" y="609923"/>
+            <a:ext cx="3428146" cy="5205472"/>
+          </a:xfrm>
+          <a:prstGeom prst="rect">
+            <a:avLst/>
+          </a:prstGeom>
+        </p:spPr>
+      </p:pic>
       <p:sp>
         <p:nvSpPr>
           <p:cNvPr id="2" name="Title 1"/>
@@ -5088,17 +5522,17 @@
         </p:nvSpPr>
         <p:spPr>
           <a:xfrm>
-            <a:off x="609599" y="4800600"/>
-            <a:ext cx="6347714" cy="566738"/>
+            <a:off x="685347" y="609923"/>
+            <a:ext cx="3924676" cy="1829338"/>
           </a:xfrm>
         </p:spPr>
         <p:txBody>
           <a:bodyPr anchor="b">
-            <a:normAutofit/>
+            <a:noAutofit/>
           </a:bodyPr>
           <a:lstStyle>
-            <a:lvl1pPr algn="l">
-              <a:defRPr sz="2400" b="0"/>
+            <a:lvl1pPr algn="ctr">
+              <a:defRPr sz="3200" b="0"/>
             </a:lvl1pPr>
           </a:lstStyle>
           <a:p>
@@ -5122,9 +5556,16 @@
         </p:nvSpPr>
         <p:spPr>
           <a:xfrm>
-            <a:off x="609599" y="609600"/>
-            <a:ext cx="6347714" cy="3845718"/>
-          </a:xfrm>
+            <a:off x="4976728" y="743989"/>
+            <a:ext cx="3165375" cy="4912822"/>
+          </a:xfrm>
+          <a:effectLst>
+            <a:outerShdw blurRad="38100" dist="25400" dir="4440000">
+              <a:srgbClr val="000000">
+                <a:alpha val="36000"/>
+              </a:srgbClr>
+            </a:outerShdw>
+          </a:effectLst>
         </p:spPr>
         <p:txBody>
           <a:bodyPr anchor="t">
@@ -5189,18 +5630,18 @@
         </p:nvSpPr>
         <p:spPr>
           <a:xfrm>
-            <a:off x="609599" y="5367338"/>
-            <a:ext cx="6347714" cy="674024"/>
-          </a:xfrm>
-        </p:spPr>
-        <p:txBody>
-          <a:bodyPr>
+            <a:off x="685347" y="2439261"/>
+            <a:ext cx="3924676" cy="3376134"/>
+          </a:xfrm>
+        </p:spPr>
+        <p:txBody>
+          <a:bodyPr anchor="t">
             <a:normAutofit/>
           </a:bodyPr>
           <a:lstStyle>
-            <a:lvl1pPr marL="0" indent="0">
-              <a:buNone/>
-              <a:defRPr sz="1200"/>
+            <a:lvl1pPr marL="0" indent="0" algn="ctr">
+              <a:buNone/>
+              <a:defRPr sz="1600"/>
             </a:lvl1pPr>
             <a:lvl2pPr marL="457200" indent="0">
               <a:buNone/>
@@ -5261,7 +5702,7 @@
           <a:p>
             <a:fld id="{89C68843-F252-4FDC-A047-6A4E79A98E00}" type="datetimeFigureOut">
               <a:rPr lang="en-PH" smtClean="0"/>
-              <a:t>9/1/2015</a:t>
+              <a:t>9/2/2015</a:t>
             </a:fld>
             <a:endParaRPr lang="en-PH"/>
           </a:p>
@@ -5312,7 +5753,7 @@
     </p:spTree>
     <p:extLst>
       <p:ext uri="{BB962C8B-B14F-4D97-AF65-F5344CB8AC3E}">
-        <p14:creationId xmlns:p14="http://schemas.microsoft.com/office/powerpoint/2010/main" val="3290859303"/>
+        <p14:creationId xmlns:p14="http://schemas.microsoft.com/office/powerpoint/2010/main" val="1467103002"/>
       </p:ext>
     </p:extLst>
   </p:cSld>
@@ -5336,8 +5777,8 @@
 <p:sldMaster xmlns:a="http://schemas.openxmlformats.org/drawingml/2006/main" xmlns:r="http://schemas.openxmlformats.org/officeDocument/2006/relationships" xmlns:p="http://schemas.openxmlformats.org/presentationml/2006/main">
   <p:cSld>
     <p:bg>
-      <p:bgRef idx="1001">
-        <a:schemeClr val="bg1"/>
+      <p:bgRef idx="1003">
+        <a:schemeClr val="bg2"/>
       </p:bgRef>
     </p:bg>
     <p:spTree>
@@ -5354,607 +5795,6 @@
           <a:chExt cx="0" cy="0"/>
         </a:xfrm>
       </p:grpSpPr>
-      <p:grpSp>
-        <p:nvGrpSpPr>
-          <p:cNvPr id="17" name="Group 16"/>
-          <p:cNvGrpSpPr/>
-          <p:nvPr/>
-        </p:nvGrpSpPr>
-        <p:grpSpPr>
-          <a:xfrm>
-            <a:off x="-8467" y="-8468"/>
-            <a:ext cx="9169805" cy="6874935"/>
-            <a:chOff x="-8467" y="-8468"/>
-            <a:chExt cx="9169805" cy="6874935"/>
-          </a:xfrm>
-        </p:grpSpPr>
-        <p:sp>
-          <p:nvSpPr>
-            <p:cNvPr id="7" name="Freeform 6"/>
-            <p:cNvSpPr/>
-            <p:nvPr/>
-          </p:nvSpPr>
-          <p:spPr>
-            <a:xfrm>
-              <a:off x="-8467" y="4013200"/>
-              <a:ext cx="457200" cy="2853267"/>
-            </a:xfrm>
-            <a:custGeom>
-              <a:avLst/>
-              <a:gdLst/>
-              <a:ahLst/>
-              <a:cxnLst/>
-              <a:rect l="l" t="t" r="r" b="b"/>
-              <a:pathLst>
-                <a:path w="457200" h="2853267">
-                  <a:moveTo>
-                    <a:pt x="0" y="0"/>
-                  </a:moveTo>
-                  <a:lnTo>
-                    <a:pt x="457200" y="2853267"/>
-                  </a:lnTo>
-                  <a:lnTo>
-                    <a:pt x="0" y="2844800"/>
-                  </a:lnTo>
-                  <a:cubicBezTo>
-                    <a:pt x="2822" y="1905000"/>
-                    <a:pt x="5645" y="965200"/>
-                    <a:pt x="0" y="0"/>
-                  </a:cubicBezTo>
-                  <a:close/>
-                </a:path>
-              </a:pathLst>
-            </a:custGeom>
-            <a:solidFill>
-              <a:schemeClr val="accent1">
-                <a:alpha val="85000"/>
-              </a:schemeClr>
-            </a:solidFill>
-            <a:ln>
-              <a:noFill/>
-            </a:ln>
-            <a:effectLst/>
-          </p:spPr>
-          <p:style>
-            <a:lnRef idx="1">
-              <a:schemeClr val="accent1"/>
-            </a:lnRef>
-            <a:fillRef idx="3">
-              <a:schemeClr val="accent1"/>
-            </a:fillRef>
-            <a:effectRef idx="2">
-              <a:schemeClr val="accent1"/>
-            </a:effectRef>
-            <a:fontRef idx="minor">
-              <a:schemeClr val="lt1"/>
-            </a:fontRef>
-          </p:style>
-        </p:sp>
-        <p:cxnSp>
-          <p:nvCxnSpPr>
-            <p:cNvPr id="8" name="Straight Connector 7"/>
-            <p:cNvCxnSpPr/>
-            <p:nvPr/>
-          </p:nvCxnSpPr>
-          <p:spPr>
-            <a:xfrm flipV="1">
-              <a:off x="5130830" y="4175605"/>
-              <a:ext cx="4022475" cy="2682396"/>
-            </a:xfrm>
-            <a:prstGeom prst="line">
-              <a:avLst/>
-            </a:prstGeom>
-            <a:ln w="9525">
-              <a:solidFill>
-                <a:schemeClr val="bg1">
-                  <a:lumMod val="85000"/>
-                </a:schemeClr>
-              </a:solidFill>
-            </a:ln>
-          </p:spPr>
-          <p:style>
-            <a:lnRef idx="2">
-              <a:schemeClr val="accent1"/>
-            </a:lnRef>
-            <a:fillRef idx="0">
-              <a:schemeClr val="accent1"/>
-            </a:fillRef>
-            <a:effectRef idx="1">
-              <a:schemeClr val="accent1"/>
-            </a:effectRef>
-            <a:fontRef idx="minor">
-              <a:schemeClr val="tx1"/>
-            </a:fontRef>
-          </p:style>
-        </p:cxnSp>
-        <p:cxnSp>
-          <p:nvCxnSpPr>
-            <p:cNvPr id="9" name="Straight Connector 8"/>
-            <p:cNvCxnSpPr/>
-            <p:nvPr/>
-          </p:nvCxnSpPr>
-          <p:spPr>
-            <a:xfrm>
-              <a:off x="7042707" y="0"/>
-              <a:ext cx="1219200" cy="6858000"/>
-            </a:xfrm>
-            <a:prstGeom prst="line">
-              <a:avLst/>
-            </a:prstGeom>
-            <a:ln w="9525">
-              <a:solidFill>
-                <a:schemeClr val="bg1">
-                  <a:lumMod val="75000"/>
-                </a:schemeClr>
-              </a:solidFill>
-            </a:ln>
-          </p:spPr>
-          <p:style>
-            <a:lnRef idx="2">
-              <a:schemeClr val="accent1"/>
-            </a:lnRef>
-            <a:fillRef idx="0">
-              <a:schemeClr val="accent1"/>
-            </a:fillRef>
-            <a:effectRef idx="1">
-              <a:schemeClr val="accent1"/>
-            </a:effectRef>
-            <a:fontRef idx="minor">
-              <a:schemeClr val="tx1"/>
-            </a:fontRef>
-          </p:style>
-        </p:cxnSp>
-        <p:sp>
-          <p:nvSpPr>
-            <p:cNvPr id="10" name="Freeform 9"/>
-            <p:cNvSpPr/>
-            <p:nvPr/>
-          </p:nvSpPr>
-          <p:spPr>
-            <a:xfrm>
-              <a:off x="6891896" y="1"/>
-              <a:ext cx="2269442" cy="6866466"/>
-            </a:xfrm>
-            <a:custGeom>
-              <a:avLst/>
-              <a:gdLst/>
-              <a:ahLst/>
-              <a:cxnLst/>
-              <a:rect l="l" t="t" r="r" b="b"/>
-              <a:pathLst>
-                <a:path w="2269442" h="6866466">
-                  <a:moveTo>
-                    <a:pt x="2023534" y="0"/>
-                  </a:moveTo>
-                  <a:lnTo>
-                    <a:pt x="0" y="6858000"/>
-                  </a:lnTo>
-                  <a:lnTo>
-                    <a:pt x="2269067" y="6866466"/>
-                  </a:lnTo>
-                  <a:cubicBezTo>
-                    <a:pt x="2271889" y="4580466"/>
-                    <a:pt x="2257778" y="2294466"/>
-                    <a:pt x="2260600" y="8466"/>
-                  </a:cubicBezTo>
-                  <a:lnTo>
-                    <a:pt x="2023534" y="0"/>
-                  </a:lnTo>
-                  <a:close/>
-                </a:path>
-              </a:pathLst>
-            </a:custGeom>
-            <a:solidFill>
-              <a:schemeClr val="accent1">
-                <a:alpha val="30000"/>
-              </a:schemeClr>
-            </a:solidFill>
-            <a:ln>
-              <a:noFill/>
-            </a:ln>
-            <a:effectLst/>
-          </p:spPr>
-          <p:style>
-            <a:lnRef idx="1">
-              <a:schemeClr val="accent1"/>
-            </a:lnRef>
-            <a:fillRef idx="3">
-              <a:schemeClr val="accent1"/>
-            </a:fillRef>
-            <a:effectRef idx="2">
-              <a:schemeClr val="accent1"/>
-            </a:effectRef>
-            <a:fontRef idx="minor">
-              <a:schemeClr val="lt1"/>
-            </a:fontRef>
-          </p:style>
-        </p:sp>
-        <p:sp>
-          <p:nvSpPr>
-            <p:cNvPr id="11" name="Freeform 10"/>
-            <p:cNvSpPr/>
-            <p:nvPr/>
-          </p:nvSpPr>
-          <p:spPr>
-            <a:xfrm>
-              <a:off x="7205158" y="-8467"/>
-              <a:ext cx="1948147" cy="6866467"/>
-            </a:xfrm>
-            <a:custGeom>
-              <a:avLst/>
-              <a:gdLst/>
-              <a:ahLst/>
-              <a:cxnLst/>
-              <a:rect l="l" t="t" r="r" b="b"/>
-              <a:pathLst>
-                <a:path w="1948147" h="6866467">
-                  <a:moveTo>
-                    <a:pt x="0" y="0"/>
-                  </a:moveTo>
-                  <a:lnTo>
-                    <a:pt x="1202267" y="6866467"/>
-                  </a:lnTo>
-                  <a:lnTo>
-                    <a:pt x="1947333" y="6866467"/>
-                  </a:lnTo>
-                  <a:cubicBezTo>
-                    <a:pt x="1944511" y="4577645"/>
-                    <a:pt x="1950155" y="2288822"/>
-                    <a:pt x="1947333" y="0"/>
-                  </a:cubicBezTo>
-                  <a:lnTo>
-                    <a:pt x="0" y="0"/>
-                  </a:lnTo>
-                  <a:close/>
-                </a:path>
-              </a:pathLst>
-            </a:custGeom>
-            <a:solidFill>
-              <a:schemeClr val="accent1">
-                <a:alpha val="20000"/>
-              </a:schemeClr>
-            </a:solidFill>
-            <a:ln>
-              <a:noFill/>
-            </a:ln>
-            <a:effectLst/>
-          </p:spPr>
-          <p:style>
-            <a:lnRef idx="1">
-              <a:schemeClr val="accent1"/>
-            </a:lnRef>
-            <a:fillRef idx="3">
-              <a:schemeClr val="accent1"/>
-            </a:fillRef>
-            <a:effectRef idx="2">
-              <a:schemeClr val="accent1"/>
-            </a:effectRef>
-            <a:fontRef idx="minor">
-              <a:schemeClr val="lt1"/>
-            </a:fontRef>
-          </p:style>
-        </p:sp>
-        <p:sp>
-          <p:nvSpPr>
-            <p:cNvPr id="12" name="Freeform 11"/>
-            <p:cNvSpPr/>
-            <p:nvPr/>
-          </p:nvSpPr>
-          <p:spPr>
-            <a:xfrm>
-              <a:off x="6637896" y="3920066"/>
-              <a:ext cx="2513565" cy="2937933"/>
-            </a:xfrm>
-            <a:custGeom>
-              <a:avLst/>
-              <a:gdLst/>
-              <a:ahLst/>
-              <a:cxnLst/>
-              <a:rect l="l" t="t" r="r" b="b"/>
-              <a:pathLst>
-                <a:path w="3259667" h="3810000">
-                  <a:moveTo>
-                    <a:pt x="0" y="3810000"/>
-                  </a:moveTo>
-                  <a:lnTo>
-                    <a:pt x="3251200" y="0"/>
-                  </a:lnTo>
-                  <a:cubicBezTo>
-                    <a:pt x="3254022" y="1270000"/>
-                    <a:pt x="3256845" y="2540000"/>
-                    <a:pt x="3259667" y="3810000"/>
-                  </a:cubicBezTo>
-                  <a:lnTo>
-                    <a:pt x="0" y="3810000"/>
-                  </a:lnTo>
-                  <a:close/>
-                </a:path>
-              </a:pathLst>
-            </a:custGeom>
-            <a:solidFill>
-              <a:schemeClr val="accent2">
-                <a:alpha val="72000"/>
-              </a:schemeClr>
-            </a:solidFill>
-            <a:ln>
-              <a:noFill/>
-            </a:ln>
-            <a:effectLst/>
-          </p:spPr>
-          <p:style>
-            <a:lnRef idx="1">
-              <a:schemeClr val="accent1"/>
-            </a:lnRef>
-            <a:fillRef idx="3">
-              <a:schemeClr val="accent1"/>
-            </a:fillRef>
-            <a:effectRef idx="2">
-              <a:schemeClr val="accent1"/>
-            </a:effectRef>
-            <a:fontRef idx="minor">
-              <a:schemeClr val="lt1"/>
-            </a:fontRef>
-          </p:style>
-        </p:sp>
-        <p:sp>
-          <p:nvSpPr>
-            <p:cNvPr id="13" name="Freeform 12"/>
-            <p:cNvSpPr/>
-            <p:nvPr/>
-          </p:nvSpPr>
-          <p:spPr>
-            <a:xfrm>
-              <a:off x="7010429" y="-8467"/>
-              <a:ext cx="2142876" cy="6866467"/>
-            </a:xfrm>
-            <a:custGeom>
-              <a:avLst/>
-              <a:gdLst/>
-              <a:ahLst/>
-              <a:cxnLst/>
-              <a:rect l="l" t="t" r="r" b="b"/>
-              <a:pathLst>
-                <a:path w="2853267" h="6866467">
-                  <a:moveTo>
-                    <a:pt x="0" y="0"/>
-                  </a:moveTo>
-                  <a:lnTo>
-                    <a:pt x="2472267" y="6866467"/>
-                  </a:lnTo>
-                  <a:lnTo>
-                    <a:pt x="2853267" y="6858000"/>
-                  </a:lnTo>
-                  <a:lnTo>
-                    <a:pt x="2853267" y="0"/>
-                  </a:lnTo>
-                  <a:lnTo>
-                    <a:pt x="0" y="0"/>
-                  </a:lnTo>
-                  <a:close/>
-                </a:path>
-              </a:pathLst>
-            </a:custGeom>
-            <a:solidFill>
-              <a:schemeClr val="accent2">
-                <a:lumMod val="75000"/>
-                <a:alpha val="70000"/>
-              </a:schemeClr>
-            </a:solidFill>
-            <a:ln>
-              <a:noFill/>
-            </a:ln>
-            <a:effectLst/>
-          </p:spPr>
-          <p:style>
-            <a:lnRef idx="1">
-              <a:schemeClr val="accent1"/>
-            </a:lnRef>
-            <a:fillRef idx="3">
-              <a:schemeClr val="accent1"/>
-            </a:fillRef>
-            <a:effectRef idx="2">
-              <a:schemeClr val="accent1"/>
-            </a:effectRef>
-            <a:fontRef idx="minor">
-              <a:schemeClr val="lt1"/>
-            </a:fontRef>
-          </p:style>
-        </p:sp>
-        <p:sp>
-          <p:nvSpPr>
-            <p:cNvPr id="14" name="Freeform 13"/>
-            <p:cNvSpPr/>
-            <p:nvPr/>
-          </p:nvSpPr>
-          <p:spPr>
-            <a:xfrm>
-              <a:off x="8295776" y="-8467"/>
-              <a:ext cx="857530" cy="6866467"/>
-            </a:xfrm>
-            <a:custGeom>
-              <a:avLst/>
-              <a:gdLst/>
-              <a:ahLst/>
-              <a:cxnLst/>
-              <a:rect l="l" t="t" r="r" b="b"/>
-              <a:pathLst>
-                <a:path w="1286933" h="6866467">
-                  <a:moveTo>
-                    <a:pt x="1016000" y="0"/>
-                  </a:moveTo>
-                  <a:lnTo>
-                    <a:pt x="0" y="6866467"/>
-                  </a:lnTo>
-                  <a:lnTo>
-                    <a:pt x="1286933" y="6866467"/>
-                  </a:lnTo>
-                  <a:cubicBezTo>
-                    <a:pt x="1284111" y="4577645"/>
-                    <a:pt x="1281288" y="2288822"/>
-                    <a:pt x="1278466" y="0"/>
-                  </a:cubicBezTo>
-                  <a:lnTo>
-                    <a:pt x="1016000" y="0"/>
-                  </a:lnTo>
-                  <a:close/>
-                </a:path>
-              </a:pathLst>
-            </a:custGeom>
-            <a:solidFill>
-              <a:schemeClr val="accent1">
-                <a:lumMod val="60000"/>
-                <a:lumOff val="40000"/>
-                <a:alpha val="70000"/>
-              </a:schemeClr>
-            </a:solidFill>
-            <a:ln>
-              <a:noFill/>
-            </a:ln>
-            <a:effectLst/>
-          </p:spPr>
-          <p:style>
-            <a:lnRef idx="1">
-              <a:schemeClr val="accent1"/>
-            </a:lnRef>
-            <a:fillRef idx="3">
-              <a:schemeClr val="accent1"/>
-            </a:fillRef>
-            <a:effectRef idx="2">
-              <a:schemeClr val="accent1"/>
-            </a:effectRef>
-            <a:fontRef idx="minor">
-              <a:schemeClr val="lt1"/>
-            </a:fontRef>
-          </p:style>
-        </p:sp>
-        <p:sp>
-          <p:nvSpPr>
-            <p:cNvPr id="15" name="Freeform 14"/>
-            <p:cNvSpPr/>
-            <p:nvPr/>
-          </p:nvSpPr>
-          <p:spPr>
-            <a:xfrm>
-              <a:off x="8077231" y="-8468"/>
-              <a:ext cx="1066770" cy="6866467"/>
-            </a:xfrm>
-            <a:custGeom>
-              <a:avLst/>
-              <a:gdLst/>
-              <a:ahLst/>
-              <a:cxnLst/>
-              <a:rect l="l" t="t" r="r" b="b"/>
-              <a:pathLst>
-                <a:path w="1270244" h="6866467">
-                  <a:moveTo>
-                    <a:pt x="0" y="0"/>
-                  </a:moveTo>
-                  <a:lnTo>
-                    <a:pt x="1117600" y="6866467"/>
-                  </a:lnTo>
-                  <a:lnTo>
-                    <a:pt x="1270000" y="6866467"/>
-                  </a:lnTo>
-                  <a:cubicBezTo>
-                    <a:pt x="1272822" y="4574822"/>
-                    <a:pt x="1250245" y="2291645"/>
-                    <a:pt x="1253067" y="0"/>
-                  </a:cubicBezTo>
-                  <a:lnTo>
-                    <a:pt x="0" y="0"/>
-                  </a:lnTo>
-                  <a:close/>
-                </a:path>
-              </a:pathLst>
-            </a:custGeom>
-            <a:solidFill>
-              <a:schemeClr val="accent1">
-                <a:alpha val="65000"/>
-              </a:schemeClr>
-            </a:solidFill>
-            <a:ln>
-              <a:noFill/>
-            </a:ln>
-            <a:effectLst/>
-          </p:spPr>
-          <p:style>
-            <a:lnRef idx="1">
-              <a:schemeClr val="accent1"/>
-            </a:lnRef>
-            <a:fillRef idx="3">
-              <a:schemeClr val="accent1"/>
-            </a:fillRef>
-            <a:effectRef idx="2">
-              <a:schemeClr val="accent1"/>
-            </a:effectRef>
-            <a:fontRef idx="minor">
-              <a:schemeClr val="lt1"/>
-            </a:fontRef>
-          </p:style>
-        </p:sp>
-        <p:sp>
-          <p:nvSpPr>
-            <p:cNvPr id="16" name="Freeform 15"/>
-            <p:cNvSpPr/>
-            <p:nvPr/>
-          </p:nvSpPr>
-          <p:spPr>
-            <a:xfrm>
-              <a:off x="8060297" y="4893733"/>
-              <a:ext cx="1094086" cy="1964267"/>
-            </a:xfrm>
-            <a:custGeom>
-              <a:avLst/>
-              <a:gdLst/>
-              <a:ahLst/>
-              <a:cxnLst/>
-              <a:rect l="l" t="t" r="r" b="b"/>
-              <a:pathLst>
-                <a:path w="1820333" h="3268133">
-                  <a:moveTo>
-                    <a:pt x="0" y="3268133"/>
-                  </a:moveTo>
-                  <a:lnTo>
-                    <a:pt x="1811866" y="0"/>
-                  </a:lnTo>
-                  <a:cubicBezTo>
-                    <a:pt x="1814688" y="1086555"/>
-                    <a:pt x="1817511" y="2173111"/>
-                    <a:pt x="1820333" y="3259666"/>
-                  </a:cubicBezTo>
-                  <a:lnTo>
-                    <a:pt x="0" y="3268133"/>
-                  </a:lnTo>
-                  <a:close/>
-                </a:path>
-              </a:pathLst>
-            </a:custGeom>
-            <a:solidFill>
-              <a:schemeClr val="accent1">
-                <a:alpha val="80000"/>
-              </a:schemeClr>
-            </a:solidFill>
-            <a:ln>
-              <a:noFill/>
-            </a:ln>
-            <a:effectLst/>
-          </p:spPr>
-          <p:style>
-            <a:lnRef idx="1">
-              <a:schemeClr val="accent1"/>
-            </a:lnRef>
-            <a:fillRef idx="3">
-              <a:schemeClr val="accent1"/>
-            </a:fillRef>
-            <a:effectRef idx="2">
-              <a:schemeClr val="accent1"/>
-            </a:effectRef>
-            <a:fontRef idx="minor">
-              <a:schemeClr val="lt1"/>
-            </a:fontRef>
-          </p:style>
-        </p:sp>
-      </p:grpSp>
       <p:sp>
         <p:nvSpPr>
           <p:cNvPr id="2" name="Title Placeholder 1"/>
@@ -5967,12 +5807,59 @@
         </p:nvSpPr>
         <p:spPr>
           <a:xfrm>
-            <a:off x="609599" y="609600"/>
-            <a:ext cx="6347713" cy="1320800"/>
+            <a:off x="685346" y="609600"/>
+            <a:ext cx="7765322" cy="970450"/>
           </a:xfrm>
           <a:prstGeom prst="rect">
             <a:avLst/>
           </a:prstGeom>
+          <a:effectLst>
+            <a:outerShdw blurRad="25400" dir="17880000">
+              <a:srgbClr val="000000">
+                <a:alpha val="46000"/>
+              </a:srgbClr>
+            </a:outerShdw>
+          </a:effectLst>
+        </p:spPr>
+        <p:txBody>
+          <a:bodyPr vert="horz" lIns="91440" tIns="45720" rIns="91440" bIns="45720" rtlCol="0" anchor="ctr">
+            <a:normAutofit/>
+          </a:bodyPr>
+          <a:lstStyle/>
+          <a:p>
+            <a:r>
+              <a:rPr lang="en-US" smtClean="0"/>
+              <a:t>Click to edit Master title style</a:t>
+            </a:r>
+            <a:endParaRPr lang="en-US" dirty="0"/>
+          </a:p>
+        </p:txBody>
+      </p:sp>
+      <p:sp>
+        <p:nvSpPr>
+          <p:cNvPr id="3" name="Text Placeholder 2"/>
+          <p:cNvSpPr>
+            <a:spLocks noGrp="1"/>
+          </p:cNvSpPr>
+          <p:nvPr>
+            <p:ph type="body" idx="1"/>
+          </p:nvPr>
+        </p:nvSpPr>
+        <p:spPr>
+          <a:xfrm>
+            <a:off x="685346" y="1732450"/>
+            <a:ext cx="7765322" cy="4058751"/>
+          </a:xfrm>
+          <a:prstGeom prst="rect">
+            <a:avLst/>
+          </a:prstGeom>
+          <a:effectLst>
+            <a:outerShdw blurRad="25400" dir="17880000">
+              <a:srgbClr val="000000">
+                <a:alpha val="46000"/>
+              </a:srgbClr>
+            </a:outerShdw>
+          </a:effectLst>
         </p:spPr>
         <p:txBody>
           <a:bodyPr vert="horz" lIns="91440" tIns="45720" rIns="91440" bIns="45720" rtlCol="0" anchor="t">
@@ -5980,9 +5867,38 @@
           </a:bodyPr>
           <a:lstStyle/>
           <a:p>
+            <a:pPr lvl="0"/>
             <a:r>
               <a:rPr lang="en-US" smtClean="0"/>
-              <a:t>Click to edit Master title style</a:t>
+              <a:t>Click to edit Master text styles</a:t>
+            </a:r>
+          </a:p>
+          <a:p>
+            <a:pPr lvl="1"/>
+            <a:r>
+              <a:rPr lang="en-US" smtClean="0"/>
+              <a:t>Second level</a:t>
+            </a:r>
+          </a:p>
+          <a:p>
+            <a:pPr lvl="2"/>
+            <a:r>
+              <a:rPr lang="en-US" smtClean="0"/>
+              <a:t>Third level</a:t>
+            </a:r>
+          </a:p>
+          <a:p>
+            <a:pPr lvl="3"/>
+            <a:r>
+              <a:rPr lang="en-US" smtClean="0"/>
+              <a:t>Fourth level</a:t>
+            </a:r>
+          </a:p>
+          <a:p>
+            <a:pPr lvl="4"/>
+            <a:r>
+              <a:rPr lang="en-US" smtClean="0"/>
+              <a:t>Fifth level</a:t>
             </a:r>
             <a:endParaRPr lang="en-US" dirty="0"/>
           </a:p>
@@ -5990,80 +5906,66 @@
       </p:sp>
       <p:sp>
         <p:nvSpPr>
-          <p:cNvPr id="3" name="Text Placeholder 2"/>
-          <p:cNvSpPr>
-            <a:spLocks noGrp="1"/>
-          </p:cNvSpPr>
-          <p:nvPr>
-            <p:ph type="body" idx="1"/>
+          <p:cNvPr id="4" name="Date Placeholder 3"/>
+          <p:cNvSpPr>
+            <a:spLocks noGrp="1"/>
+          </p:cNvSpPr>
+          <p:nvPr>
+            <p:ph type="dt" sz="half" idx="2"/>
           </p:nvPr>
         </p:nvSpPr>
         <p:spPr>
           <a:xfrm>
-            <a:off x="609599" y="2160590"/>
-            <a:ext cx="6347714" cy="3880773"/>
+            <a:off x="5759052" y="5883276"/>
+            <a:ext cx="2057400" cy="365125"/>
           </a:xfrm>
           <a:prstGeom prst="rect">
             <a:avLst/>
           </a:prstGeom>
         </p:spPr>
         <p:txBody>
-          <a:bodyPr vert="horz" lIns="91440" tIns="45720" rIns="91440" bIns="45720" rtlCol="0">
-            <a:normAutofit/>
-          </a:bodyPr>
-          <a:lstStyle/>
-          <a:p>
-            <a:pPr lvl="0"/>
-            <a:r>
-              <a:rPr lang="en-US" smtClean="0"/>
-              <a:t>Click to edit Master text styles</a:t>
-            </a:r>
-          </a:p>
-          <a:p>
-            <a:pPr lvl="1"/>
-            <a:r>
-              <a:rPr lang="en-US" smtClean="0"/>
-              <a:t>Second level</a:t>
-            </a:r>
-          </a:p>
-          <a:p>
-            <a:pPr lvl="2"/>
-            <a:r>
-              <a:rPr lang="en-US" smtClean="0"/>
-              <a:t>Third level</a:t>
-            </a:r>
-          </a:p>
-          <a:p>
-            <a:pPr lvl="3"/>
-            <a:r>
-              <a:rPr lang="en-US" smtClean="0"/>
-              <a:t>Fourth level</a:t>
-            </a:r>
-          </a:p>
-          <a:p>
-            <a:pPr lvl="4"/>
-            <a:r>
-              <a:rPr lang="en-US" smtClean="0"/>
-              <a:t>Fifth level</a:t>
-            </a:r>
-            <a:endParaRPr lang="en-US" dirty="0"/>
-          </a:p>
-        </p:txBody>
-      </p:sp>
-      <p:sp>
-        <p:nvSpPr>
-          <p:cNvPr id="4" name="Date Placeholder 3"/>
-          <p:cNvSpPr>
-            <a:spLocks noGrp="1"/>
-          </p:cNvSpPr>
-          <p:nvPr>
-            <p:ph type="dt" sz="half" idx="2"/>
+          <a:bodyPr vert="horz" lIns="91440" tIns="45720" rIns="91440" bIns="45720" rtlCol="0" anchor="ctr"/>
+          <a:lstStyle>
+            <a:lvl1pPr algn="r">
+              <a:defRPr sz="1000">
+                <a:solidFill>
+                  <a:schemeClr val="tx1">
+                    <a:lumMod val="95000"/>
+                  </a:schemeClr>
+                </a:solidFill>
+                <a:effectLst>
+                  <a:outerShdw blurRad="50800" dist="38100" dir="2700000" algn="tl" rotWithShape="0">
+                    <a:schemeClr val="bg1">
+                      <a:alpha val="43000"/>
+                    </a:schemeClr>
+                  </a:outerShdw>
+                </a:effectLst>
+              </a:defRPr>
+            </a:lvl1pPr>
+          </a:lstStyle>
+          <a:p>
+            <a:fld id="{89C68843-F252-4FDC-A047-6A4E79A98E00}" type="datetimeFigureOut">
+              <a:rPr lang="en-PH" smtClean="0"/>
+              <a:t>9/2/2015</a:t>
+            </a:fld>
+            <a:endParaRPr lang="en-PH"/>
+          </a:p>
+        </p:txBody>
+      </p:sp>
+      <p:sp>
+        <p:nvSpPr>
+          <p:cNvPr id="5" name="Footer Placeholder 4"/>
+          <p:cNvSpPr>
+            <a:spLocks noGrp="1"/>
+          </p:cNvSpPr>
+          <p:nvPr>
+            <p:ph type="ftr" sz="quarter" idx="3"/>
           </p:nvPr>
         </p:nvSpPr>
         <p:spPr>
           <a:xfrm>
-            <a:off x="5405258" y="6041363"/>
-            <a:ext cx="684132" cy="365125"/>
+            <a:off x="685347" y="5883276"/>
+            <a:ext cx="5004649" cy="365125"/>
           </a:xfrm>
           <a:prstGeom prst="rect">
             <a:avLst/>
@@ -6072,39 +5974,42 @@
         <p:txBody>
           <a:bodyPr vert="horz" lIns="91440" tIns="45720" rIns="91440" bIns="45720" rtlCol="0" anchor="ctr"/>
           <a:lstStyle>
-            <a:lvl1pPr algn="r">
-              <a:defRPr sz="900">
+            <a:lvl1pPr algn="l">
+              <a:defRPr sz="1000">
                 <a:solidFill>
                   <a:schemeClr val="tx1">
-                    <a:tint val="75000"/>
+                    <a:lumMod val="95000"/>
                   </a:schemeClr>
                 </a:solidFill>
+                <a:effectLst>
+                  <a:outerShdw blurRad="50800" dist="38100" dir="2700000" algn="tl" rotWithShape="0">
+                    <a:schemeClr val="bg1">
+                      <a:alpha val="43000"/>
+                    </a:schemeClr>
+                  </a:outerShdw>
+                </a:effectLst>
               </a:defRPr>
             </a:lvl1pPr>
           </a:lstStyle>
           <a:p>
-            <a:fld id="{89C68843-F252-4FDC-A047-6A4E79A98E00}" type="datetimeFigureOut">
-              <a:rPr lang="en-PH" smtClean="0"/>
-              <a:t>9/1/2015</a:t>
-            </a:fld>
             <a:endParaRPr lang="en-PH"/>
           </a:p>
         </p:txBody>
       </p:sp>
       <p:sp>
         <p:nvSpPr>
-          <p:cNvPr id="5" name="Footer Placeholder 4"/>
-          <p:cNvSpPr>
-            <a:spLocks noGrp="1"/>
-          </p:cNvSpPr>
-          <p:nvPr>
-            <p:ph type="ftr" sz="quarter" idx="3"/>
+          <p:cNvPr id="6" name="Slide Number Placeholder 5"/>
+          <p:cNvSpPr>
+            <a:spLocks noGrp="1"/>
+          </p:cNvSpPr>
+          <p:nvPr>
+            <p:ph type="sldNum" sz="quarter" idx="4"/>
           </p:nvPr>
         </p:nvSpPr>
         <p:spPr>
           <a:xfrm>
-            <a:off x="609599" y="6041363"/>
-            <a:ext cx="4622973" cy="365125"/>
+            <a:off x="7885509" y="5883276"/>
+            <a:ext cx="565159" cy="365125"/>
           </a:xfrm>
           <a:prstGeom prst="rect">
             <a:avLst/>
@@ -6113,48 +6018,20 @@
         <p:txBody>
           <a:bodyPr vert="horz" lIns="91440" tIns="45720" rIns="91440" bIns="45720" rtlCol="0" anchor="ctr"/>
           <a:lstStyle>
-            <a:lvl1pPr algn="l">
-              <a:defRPr sz="900">
+            <a:lvl1pPr algn="r">
+              <a:defRPr sz="1000">
                 <a:solidFill>
                   <a:schemeClr val="tx1">
-                    <a:tint val="75000"/>
+                    <a:lumMod val="95000"/>
                   </a:schemeClr>
                 </a:solidFill>
-              </a:defRPr>
-            </a:lvl1pPr>
-          </a:lstStyle>
-          <a:p>
-            <a:endParaRPr lang="en-PH"/>
-          </a:p>
-        </p:txBody>
-      </p:sp>
-      <p:sp>
-        <p:nvSpPr>
-          <p:cNvPr id="6" name="Slide Number Placeholder 5"/>
-          <p:cNvSpPr>
-            <a:spLocks noGrp="1"/>
-          </p:cNvSpPr>
-          <p:nvPr>
-            <p:ph type="sldNum" sz="quarter" idx="4"/>
-          </p:nvPr>
-        </p:nvSpPr>
-        <p:spPr>
-          <a:xfrm>
-            <a:off x="6444676" y="6041363"/>
-            <a:ext cx="512638" cy="365125"/>
-          </a:xfrm>
-          <a:prstGeom prst="rect">
-            <a:avLst/>
-          </a:prstGeom>
-        </p:spPr>
-        <p:txBody>
-          <a:bodyPr vert="horz" lIns="91440" tIns="45720" rIns="91440" bIns="45720" rtlCol="0" anchor="ctr"/>
-          <a:lstStyle>
-            <a:lvl1pPr algn="r">
-              <a:defRPr sz="900">
-                <a:solidFill>
-                  <a:schemeClr val="accent1"/>
-                </a:solidFill>
+                <a:effectLst>
+                  <a:outerShdw blurRad="50800" dist="38100" dir="2700000" algn="tl" rotWithShape="0">
+                    <a:schemeClr val="bg1">
+                      <a:alpha val="43000"/>
+                    </a:schemeClr>
+                  </a:outerShdw>
+                </a:effectLst>
               </a:defRPr>
             </a:lvl1pPr>
           </a:lstStyle>
@@ -6170,28 +6047,29 @@
     </p:spTree>
     <p:extLst>
       <p:ext uri="{BB962C8B-B14F-4D97-AF65-F5344CB8AC3E}">
-        <p14:creationId xmlns:p14="http://schemas.microsoft.com/office/powerpoint/2010/main" val="2065427613"/>
+        <p14:creationId xmlns:p14="http://schemas.microsoft.com/office/powerpoint/2010/main" val="478209066"/>
       </p:ext>
     </p:extLst>
   </p:cSld>
-  <p:clrMap bg1="lt1" tx1="dk1" bg2="lt2" tx2="dk2" accent1="accent1" accent2="accent2" accent3="accent3" accent4="accent4" accent5="accent5" accent6="accent6" hlink="hlink" folHlink="folHlink"/>
+  <p:clrMap bg1="dk1" tx1="lt1" bg2="dk2" tx2="lt2" accent1="accent1" accent2="accent2" accent3="accent3" accent4="accent4" accent5="accent5" accent6="accent6" hlink="hlink" folHlink="folHlink"/>
   <p:sldLayoutIdLst>
-    <p:sldLayoutId id="2147483841" r:id="rId1"/>
-    <p:sldLayoutId id="2147483842" r:id="rId2"/>
-    <p:sldLayoutId id="2147483843" r:id="rId3"/>
-    <p:sldLayoutId id="2147483844" r:id="rId4"/>
-    <p:sldLayoutId id="2147483845" r:id="rId5"/>
-    <p:sldLayoutId id="2147483846" r:id="rId6"/>
-    <p:sldLayoutId id="2147483847" r:id="rId7"/>
-    <p:sldLayoutId id="2147483848" r:id="rId8"/>
-    <p:sldLayoutId id="2147483849" r:id="rId9"/>
-    <p:sldLayoutId id="2147483850" r:id="rId10"/>
-    <p:sldLayoutId id="2147483851" r:id="rId11"/>
-    <p:sldLayoutId id="2147483852" r:id="rId12"/>
-    <p:sldLayoutId id="2147483853" r:id="rId13"/>
-    <p:sldLayoutId id="2147483854" r:id="rId14"/>
-    <p:sldLayoutId id="2147483855" r:id="rId15"/>
-    <p:sldLayoutId id="2147483856" r:id="rId16"/>
+    <p:sldLayoutId id="2147483858" r:id="rId1"/>
+    <p:sldLayoutId id="2147483859" r:id="rId2"/>
+    <p:sldLayoutId id="2147483860" r:id="rId3"/>
+    <p:sldLayoutId id="2147483861" r:id="rId4"/>
+    <p:sldLayoutId id="2147483862" r:id="rId5"/>
+    <p:sldLayoutId id="2147483863" r:id="rId6"/>
+    <p:sldLayoutId id="2147483864" r:id="rId7"/>
+    <p:sldLayoutId id="2147483865" r:id="rId8"/>
+    <p:sldLayoutId id="2147483866" r:id="rId9"/>
+    <p:sldLayoutId id="2147483867" r:id="rId10"/>
+    <p:sldLayoutId id="2147483868" r:id="rId11"/>
+    <p:sldLayoutId id="2147483869" r:id="rId12"/>
+    <p:sldLayoutId id="2147483870" r:id="rId13"/>
+    <p:sldLayoutId id="2147483871" r:id="rId14"/>
+    <p:sldLayoutId id="2147483872" r:id="rId15"/>
+    <p:sldLayoutId id="2147483873" r:id="rId16"/>
+    <p:sldLayoutId id="2147483874" r:id="rId17"/>
   </p:sldLayoutIdLst>
   <p:transition spd="slow">
     <p:push dir="u"/>
@@ -6205,18 +6083,34 @@
   </p:timing>
   <p:txStyles>
     <p:titleStyle>
-      <a:lvl1pPr algn="l" defTabSz="457200" rtl="0" eaLnBrk="1" latinLnBrk="0" hangingPunct="1">
+      <a:lvl1pPr algn="ctr" defTabSz="457200" rtl="0" eaLnBrk="1" latinLnBrk="0" hangingPunct="1">
         <a:spcBef>
           <a:spcPct val="0"/>
         </a:spcBef>
         <a:buNone/>
-        <a:defRPr sz="3600" kern="1200">
+        <a:defRPr sz="4000" kern="1200">
+          <a:ln>
+            <a:solidFill>
+              <a:schemeClr val="bg1">
+                <a:lumMod val="75000"/>
+                <a:lumOff val="25000"/>
+                <a:alpha val="10000"/>
+              </a:schemeClr>
+            </a:solidFill>
+          </a:ln>
           <a:solidFill>
-            <a:schemeClr val="accent1"/>
+            <a:schemeClr val="tx2"/>
           </a:solidFill>
+          <a:effectLst>
+            <a:outerShdw blurRad="9525" dist="25400" dir="14640000" algn="tl" rotWithShape="0">
+              <a:schemeClr val="bg1">
+                <a:alpha val="30000"/>
+              </a:schemeClr>
+            </a:outerShdw>
+          </a:effectLst>
           <a:latin typeface="+mj-lt"/>
           <a:ea typeface="+mj-ea"/>
-          <a:cs typeface="+mj-cs"/>
+          <a:cs typeface="Trebuchet MS"/>
         </a:defRPr>
       </a:lvl1pPr>
       <a:lvl2pPr eaLnBrk="1" hangingPunct="1">
@@ -6277,226 +6171,343 @@
       </a:lvl9pPr>
     </p:titleStyle>
     <p:bodyStyle>
-      <a:lvl1pPr marL="342900" indent="-342900" algn="l" defTabSz="457200" rtl="0" eaLnBrk="1" latinLnBrk="0" hangingPunct="1">
+      <a:lvl1pPr marL="342900" indent="-306000" algn="l" defTabSz="457200" rtl="0" eaLnBrk="1" latinLnBrk="0" hangingPunct="1">
         <a:spcBef>
-          <a:spcPts val="1000"/>
+          <a:spcPct val="20000"/>
         </a:spcBef>
         <a:spcAft>
-          <a:spcPts val="0"/>
+          <a:spcPts val="600"/>
         </a:spcAft>
         <a:buClr>
-          <a:schemeClr val="accent1"/>
+          <a:schemeClr val="tx2"/>
         </a:buClr>
-        <a:buSzPct val="80000"/>
-        <a:buFont typeface="Wingdings 3" charset="2"/>
-        <a:buChar char=""/>
-        <a:defRPr sz="1800" kern="1200">
+        <a:buSzPct val="70000"/>
+        <a:buFont typeface="Wingdings 2" charset="2"/>
+        <a:buChar char=""/>
+        <a:defRPr sz="2000" kern="1200">
+          <a:ln>
+            <a:solidFill>
+              <a:schemeClr val="bg1">
+                <a:lumMod val="75000"/>
+                <a:lumOff val="25000"/>
+                <a:alpha val="10000"/>
+              </a:schemeClr>
+            </a:solidFill>
+          </a:ln>
           <a:solidFill>
-            <a:schemeClr val="tx1">
-              <a:lumMod val="75000"/>
-              <a:lumOff val="25000"/>
-            </a:schemeClr>
+            <a:schemeClr val="tx2"/>
           </a:solidFill>
+          <a:effectLst>
+            <a:outerShdw blurRad="9525" dist="25400" dir="14640000" algn="tl" rotWithShape="0">
+              <a:schemeClr val="bg1">
+                <a:alpha val="30000"/>
+              </a:schemeClr>
+            </a:outerShdw>
+          </a:effectLst>
           <a:latin typeface="+mn-lt"/>
           <a:ea typeface="+mn-ea"/>
           <a:cs typeface="+mn-cs"/>
         </a:defRPr>
       </a:lvl1pPr>
-      <a:lvl2pPr marL="742950" indent="-285750" algn="l" defTabSz="457200" rtl="0" eaLnBrk="1" latinLnBrk="0" hangingPunct="1">
+      <a:lvl2pPr marL="720000" indent="-270000" algn="l" defTabSz="457200" rtl="0" eaLnBrk="1" latinLnBrk="0" hangingPunct="1">
         <a:spcBef>
-          <a:spcPts val="1000"/>
+          <a:spcPct val="20000"/>
         </a:spcBef>
         <a:spcAft>
-          <a:spcPts val="0"/>
+          <a:spcPts val="600"/>
         </a:spcAft>
         <a:buClr>
-          <a:schemeClr val="accent1"/>
+          <a:schemeClr val="tx2"/>
         </a:buClr>
-        <a:buSzPct val="80000"/>
-        <a:buFont typeface="Wingdings 3" charset="2"/>
-        <a:buChar char=""/>
-        <a:defRPr sz="1600" kern="1200">
+        <a:buSzPct val="70000"/>
+        <a:buFont typeface="Wingdings 2" charset="2"/>
+        <a:buChar char=""/>
+        <a:defRPr sz="1800" kern="1200">
+          <a:ln>
+            <a:solidFill>
+              <a:schemeClr val="bg1">
+                <a:lumMod val="75000"/>
+                <a:lumOff val="25000"/>
+                <a:alpha val="10000"/>
+              </a:schemeClr>
+            </a:solidFill>
+          </a:ln>
           <a:solidFill>
-            <a:schemeClr val="tx1">
-              <a:lumMod val="75000"/>
-              <a:lumOff val="25000"/>
-            </a:schemeClr>
+            <a:schemeClr val="tx2"/>
           </a:solidFill>
+          <a:effectLst>
+            <a:outerShdw blurRad="9525" dist="25400" dir="14640000" algn="tl" rotWithShape="0">
+              <a:schemeClr val="bg1">
+                <a:alpha val="30000"/>
+              </a:schemeClr>
+            </a:outerShdw>
+          </a:effectLst>
           <a:latin typeface="+mn-lt"/>
           <a:ea typeface="+mn-ea"/>
           <a:cs typeface="+mn-cs"/>
         </a:defRPr>
       </a:lvl2pPr>
-      <a:lvl3pPr marL="1143000" indent="-228600" algn="l" defTabSz="457200" rtl="0" eaLnBrk="1" latinLnBrk="0" hangingPunct="1">
+      <a:lvl3pPr marL="1026000" indent="-216000" algn="l" defTabSz="457200" rtl="0" eaLnBrk="1" latinLnBrk="0" hangingPunct="1">
         <a:spcBef>
-          <a:spcPts val="1000"/>
+          <a:spcPct val="20000"/>
         </a:spcBef>
         <a:spcAft>
-          <a:spcPts val="0"/>
+          <a:spcPts val="600"/>
         </a:spcAft>
         <a:buClr>
-          <a:schemeClr val="accent1"/>
+          <a:schemeClr val="tx2"/>
         </a:buClr>
-        <a:buSzPct val="80000"/>
-        <a:buFont typeface="Wingdings 3" charset="2"/>
-        <a:buChar char=""/>
-        <a:defRPr sz="1400" kern="1200">
+        <a:buSzPct val="70000"/>
+        <a:buFont typeface="Wingdings 2" charset="2"/>
+        <a:buChar char=""/>
+        <a:defRPr sz="1600" kern="1200">
+          <a:ln>
+            <a:solidFill>
+              <a:schemeClr val="bg1">
+                <a:lumMod val="75000"/>
+                <a:lumOff val="25000"/>
+                <a:alpha val="10000"/>
+              </a:schemeClr>
+            </a:solidFill>
+          </a:ln>
           <a:solidFill>
-            <a:schemeClr val="tx1">
-              <a:lumMod val="75000"/>
-              <a:lumOff val="25000"/>
-            </a:schemeClr>
+            <a:schemeClr val="tx2"/>
           </a:solidFill>
+          <a:effectLst>
+            <a:outerShdw blurRad="9525" dist="25400" dir="14640000" algn="tl" rotWithShape="0">
+              <a:schemeClr val="bg1">
+                <a:alpha val="30000"/>
+              </a:schemeClr>
+            </a:outerShdw>
+          </a:effectLst>
           <a:latin typeface="+mn-lt"/>
           <a:ea typeface="+mn-ea"/>
           <a:cs typeface="+mn-cs"/>
         </a:defRPr>
       </a:lvl3pPr>
-      <a:lvl4pPr marL="1600200" indent="-228600" algn="l" defTabSz="457200" rtl="0" eaLnBrk="1" latinLnBrk="0" hangingPunct="1">
+      <a:lvl4pPr marL="1386000" indent="-216000" algn="l" defTabSz="457200" rtl="0" eaLnBrk="1" latinLnBrk="0" hangingPunct="1">
         <a:spcBef>
-          <a:spcPts val="1000"/>
+          <a:spcPct val="20000"/>
         </a:spcBef>
         <a:spcAft>
-          <a:spcPts val="0"/>
+          <a:spcPts val="600"/>
         </a:spcAft>
         <a:buClr>
-          <a:schemeClr val="accent1"/>
+          <a:schemeClr val="tx2"/>
         </a:buClr>
-        <a:buSzPct val="80000"/>
-        <a:buFont typeface="Wingdings 3" charset="2"/>
-        <a:buChar char=""/>
-        <a:defRPr sz="1200" kern="1200">
+        <a:buSzPct val="70000"/>
+        <a:buFont typeface="Wingdings 2" charset="2"/>
+        <a:buChar char=""/>
+        <a:defRPr sz="1400" kern="1200">
+          <a:ln>
+            <a:solidFill>
+              <a:schemeClr val="bg1">
+                <a:lumMod val="75000"/>
+                <a:lumOff val="25000"/>
+                <a:alpha val="10000"/>
+              </a:schemeClr>
+            </a:solidFill>
+          </a:ln>
           <a:solidFill>
-            <a:schemeClr val="tx1">
-              <a:lumMod val="75000"/>
-              <a:lumOff val="25000"/>
-            </a:schemeClr>
+            <a:schemeClr val="tx2"/>
           </a:solidFill>
+          <a:effectLst>
+            <a:outerShdw blurRad="9525" dist="25400" dir="14640000" algn="tl" rotWithShape="0">
+              <a:schemeClr val="bg1">
+                <a:alpha val="30000"/>
+              </a:schemeClr>
+            </a:outerShdw>
+          </a:effectLst>
           <a:latin typeface="+mn-lt"/>
           <a:ea typeface="+mn-ea"/>
           <a:cs typeface="+mn-cs"/>
         </a:defRPr>
       </a:lvl4pPr>
-      <a:lvl5pPr marL="2057400" indent="-228600" algn="l" defTabSz="457200" rtl="0" eaLnBrk="1" latinLnBrk="0" hangingPunct="1">
+      <a:lvl5pPr marL="1674000" indent="-216000" algn="l" defTabSz="457200" rtl="0" eaLnBrk="1" latinLnBrk="0" hangingPunct="1">
         <a:spcBef>
-          <a:spcPts val="1000"/>
+          <a:spcPct val="20000"/>
         </a:spcBef>
         <a:spcAft>
-          <a:spcPts val="0"/>
+          <a:spcPts val="600"/>
         </a:spcAft>
         <a:buClr>
-          <a:schemeClr val="accent1"/>
+          <a:schemeClr val="tx2"/>
         </a:buClr>
-        <a:buSzPct val="80000"/>
-        <a:buFont typeface="Wingdings 3" charset="2"/>
-        <a:buChar char=""/>
-        <a:defRPr sz="1200" kern="1200">
+        <a:buSzPct val="70000"/>
+        <a:buFont typeface="Wingdings 2" charset="2"/>
+        <a:buChar char=""/>
+        <a:defRPr sz="1400" kern="1200">
+          <a:ln>
+            <a:solidFill>
+              <a:schemeClr val="bg1">
+                <a:lumMod val="75000"/>
+                <a:lumOff val="25000"/>
+                <a:alpha val="10000"/>
+              </a:schemeClr>
+            </a:solidFill>
+          </a:ln>
           <a:solidFill>
-            <a:schemeClr val="tx1">
-              <a:lumMod val="75000"/>
-              <a:lumOff val="25000"/>
-            </a:schemeClr>
+            <a:schemeClr val="tx2"/>
           </a:solidFill>
+          <a:effectLst>
+            <a:outerShdw blurRad="9525" dist="25400" dir="14640000" algn="tl" rotWithShape="0">
+              <a:schemeClr val="bg1">
+                <a:alpha val="30000"/>
+              </a:schemeClr>
+            </a:outerShdw>
+          </a:effectLst>
           <a:latin typeface="+mn-lt"/>
           <a:ea typeface="+mn-ea"/>
           <a:cs typeface="+mn-cs"/>
         </a:defRPr>
       </a:lvl5pPr>
-      <a:lvl6pPr marL="2514600" indent="-228600" algn="l" defTabSz="457200" rtl="0" eaLnBrk="1" latinLnBrk="0" hangingPunct="1">
+      <a:lvl6pPr marL="2014600" indent="-228600" algn="l" defTabSz="457200" rtl="0" eaLnBrk="1" latinLnBrk="0" hangingPunct="1">
         <a:spcBef>
-          <a:spcPts val="1000"/>
+          <a:spcPct val="20000"/>
         </a:spcBef>
         <a:spcAft>
-          <a:spcPts val="0"/>
+          <a:spcPts val="600"/>
         </a:spcAft>
         <a:buClr>
-          <a:schemeClr val="accent1"/>
+          <a:schemeClr val="tx2"/>
         </a:buClr>
-        <a:buSzPct val="80000"/>
-        <a:buFont typeface="Wingdings 3" charset="2"/>
-        <a:buChar char=""/>
-        <a:defRPr sz="1200" kern="1200">
+        <a:buSzPct val="70000"/>
+        <a:buFont typeface="Wingdings 2" charset="2"/>
+        <a:buChar char=""/>
+        <a:defRPr sz="1400" kern="1200">
+          <a:ln>
+            <a:solidFill>
+              <a:schemeClr val="bg1">
+                <a:lumMod val="75000"/>
+                <a:lumOff val="25000"/>
+                <a:alpha val="10000"/>
+              </a:schemeClr>
+            </a:solidFill>
+          </a:ln>
           <a:solidFill>
-            <a:schemeClr val="tx1">
-              <a:lumMod val="75000"/>
-              <a:lumOff val="25000"/>
-            </a:schemeClr>
+            <a:schemeClr val="tx2"/>
           </a:solidFill>
+          <a:effectLst>
+            <a:outerShdw blurRad="9525" dist="25400" dir="14640000" algn="tl" rotWithShape="0">
+              <a:schemeClr val="bg1">
+                <a:alpha val="30000"/>
+              </a:schemeClr>
+            </a:outerShdw>
+          </a:effectLst>
           <a:latin typeface="+mn-lt"/>
           <a:ea typeface="+mn-ea"/>
           <a:cs typeface="+mn-cs"/>
         </a:defRPr>
       </a:lvl6pPr>
-      <a:lvl7pPr marL="2971800" indent="-228600" algn="l" defTabSz="457200" rtl="0" eaLnBrk="1" latinLnBrk="0" hangingPunct="1">
+      <a:lvl7pPr marL="2401800" indent="-228600" algn="l" defTabSz="457200" rtl="0" eaLnBrk="1" latinLnBrk="0" hangingPunct="1">
         <a:spcBef>
-          <a:spcPts val="1000"/>
+          <a:spcPct val="20000"/>
         </a:spcBef>
         <a:spcAft>
-          <a:spcPts val="0"/>
+          <a:spcPts val="600"/>
         </a:spcAft>
         <a:buClr>
-          <a:schemeClr val="accent1"/>
+          <a:schemeClr val="tx2"/>
         </a:buClr>
-        <a:buSzPct val="80000"/>
-        <a:buFont typeface="Wingdings 3" charset="2"/>
-        <a:buChar char=""/>
-        <a:defRPr sz="1200" kern="1200">
+        <a:buSzPct val="70000"/>
+        <a:buFont typeface="Wingdings 2" charset="2"/>
+        <a:buChar char=""/>
+        <a:defRPr sz="1400" kern="1200">
+          <a:ln>
+            <a:solidFill>
+              <a:schemeClr val="bg1">
+                <a:lumMod val="75000"/>
+                <a:lumOff val="25000"/>
+                <a:alpha val="10000"/>
+              </a:schemeClr>
+            </a:solidFill>
+          </a:ln>
           <a:solidFill>
-            <a:schemeClr val="tx1">
-              <a:lumMod val="75000"/>
-              <a:lumOff val="25000"/>
-            </a:schemeClr>
+            <a:schemeClr val="tx2"/>
           </a:solidFill>
+          <a:effectLst>
+            <a:outerShdw blurRad="9525" dist="25400" dir="14640000" algn="tl" rotWithShape="0">
+              <a:schemeClr val="bg1">
+                <a:alpha val="30000"/>
+              </a:schemeClr>
+            </a:outerShdw>
+          </a:effectLst>
           <a:latin typeface="+mn-lt"/>
           <a:ea typeface="+mn-ea"/>
           <a:cs typeface="+mn-cs"/>
         </a:defRPr>
       </a:lvl7pPr>
-      <a:lvl8pPr marL="3429000" indent="-228600" algn="l" defTabSz="457200" rtl="0" eaLnBrk="1" latinLnBrk="0" hangingPunct="1">
+      <a:lvl8pPr marL="2789000" indent="-228600" algn="l" defTabSz="457200" rtl="0" eaLnBrk="1" latinLnBrk="0" hangingPunct="1">
         <a:spcBef>
-          <a:spcPts val="1000"/>
+          <a:spcPct val="20000"/>
         </a:spcBef>
         <a:spcAft>
-          <a:spcPts val="0"/>
+          <a:spcPts val="600"/>
         </a:spcAft>
         <a:buClr>
-          <a:schemeClr val="accent1"/>
+          <a:schemeClr val="tx2"/>
         </a:buClr>
-        <a:buSzPct val="80000"/>
-        <a:buFont typeface="Wingdings 3" charset="2"/>
-        <a:buChar char=""/>
-        <a:defRPr sz="1200" kern="1200">
+        <a:buSzPct val="70000"/>
+        <a:buFont typeface="Wingdings 2" charset="2"/>
+        <a:buChar char=""/>
+        <a:defRPr sz="1400" kern="1200">
+          <a:ln>
+            <a:solidFill>
+              <a:schemeClr val="bg1">
+                <a:lumMod val="75000"/>
+                <a:lumOff val="25000"/>
+                <a:alpha val="10000"/>
+              </a:schemeClr>
+            </a:solidFill>
+          </a:ln>
           <a:solidFill>
-            <a:schemeClr val="tx1">
-              <a:lumMod val="75000"/>
-              <a:lumOff val="25000"/>
-            </a:schemeClr>
+            <a:schemeClr val="tx2"/>
           </a:solidFill>
+          <a:effectLst>
+            <a:outerShdw blurRad="9525" dist="25400" dir="14640000" algn="tl" rotWithShape="0">
+              <a:schemeClr val="bg1">
+                <a:alpha val="30000"/>
+              </a:schemeClr>
+            </a:outerShdw>
+          </a:effectLst>
           <a:latin typeface="+mn-lt"/>
           <a:ea typeface="+mn-ea"/>
           <a:cs typeface="+mn-cs"/>
         </a:defRPr>
       </a:lvl8pPr>
-      <a:lvl9pPr marL="3886200" indent="-228600" algn="l" defTabSz="457200" rtl="0" eaLnBrk="1" latinLnBrk="0" hangingPunct="1">
+      <a:lvl9pPr marL="3106200" indent="-228600" algn="l" defTabSz="457200" rtl="0" eaLnBrk="1" latinLnBrk="0" hangingPunct="1">
         <a:spcBef>
-          <a:spcPts val="1000"/>
+          <a:spcPct val="20000"/>
         </a:spcBef>
         <a:spcAft>
-          <a:spcPts val="0"/>
+          <a:spcPts val="600"/>
         </a:spcAft>
         <a:buClr>
-          <a:schemeClr val="accent1"/>
+          <a:schemeClr val="tx2"/>
         </a:buClr>
-        <a:buSzPct val="80000"/>
-        <a:buFont typeface="Wingdings 3" charset="2"/>
-        <a:buChar char=""/>
-        <a:defRPr sz="1200" kern="1200">
+        <a:buSzPct val="70000"/>
+        <a:buFont typeface="Wingdings 2" charset="2"/>
+        <a:buChar char=""/>
+        <a:defRPr sz="1400" kern="1200">
+          <a:ln>
+            <a:solidFill>
+              <a:schemeClr val="bg1">
+                <a:lumMod val="75000"/>
+                <a:lumOff val="25000"/>
+                <a:alpha val="10000"/>
+              </a:schemeClr>
+            </a:solidFill>
+          </a:ln>
           <a:solidFill>
-            <a:schemeClr val="tx1">
-              <a:lumMod val="75000"/>
-              <a:lumOff val="25000"/>
-            </a:schemeClr>
+            <a:schemeClr val="tx2"/>
           </a:solidFill>
+          <a:effectLst>
+            <a:outerShdw blurRad="9525" dist="25400" dir="14640000" algn="tl" rotWithShape="0">
+              <a:schemeClr val="bg1">
+                <a:alpha val="30000"/>
+              </a:schemeClr>
+            </a:outerShdw>
+          </a:effectLst>
           <a:latin typeface="+mn-lt"/>
           <a:ea typeface="+mn-ea"/>
           <a:cs typeface="+mn-cs"/>
@@ -6605,6 +6616,30 @@
 <file path=ppt/slides/slide1.xml><?xml version="1.0" encoding="utf-8"?>
 <p:sld xmlns:a="http://schemas.openxmlformats.org/drawingml/2006/main" xmlns:r="http://schemas.openxmlformats.org/officeDocument/2006/relationships" xmlns:p="http://schemas.openxmlformats.org/presentationml/2006/main">
   <p:cSld>
+    <p:bg>
+      <p:bgPr>
+        <a:blipFill dpi="0" rotWithShape="1">
+          <a:blip r:embed="rId2">
+            <a:alphaModFix amt="92000"/>
+            <a:duotone>
+              <a:schemeClr val="bg2">
+                <a:shade val="80000"/>
+                <a:lumMod val="80000"/>
+              </a:schemeClr>
+              <a:schemeClr val="bg2">
+                <a:tint val="98000"/>
+              </a:schemeClr>
+            </a:duotone>
+            <a:lum/>
+          </a:blip>
+          <a:srcRect/>
+          <a:stretch>
+            <a:fillRect/>
+          </a:stretch>
+        </a:blipFill>
+        <a:effectLst/>
+      </p:bgPr>
+    </p:bg>
     <p:spTree>
       <p:nvGrpSpPr>
         <p:cNvPr id="1" name=""/>
@@ -6628,7 +6663,7 @@
           <p:nvPr/>
         </p:nvPicPr>
         <p:blipFill>
-          <a:blip r:embed="rId2">
+          <a:blip r:embed="rId3">
             <a:extLst>
               <a:ext uri="{28A0092B-C50C-407E-A947-70E740481C1C}">
                 <a14:useLocalDpi xmlns:a14="http://schemas.microsoft.com/office/drawing/2010/main" val="0"/>
@@ -6641,7 +6676,7 @@
         </p:blipFill>
         <p:spPr>
           <a:xfrm>
-            <a:off x="-457200" y="838200"/>
+            <a:off x="25758" y="1219200"/>
             <a:ext cx="8888889" cy="3174603"/>
           </a:xfrm>
           <a:prstGeom prst="rect">
@@ -6653,6 +6688,570 @@
     <p:extLst>
       <p:ext uri="{BB962C8B-B14F-4D97-AF65-F5344CB8AC3E}">
         <p14:creationId xmlns:p14="http://schemas.microsoft.com/office/powerpoint/2010/main" val="1006267296"/>
+      </p:ext>
+    </p:extLst>
+  </p:cSld>
+  <p:clrMapOvr>
+    <a:masterClrMapping/>
+  </p:clrMapOvr>
+  <p:transition spd="slow">
+    <p:push dir="u"/>
+  </p:transition>
+  <p:timing>
+    <p:tnLst>
+      <p:par>
+        <p:cTn id="1" dur="indefinite" restart="never" nodeType="tmRoot"/>
+      </p:par>
+    </p:tnLst>
+  </p:timing>
+</p:sld>
+</file>
+
+<file path=ppt/slides/slide10.xml><?xml version="1.0" encoding="utf-8"?>
+<p:sld xmlns:a="http://schemas.openxmlformats.org/drawingml/2006/main" xmlns:r="http://schemas.openxmlformats.org/officeDocument/2006/relationships" xmlns:p="http://schemas.openxmlformats.org/presentationml/2006/main">
+  <p:cSld>
+    <p:spTree>
+      <p:nvGrpSpPr>
+        <p:cNvPr id="1" name=""/>
+        <p:cNvGrpSpPr/>
+        <p:nvPr/>
+      </p:nvGrpSpPr>
+      <p:grpSpPr>
+        <a:xfrm>
+          <a:off x="0" y="0"/>
+          <a:ext cx="0" cy="0"/>
+          <a:chOff x="0" y="0"/>
+          <a:chExt cx="0" cy="0"/>
+        </a:xfrm>
+      </p:grpSpPr>
+      <p:sp>
+        <p:nvSpPr>
+          <p:cNvPr id="2" name="Title 1"/>
+          <p:cNvSpPr>
+            <a:spLocks noGrp="1"/>
+          </p:cNvSpPr>
+          <p:nvPr>
+            <p:ph type="title"/>
+          </p:nvPr>
+        </p:nvSpPr>
+        <p:spPr>
+          <a:xfrm>
+            <a:off x="381000" y="506081"/>
+            <a:ext cx="8340020" cy="1143000"/>
+          </a:xfrm>
+        </p:spPr>
+        <p:txBody>
+          <a:bodyPr/>
+          <a:lstStyle/>
+          <a:p>
+            <a:r>
+              <a:rPr lang="en-PH" dirty="0" smtClean="0"/>
+              <a:t>TECHNICAL DESIGN</a:t>
+            </a:r>
+            <a:endParaRPr lang="en-PH" dirty="0"/>
+          </a:p>
+        </p:txBody>
+      </p:sp>
+      <p:sp>
+        <p:nvSpPr>
+          <p:cNvPr id="3" name="Content Placeholder 2"/>
+          <p:cNvSpPr>
+            <a:spLocks noGrp="1"/>
+          </p:cNvSpPr>
+          <p:nvPr>
+            <p:ph idx="1"/>
+          </p:nvPr>
+        </p:nvSpPr>
+        <p:spPr>
+          <a:xfrm>
+            <a:off x="685800" y="1828800"/>
+            <a:ext cx="7620000" cy="4038600"/>
+          </a:xfrm>
+        </p:spPr>
+        <p:txBody>
+          <a:bodyPr/>
+          <a:lstStyle/>
+          <a:p>
+            <a:r>
+              <a:rPr lang="en-PH" dirty="0" smtClean="0"/>
+              <a:t>Process flow</a:t>
+            </a:r>
+          </a:p>
+          <a:p>
+            <a:r>
+              <a:rPr lang="en-PH" dirty="0" smtClean="0"/>
+              <a:t>Tools used</a:t>
+            </a:r>
+            <a:endParaRPr lang="en-PH" dirty="0" smtClean="0"/>
+          </a:p>
+          <a:p>
+            <a:r>
+              <a:rPr lang="en-PH" dirty="0" smtClean="0"/>
+              <a:t>Sample of engine</a:t>
+            </a:r>
+          </a:p>
+          <a:p>
+            <a:endParaRPr lang="en-PH" dirty="0"/>
+          </a:p>
+        </p:txBody>
+      </p:sp>
+    </p:spTree>
+    <p:extLst>
+      <p:ext uri="{BB962C8B-B14F-4D97-AF65-F5344CB8AC3E}">
+        <p14:creationId xmlns:p14="http://schemas.microsoft.com/office/powerpoint/2010/main" val="3786455918"/>
+      </p:ext>
+    </p:extLst>
+  </p:cSld>
+  <p:clrMapOvr>
+    <a:masterClrMapping/>
+  </p:clrMapOvr>
+  <p:transition spd="slow">
+    <p:push dir="u"/>
+  </p:transition>
+  <p:timing>
+    <p:tnLst>
+      <p:par>
+        <p:cTn id="1" dur="indefinite" restart="never" nodeType="tmRoot"/>
+      </p:par>
+    </p:tnLst>
+  </p:timing>
+</p:sld>
+</file>
+
+<file path=ppt/slides/slide11.xml><?xml version="1.0" encoding="utf-8"?>
+<p:sld xmlns:a="http://schemas.openxmlformats.org/drawingml/2006/main" xmlns:r="http://schemas.openxmlformats.org/officeDocument/2006/relationships" xmlns:p="http://schemas.openxmlformats.org/presentationml/2006/main">
+  <p:cSld>
+    <p:spTree>
+      <p:nvGrpSpPr>
+        <p:cNvPr id="1" name=""/>
+        <p:cNvGrpSpPr/>
+        <p:nvPr/>
+      </p:nvGrpSpPr>
+      <p:grpSpPr>
+        <a:xfrm>
+          <a:off x="0" y="0"/>
+          <a:ext cx="0" cy="0"/>
+          <a:chOff x="0" y="0"/>
+          <a:chExt cx="0" cy="0"/>
+        </a:xfrm>
+      </p:grpSpPr>
+      <p:sp>
+        <p:nvSpPr>
+          <p:cNvPr id="2" name="Title 1"/>
+          <p:cNvSpPr>
+            <a:spLocks noGrp="1"/>
+          </p:cNvSpPr>
+          <p:nvPr>
+            <p:ph type="title"/>
+          </p:nvPr>
+        </p:nvSpPr>
+        <p:spPr>
+          <a:xfrm>
+            <a:off x="381000" y="506081"/>
+            <a:ext cx="8340020" cy="1143000"/>
+          </a:xfrm>
+        </p:spPr>
+        <p:txBody>
+          <a:bodyPr/>
+          <a:lstStyle/>
+          <a:p>
+            <a:r>
+              <a:rPr lang="en-PH" dirty="0" smtClean="0"/>
+              <a:t>ITERATIONS</a:t>
+            </a:r>
+            <a:endParaRPr lang="en-PH" dirty="0"/>
+          </a:p>
+        </p:txBody>
+      </p:sp>
+      <p:sp>
+        <p:nvSpPr>
+          <p:cNvPr id="3" name="Content Placeholder 2"/>
+          <p:cNvSpPr>
+            <a:spLocks noGrp="1"/>
+          </p:cNvSpPr>
+          <p:nvPr>
+            <p:ph idx="1"/>
+          </p:nvPr>
+        </p:nvSpPr>
+        <p:spPr>
+          <a:xfrm>
+            <a:off x="685800" y="1828800"/>
+            <a:ext cx="7620000" cy="4038600"/>
+          </a:xfrm>
+        </p:spPr>
+        <p:txBody>
+          <a:bodyPr/>
+          <a:lstStyle/>
+          <a:p>
+            <a:endParaRPr lang="en-PH" dirty="0"/>
+          </a:p>
+        </p:txBody>
+      </p:sp>
+    </p:spTree>
+    <p:extLst>
+      <p:ext uri="{BB962C8B-B14F-4D97-AF65-F5344CB8AC3E}">
+        <p14:creationId xmlns:p14="http://schemas.microsoft.com/office/powerpoint/2010/main" val="3002820026"/>
+      </p:ext>
+    </p:extLst>
+  </p:cSld>
+  <p:clrMapOvr>
+    <a:masterClrMapping/>
+  </p:clrMapOvr>
+  <p:transition spd="slow">
+    <p:push dir="u"/>
+  </p:transition>
+  <p:timing>
+    <p:tnLst>
+      <p:par>
+        <p:cTn id="1" dur="indefinite" restart="never" nodeType="tmRoot"/>
+      </p:par>
+    </p:tnLst>
+  </p:timing>
+</p:sld>
+</file>
+
+<file path=ppt/slides/slide12.xml><?xml version="1.0" encoding="utf-8"?>
+<p:sld xmlns:a="http://schemas.openxmlformats.org/drawingml/2006/main" xmlns:r="http://schemas.openxmlformats.org/officeDocument/2006/relationships" xmlns:p="http://schemas.openxmlformats.org/presentationml/2006/main">
+  <p:cSld>
+    <p:spTree>
+      <p:nvGrpSpPr>
+        <p:cNvPr id="1" name=""/>
+        <p:cNvGrpSpPr/>
+        <p:nvPr/>
+      </p:nvGrpSpPr>
+      <p:grpSpPr>
+        <a:xfrm>
+          <a:off x="0" y="0"/>
+          <a:ext cx="0" cy="0"/>
+          <a:chOff x="0" y="0"/>
+          <a:chExt cx="0" cy="0"/>
+        </a:xfrm>
+      </p:grpSpPr>
+      <p:sp>
+        <p:nvSpPr>
+          <p:cNvPr id="2" name="Title 1"/>
+          <p:cNvSpPr>
+            <a:spLocks noGrp="1"/>
+          </p:cNvSpPr>
+          <p:nvPr>
+            <p:ph type="title"/>
+          </p:nvPr>
+        </p:nvSpPr>
+        <p:spPr>
+          <a:xfrm>
+            <a:off x="381000" y="506081"/>
+            <a:ext cx="8340020" cy="1143000"/>
+          </a:xfrm>
+        </p:spPr>
+        <p:txBody>
+          <a:bodyPr/>
+          <a:lstStyle/>
+          <a:p>
+            <a:r>
+              <a:rPr lang="en-PH" dirty="0" smtClean="0"/>
+              <a:t>CONTRIBUTIONS</a:t>
+            </a:r>
+            <a:endParaRPr lang="en-PH" dirty="0"/>
+          </a:p>
+        </p:txBody>
+      </p:sp>
+      <p:sp>
+        <p:nvSpPr>
+          <p:cNvPr id="3" name="Content Placeholder 2"/>
+          <p:cNvSpPr>
+            <a:spLocks noGrp="1"/>
+          </p:cNvSpPr>
+          <p:nvPr>
+            <p:ph idx="1"/>
+          </p:nvPr>
+        </p:nvSpPr>
+        <p:spPr>
+          <a:xfrm>
+            <a:off x="685800" y="1828800"/>
+            <a:ext cx="7620000" cy="4038600"/>
+          </a:xfrm>
+        </p:spPr>
+        <p:txBody>
+          <a:bodyPr/>
+          <a:lstStyle/>
+          <a:p>
+            <a:endParaRPr lang="en-PH" dirty="0"/>
+          </a:p>
+        </p:txBody>
+      </p:sp>
+    </p:spTree>
+    <p:extLst>
+      <p:ext uri="{BB962C8B-B14F-4D97-AF65-F5344CB8AC3E}">
+        <p14:creationId xmlns:p14="http://schemas.microsoft.com/office/powerpoint/2010/main" val="4038696532"/>
+      </p:ext>
+    </p:extLst>
+  </p:cSld>
+  <p:clrMapOvr>
+    <a:masterClrMapping/>
+  </p:clrMapOvr>
+  <p:transition spd="slow">
+    <p:push dir="u"/>
+  </p:transition>
+  <p:timing>
+    <p:tnLst>
+      <p:par>
+        <p:cTn id="1" dur="indefinite" restart="never" nodeType="tmRoot"/>
+      </p:par>
+    </p:tnLst>
+  </p:timing>
+</p:sld>
+</file>
+
+<file path=ppt/slides/slide13.xml><?xml version="1.0" encoding="utf-8"?>
+<p:sld xmlns:a="http://schemas.openxmlformats.org/drawingml/2006/main" xmlns:r="http://schemas.openxmlformats.org/officeDocument/2006/relationships" xmlns:p="http://schemas.openxmlformats.org/presentationml/2006/main">
+  <p:cSld>
+    <p:spTree>
+      <p:nvGrpSpPr>
+        <p:cNvPr id="1" name=""/>
+        <p:cNvGrpSpPr/>
+        <p:nvPr/>
+      </p:nvGrpSpPr>
+      <p:grpSpPr>
+        <a:xfrm>
+          <a:off x="0" y="0"/>
+          <a:ext cx="0" cy="0"/>
+          <a:chOff x="0" y="0"/>
+          <a:chExt cx="0" cy="0"/>
+        </a:xfrm>
+      </p:grpSpPr>
+      <p:sp>
+        <p:nvSpPr>
+          <p:cNvPr id="2" name="Title 1"/>
+          <p:cNvSpPr>
+            <a:spLocks noGrp="1"/>
+          </p:cNvSpPr>
+          <p:nvPr>
+            <p:ph type="title"/>
+          </p:nvPr>
+        </p:nvSpPr>
+        <p:spPr>
+          <a:xfrm>
+            <a:off x="381000" y="506081"/>
+            <a:ext cx="8340020" cy="1143000"/>
+          </a:xfrm>
+        </p:spPr>
+        <p:txBody>
+          <a:bodyPr>
+            <a:normAutofit fontScale="90000"/>
+          </a:bodyPr>
+          <a:lstStyle/>
+          <a:p>
+            <a:r>
+              <a:rPr lang="en-PH" dirty="0" smtClean="0"/>
+              <a:t>DEMO, CURRENT STATUS, NEXT STEP</a:t>
+            </a:r>
+            <a:endParaRPr lang="en-PH" dirty="0"/>
+          </a:p>
+        </p:txBody>
+      </p:sp>
+      <p:sp>
+        <p:nvSpPr>
+          <p:cNvPr id="3" name="Content Placeholder 2"/>
+          <p:cNvSpPr>
+            <a:spLocks noGrp="1"/>
+          </p:cNvSpPr>
+          <p:nvPr>
+            <p:ph idx="1"/>
+          </p:nvPr>
+        </p:nvSpPr>
+        <p:spPr>
+          <a:xfrm>
+            <a:off x="685800" y="1828800"/>
+            <a:ext cx="7620000" cy="4038600"/>
+          </a:xfrm>
+        </p:spPr>
+        <p:txBody>
+          <a:bodyPr/>
+          <a:lstStyle/>
+          <a:p>
+            <a:endParaRPr lang="en-PH" dirty="0"/>
+          </a:p>
+        </p:txBody>
+      </p:sp>
+    </p:spTree>
+    <p:extLst>
+      <p:ext uri="{BB962C8B-B14F-4D97-AF65-F5344CB8AC3E}">
+        <p14:creationId xmlns:p14="http://schemas.microsoft.com/office/powerpoint/2010/main" val="824093358"/>
+      </p:ext>
+    </p:extLst>
+  </p:cSld>
+  <p:clrMapOvr>
+    <a:masterClrMapping/>
+  </p:clrMapOvr>
+  <p:transition spd="slow">
+    <p:push dir="u"/>
+  </p:transition>
+  <p:timing>
+    <p:tnLst>
+      <p:par>
+        <p:cTn id="1" dur="indefinite" restart="never" nodeType="tmRoot"/>
+      </p:par>
+    </p:tnLst>
+  </p:timing>
+</p:sld>
+</file>
+
+<file path=ppt/slides/slide14.xml><?xml version="1.0" encoding="utf-8"?>
+<p:sld xmlns:a="http://schemas.openxmlformats.org/drawingml/2006/main" xmlns:r="http://schemas.openxmlformats.org/officeDocument/2006/relationships" xmlns:p="http://schemas.openxmlformats.org/presentationml/2006/main">
+  <p:cSld>
+    <p:spTree>
+      <p:nvGrpSpPr>
+        <p:cNvPr id="1" name=""/>
+        <p:cNvGrpSpPr/>
+        <p:nvPr/>
+      </p:nvGrpSpPr>
+      <p:grpSpPr>
+        <a:xfrm>
+          <a:off x="0" y="0"/>
+          <a:ext cx="0" cy="0"/>
+          <a:chOff x="0" y="0"/>
+          <a:chExt cx="0" cy="0"/>
+        </a:xfrm>
+      </p:grpSpPr>
+      <p:sp>
+        <p:nvSpPr>
+          <p:cNvPr id="2" name="Title 1"/>
+          <p:cNvSpPr>
+            <a:spLocks noGrp="1"/>
+          </p:cNvSpPr>
+          <p:nvPr>
+            <p:ph type="title"/>
+          </p:nvPr>
+        </p:nvSpPr>
+        <p:spPr/>
+        <p:txBody>
+          <a:bodyPr/>
+          <a:lstStyle/>
+          <a:p>
+            <a:r>
+              <a:rPr lang="en-PH" dirty="0" smtClean="0"/>
+              <a:t>SOURCES</a:t>
+            </a:r>
+            <a:endParaRPr lang="en-PH" dirty="0"/>
+          </a:p>
+        </p:txBody>
+      </p:sp>
+      <p:sp>
+        <p:nvSpPr>
+          <p:cNvPr id="3" name="Content Placeholder 2"/>
+          <p:cNvSpPr>
+            <a:spLocks noGrp="1"/>
+          </p:cNvSpPr>
+          <p:nvPr>
+            <p:ph idx="1"/>
+          </p:nvPr>
+        </p:nvSpPr>
+        <p:spPr/>
+        <p:txBody>
+          <a:bodyPr numCol="1"/>
+          <a:lstStyle/>
+          <a:p>
+            <a:r>
+              <a:rPr lang="en-PH" dirty="0">
+                <a:hlinkClick r:id="rId2"/>
+              </a:rPr>
+              <a:t>http://pixelperfectgaming.com/2012/10/29/diner-dash-now-available-for-kindle-fire</a:t>
+            </a:r>
+            <a:r>
+              <a:rPr lang="en-PH" dirty="0" smtClean="0">
+                <a:hlinkClick r:id="rId2"/>
+              </a:rPr>
+              <a:t>/</a:t>
+            </a:r>
+            <a:endParaRPr lang="en-PH" dirty="0" smtClean="0"/>
+          </a:p>
+          <a:p>
+            <a:r>
+              <a:rPr lang="en-PH" dirty="0">
+                <a:hlinkClick r:id="rId3"/>
+              </a:rPr>
+              <a:t>http://</a:t>
+            </a:r>
+            <a:r>
+              <a:rPr lang="en-PH" dirty="0" smtClean="0">
+                <a:hlinkClick r:id="rId3"/>
+              </a:rPr>
+              <a:t>freddy-fazbears-pizza.wikia.com/wiki/Five_Nights_at_Freddy's</a:t>
+            </a:r>
+            <a:endParaRPr lang="en-PH" dirty="0" smtClean="0"/>
+          </a:p>
+          <a:p>
+            <a:r>
+              <a:rPr lang="en-PH" dirty="0" smtClean="0">
+                <a:hlinkClick r:id="rId4"/>
+              </a:rPr>
+              <a:t>http</a:t>
+            </a:r>
+            <a:r>
+              <a:rPr lang="en-PH" dirty="0">
+                <a:hlinkClick r:id="rId4"/>
+              </a:rPr>
+              <a:t>://</a:t>
+            </a:r>
+            <a:r>
+              <a:rPr lang="en-PH" dirty="0" smtClean="0">
+                <a:hlinkClick r:id="rId4"/>
+              </a:rPr>
+              <a:t>greymountainherbs.com/wp-content/uploads/2014/11/apothecary-bottles1.jpg</a:t>
+            </a:r>
+            <a:endParaRPr lang="en-PH" dirty="0" smtClean="0"/>
+          </a:p>
+          <a:p>
+            <a:r>
+              <a:rPr lang="en-PH" dirty="0">
+                <a:hlinkClick r:id="rId5"/>
+              </a:rPr>
+              <a:t>http://</a:t>
+            </a:r>
+            <a:r>
+              <a:rPr lang="en-PH" dirty="0" smtClean="0">
+                <a:hlinkClick r:id="rId5"/>
+              </a:rPr>
+              <a:t>multayindonesia.com/img/p/491-1892-thickbox.jpg</a:t>
+            </a:r>
+            <a:endParaRPr lang="en-PH" dirty="0" smtClean="0"/>
+          </a:p>
+          <a:p>
+            <a:r>
+              <a:rPr lang="en-PH" dirty="0">
+                <a:hlinkClick r:id="rId6"/>
+              </a:rPr>
+              <a:t>http://</a:t>
+            </a:r>
+            <a:r>
+              <a:rPr lang="en-PH" dirty="0" smtClean="0">
+                <a:hlinkClick r:id="rId6"/>
+              </a:rPr>
+              <a:t>ecrustationery.com/wp-content/uploads/2012/10/ECRU-Halloween-Labels.jpg</a:t>
+            </a:r>
+            <a:endParaRPr lang="en-PH" dirty="0" smtClean="0"/>
+          </a:p>
+          <a:p>
+            <a:endParaRPr lang="en-PH" dirty="0" smtClean="0"/>
+          </a:p>
+          <a:p>
+            <a:endParaRPr lang="en-PH" dirty="0" smtClean="0"/>
+          </a:p>
+          <a:p>
+            <a:endParaRPr lang="en-PH" dirty="0" smtClean="0"/>
+          </a:p>
+          <a:p>
+            <a:endParaRPr lang="en-PH" dirty="0" smtClean="0"/>
+          </a:p>
+          <a:p>
+            <a:endParaRPr lang="en-PH" dirty="0"/>
+          </a:p>
+        </p:txBody>
+      </p:sp>
+    </p:spTree>
+    <p:extLst>
+      <p:ext uri="{BB962C8B-B14F-4D97-AF65-F5344CB8AC3E}">
+        <p14:creationId xmlns:p14="http://schemas.microsoft.com/office/powerpoint/2010/main" val="100906932"/>
       </p:ext>
     </p:extLst>
   </p:cSld>
@@ -6701,8 +7300,8 @@
         </p:nvSpPr>
         <p:spPr>
           <a:xfrm>
-            <a:off x="609600" y="5181600"/>
-            <a:ext cx="6512511" cy="1143000"/>
+            <a:off x="381000" y="506081"/>
+            <a:ext cx="8340020" cy="1143000"/>
           </a:xfrm>
         </p:spPr>
         <p:txBody>
@@ -6710,18 +7309,10 @@
           <a:lstStyle/>
           <a:p>
             <a:r>
-              <a:rPr lang="en-PH" dirty="0" smtClean="0">
-                <a:solidFill>
-                  <a:schemeClr val="tx1"/>
-                </a:solidFill>
-              </a:rPr>
-              <a:t>ABOUT</a:t>
-            </a:r>
-            <a:endParaRPr lang="en-PH" dirty="0">
-              <a:solidFill>
-                <a:schemeClr val="tx1"/>
-              </a:solidFill>
-            </a:endParaRPr>
+              <a:rPr lang="en-PH" dirty="0" smtClean="0"/>
+              <a:t>CLIENT BACKGROUND</a:t>
+            </a:r>
+            <a:endParaRPr lang="en-PH" dirty="0"/>
           </a:p>
         </p:txBody>
       </p:sp>
@@ -6737,120 +7328,22 @@
         </p:nvSpPr>
         <p:spPr>
           <a:xfrm>
-            <a:off x="228600" y="914400"/>
-            <a:ext cx="6400800" cy="1752600"/>
-          </a:xfrm>
-          <a:gradFill>
-            <a:gsLst>
-              <a:gs pos="0">
-                <a:schemeClr val="accent1">
-                  <a:tint val="66000"/>
-                  <a:satMod val="160000"/>
-                  <a:alpha val="50000"/>
-                </a:schemeClr>
-              </a:gs>
-              <a:gs pos="50000">
-                <a:schemeClr val="accent1">
-                  <a:tint val="44500"/>
-                  <a:satMod val="160000"/>
-                  <a:alpha val="50000"/>
-                </a:schemeClr>
-              </a:gs>
-              <a:gs pos="100000">
-                <a:schemeClr val="accent1">
-                  <a:tint val="23500"/>
-                  <a:satMod val="160000"/>
-                  <a:alpha val="50000"/>
-                </a:schemeClr>
-              </a:gs>
-            </a:gsLst>
-            <a:lin ang="5400000" scaled="0"/>
-          </a:gradFill>
+            <a:off x="685800" y="1828800"/>
+            <a:ext cx="7620000" cy="4038600"/>
+          </a:xfrm>
         </p:spPr>
         <p:txBody>
           <a:bodyPr/>
           <a:lstStyle/>
           <a:p>
-            <a:r>
-              <a:rPr lang="en-PH" dirty="0" smtClean="0">
-                <a:solidFill>
-                  <a:schemeClr val="tx1"/>
-                </a:solidFill>
-              </a:rPr>
-              <a:t>Apothecary is a 2D Educational mobile game wherein you play as a pharmacy intern who was assigned to work at a drug store for a month and will provide the customers the medicine they are asking for within a limited time.</a:t>
-            </a:r>
-            <a:endParaRPr lang="en-PH" dirty="0">
-              <a:solidFill>
-                <a:srgbClr val="FFFF00"/>
-              </a:solidFill>
-            </a:endParaRPr>
-          </a:p>
-        </p:txBody>
-      </p:sp>
-      <p:pic>
-        <p:nvPicPr>
-          <p:cNvPr id="6" name="Picture 5"/>
-          <p:cNvPicPr>
-            <a:picLocks noChangeAspect="1"/>
-          </p:cNvPicPr>
-          <p:nvPr/>
-        </p:nvPicPr>
-        <p:blipFill>
-          <a:blip r:embed="rId2" cstate="print">
-            <a:extLst>
-              <a:ext uri="{28A0092B-C50C-407E-A947-70E740481C1C}">
-                <a14:useLocalDpi xmlns:a14="http://schemas.microsoft.com/office/drawing/2010/main" val="0"/>
-              </a:ext>
-            </a:extLst>
-          </a:blip>
-          <a:stretch>
-            <a:fillRect/>
-          </a:stretch>
-        </p:blipFill>
-        <p:spPr>
-          <a:xfrm>
-            <a:off x="4432300" y="3111500"/>
-            <a:ext cx="3098800" cy="3098800"/>
-          </a:xfrm>
-          <a:prstGeom prst="rect">
-            <a:avLst/>
-          </a:prstGeom>
-        </p:spPr>
-      </p:pic>
-      <p:pic>
-        <p:nvPicPr>
-          <p:cNvPr id="7" name="Picture 6"/>
-          <p:cNvPicPr>
-            <a:picLocks noChangeAspect="1"/>
-          </p:cNvPicPr>
-          <p:nvPr/>
-        </p:nvPicPr>
-        <p:blipFill>
-          <a:blip r:embed="rId3" cstate="print">
-            <a:extLst>
-              <a:ext uri="{28A0092B-C50C-407E-A947-70E740481C1C}">
-                <a14:useLocalDpi xmlns:a14="http://schemas.microsoft.com/office/drawing/2010/main" val="0"/>
-              </a:ext>
-            </a:extLst>
-          </a:blip>
-          <a:stretch>
-            <a:fillRect/>
-          </a:stretch>
-        </p:blipFill>
-        <p:spPr>
-          <a:xfrm>
-            <a:off x="2438400" y="3187700"/>
-            <a:ext cx="1981200" cy="3124200"/>
-          </a:xfrm>
-          <a:prstGeom prst="rect">
-            <a:avLst/>
-          </a:prstGeom>
-        </p:spPr>
-      </p:pic>
+            <a:endParaRPr lang="en-PH" dirty="0"/>
+          </a:p>
+        </p:txBody>
+      </p:sp>
     </p:spTree>
     <p:extLst>
       <p:ext uri="{BB962C8B-B14F-4D97-AF65-F5344CB8AC3E}">
-        <p14:creationId xmlns:p14="http://schemas.microsoft.com/office/powerpoint/2010/main" val="480288028"/>
+        <p14:creationId xmlns:p14="http://schemas.microsoft.com/office/powerpoint/2010/main" val="2222004307"/>
       </p:ext>
     </p:extLst>
   </p:cSld>
@@ -6889,54 +7382,18 @@
       </p:grpSpPr>
       <p:sp>
         <p:nvSpPr>
-          <p:cNvPr id="2" name="Title 1"/>
-          <p:cNvSpPr>
-            <a:spLocks noGrp="1"/>
-          </p:cNvSpPr>
-          <p:nvPr>
-            <p:ph type="title"/>
+          <p:cNvPr id="3" name="Content Placeholder 2"/>
+          <p:cNvSpPr>
+            <a:spLocks noGrp="1"/>
+          </p:cNvSpPr>
+          <p:nvPr>
+            <p:ph idx="1"/>
           </p:nvPr>
         </p:nvSpPr>
         <p:spPr>
           <a:xfrm>
-            <a:off x="457200" y="685800"/>
-            <a:ext cx="6512511" cy="1143000"/>
-          </a:xfrm>
-        </p:spPr>
-        <p:txBody>
-          <a:bodyPr/>
-          <a:lstStyle/>
-          <a:p>
-            <a:r>
-              <a:rPr lang="en-PH" dirty="0" smtClean="0">
-                <a:solidFill>
-                  <a:schemeClr val="tx1"/>
-                </a:solidFill>
-              </a:rPr>
-              <a:t>TARGET MARKET</a:t>
-            </a:r>
-            <a:endParaRPr lang="en-PH" dirty="0">
-              <a:solidFill>
-                <a:schemeClr val="tx1"/>
-              </a:solidFill>
-            </a:endParaRPr>
-          </a:p>
-        </p:txBody>
-      </p:sp>
-      <p:sp>
-        <p:nvSpPr>
-          <p:cNvPr id="3" name="Content Placeholder 2"/>
-          <p:cNvSpPr>
-            <a:spLocks noGrp="1"/>
-          </p:cNvSpPr>
-          <p:nvPr>
-            <p:ph idx="1"/>
-          </p:nvPr>
-        </p:nvSpPr>
-        <p:spPr>
-          <a:xfrm>
-            <a:off x="513055" y="1981200"/>
-            <a:ext cx="6400800" cy="2743200"/>
+            <a:off x="1371600" y="838200"/>
+            <a:ext cx="6400800" cy="1752600"/>
           </a:xfrm>
           <a:gradFill>
             <a:gsLst>
@@ -6975,7 +7432,23 @@
                   <a:schemeClr val="tx1"/>
                 </a:solidFill>
               </a:rPr>
-              <a:t>We aim to sell this game to people who love to play reaction-time based games and also to the people who want to learn the basic information of what purpose each medicine can cure or treat certain diseases.</a:t>
+              <a:t>Apothecary is a 2D Educational mobile game wherein you play as a pharmacy intern who was assigned to work at a drug store </a:t>
+            </a:r>
+            <a:r>
+              <a:rPr lang="en-PH" dirty="0" smtClean="0">
+                <a:solidFill>
+                  <a:schemeClr val="tx1"/>
+                </a:solidFill>
+              </a:rPr>
+              <a:t>and </a:t>
+            </a:r>
+            <a:r>
+              <a:rPr lang="en-PH" dirty="0" smtClean="0">
+                <a:solidFill>
+                  <a:schemeClr val="tx1"/>
+                </a:solidFill>
+              </a:rPr>
+              <a:t>will provide the customers the medicine they are asking for within a limited time.</a:t>
             </a:r>
             <a:endParaRPr lang="en-PH" dirty="0">
               <a:solidFill>
@@ -6987,7 +7460,37 @@
       </p:sp>
       <p:pic>
         <p:nvPicPr>
-          <p:cNvPr id="4" name="Picture 3"/>
+          <p:cNvPr id="6" name="Picture 5"/>
+          <p:cNvPicPr>
+            <a:picLocks noChangeAspect="1"/>
+          </p:cNvPicPr>
+          <p:nvPr/>
+        </p:nvPicPr>
+        <p:blipFill>
+          <a:blip r:embed="rId2" cstate="print">
+            <a:extLst>
+              <a:ext uri="{28A0092B-C50C-407E-A947-70E740481C1C}">
+                <a14:useLocalDpi xmlns:a14="http://schemas.microsoft.com/office/drawing/2010/main" val="0"/>
+              </a:ext>
+            </a:extLst>
+          </a:blip>
+          <a:stretch>
+            <a:fillRect/>
+          </a:stretch>
+        </p:blipFill>
+        <p:spPr>
+          <a:xfrm>
+            <a:off x="3962400" y="2971800"/>
+            <a:ext cx="3098800" cy="3098800"/>
+          </a:xfrm>
+          <a:prstGeom prst="rect">
+            <a:avLst/>
+          </a:prstGeom>
+        </p:spPr>
+      </p:pic>
+      <p:pic>
+        <p:nvPicPr>
+          <p:cNvPr id="7" name="Picture 6"/>
           <p:cNvPicPr>
             <a:picLocks noChangeAspect="1"/>
           </p:cNvPicPr>
@@ -7007,18 +7510,37 @@
         </p:blipFill>
         <p:spPr>
           <a:xfrm>
-            <a:off x="1371600" y="4724400"/>
-            <a:ext cx="4270257" cy="1807468"/>
+            <a:off x="1968500" y="3048000"/>
+            <a:ext cx="1981200" cy="3124200"/>
           </a:xfrm>
           <a:prstGeom prst="rect">
             <a:avLst/>
           </a:prstGeom>
         </p:spPr>
       </p:pic>
+      <p:sp>
+        <p:nvSpPr>
+          <p:cNvPr id="4" name="Title 3"/>
+          <p:cNvSpPr>
+            <a:spLocks noGrp="1"/>
+          </p:cNvSpPr>
+          <p:nvPr>
+            <p:ph type="title"/>
+          </p:nvPr>
+        </p:nvSpPr>
+        <p:spPr/>
+        <p:txBody>
+          <a:bodyPr/>
+          <a:lstStyle/>
+          <a:p>
+            <a:endParaRPr lang="en-PH" dirty="0"/>
+          </a:p>
+        </p:txBody>
+      </p:sp>
     </p:spTree>
     <p:extLst>
       <p:ext uri="{BB962C8B-B14F-4D97-AF65-F5344CB8AC3E}">
-        <p14:creationId xmlns:p14="http://schemas.microsoft.com/office/powerpoint/2010/main" val="3947612718"/>
+        <p14:creationId xmlns:p14="http://schemas.microsoft.com/office/powerpoint/2010/main" val="480288028"/>
       </p:ext>
     </p:extLst>
   </p:cSld>
@@ -7057,7 +7579,7 @@
       </p:grpSpPr>
       <p:sp>
         <p:nvSpPr>
-          <p:cNvPr id="7" name="Title 6"/>
+          <p:cNvPr id="2" name="Title 1"/>
           <p:cNvSpPr>
             <a:spLocks noGrp="1"/>
           </p:cNvSpPr>
@@ -7067,7 +7589,7 @@
         </p:nvSpPr>
         <p:spPr>
           <a:xfrm>
-            <a:off x="304800" y="228600"/>
+            <a:off x="457200" y="685800"/>
             <a:ext cx="6512511" cy="1143000"/>
           </a:xfrm>
         </p:spPr>
@@ -7076,16 +7598,24 @@
           <a:lstStyle/>
           <a:p>
             <a:r>
-              <a:rPr lang="en-PH" dirty="0" smtClean="0"/>
-              <a:t>FEATURES</a:t>
-            </a:r>
-            <a:endParaRPr lang="en-PH" dirty="0"/>
-          </a:p>
-        </p:txBody>
-      </p:sp>
-      <p:sp>
-        <p:nvSpPr>
-          <p:cNvPr id="8" name="Content Placeholder 7"/>
+              <a:rPr lang="en-PH" dirty="0" smtClean="0">
+                <a:solidFill>
+                  <a:schemeClr val="tx1"/>
+                </a:solidFill>
+              </a:rPr>
+              <a:t>TARGET MARKET</a:t>
+            </a:r>
+            <a:endParaRPr lang="en-PH" dirty="0">
+              <a:solidFill>
+                <a:schemeClr val="tx1"/>
+              </a:solidFill>
+            </a:endParaRPr>
+          </a:p>
+        </p:txBody>
+      </p:sp>
+      <p:sp>
+        <p:nvSpPr>
+          <p:cNvPr id="3" name="Content Placeholder 2"/>
           <p:cNvSpPr>
             <a:spLocks noGrp="1"/>
           </p:cNvSpPr>
@@ -7095,121 +7625,66 @@
         </p:nvSpPr>
         <p:spPr>
           <a:xfrm>
-            <a:off x="3124200" y="1219200"/>
-            <a:ext cx="5181600" cy="4724400"/>
-          </a:xfrm>
-          <a:solidFill>
-            <a:schemeClr val="bg1">
-              <a:alpha val="49000"/>
-            </a:schemeClr>
-          </a:solidFill>
-        </p:spPr>
-        <p:txBody>
-          <a:bodyPr>
-            <a:normAutofit/>
-          </a:bodyPr>
+            <a:off x="1401651" y="1839532"/>
+            <a:ext cx="6400800" cy="2743200"/>
+          </a:xfrm>
+          <a:gradFill>
+            <a:gsLst>
+              <a:gs pos="0">
+                <a:schemeClr val="accent1">
+                  <a:tint val="66000"/>
+                  <a:satMod val="160000"/>
+                  <a:alpha val="50000"/>
+                </a:schemeClr>
+              </a:gs>
+              <a:gs pos="50000">
+                <a:schemeClr val="accent1">
+                  <a:tint val="44500"/>
+                  <a:satMod val="160000"/>
+                  <a:alpha val="50000"/>
+                </a:schemeClr>
+              </a:gs>
+              <a:gs pos="100000">
+                <a:schemeClr val="accent1">
+                  <a:tint val="23500"/>
+                  <a:satMod val="160000"/>
+                  <a:alpha val="50000"/>
+                </a:schemeClr>
+              </a:gs>
+            </a:gsLst>
+            <a:lin ang="5400000" scaled="0"/>
+          </a:gradFill>
+        </p:spPr>
+        <p:txBody>
+          <a:bodyPr/>
           <a:lstStyle/>
           <a:p>
             <a:r>
-              <a:rPr lang="en-PH" dirty="0" smtClean="0"/>
-              <a:t>Reaction time-based </a:t>
-            </a:r>
-          </a:p>
-          <a:p>
-            <a:pPr lvl="1"/>
-            <a:r>
-              <a:rPr lang="en-PH" dirty="0" smtClean="0"/>
-              <a:t>Time limit to pick medicine for customer to buy</a:t>
-            </a:r>
-          </a:p>
-          <a:p>
-            <a:r>
-              <a:rPr lang="en-PH" dirty="0" smtClean="0"/>
-              <a:t>Upgrades &amp; </a:t>
-            </a:r>
-            <a:r>
-              <a:rPr lang="en-PH" dirty="0" err="1" smtClean="0"/>
-              <a:t>Powerups</a:t>
-            </a:r>
-            <a:endParaRPr lang="en-PH" dirty="0" smtClean="0"/>
-          </a:p>
-          <a:p>
-            <a:pPr lvl="1"/>
-            <a:r>
-              <a:rPr lang="en-PH" dirty="0" smtClean="0"/>
-              <a:t>More medicine to offer</a:t>
-            </a:r>
-          </a:p>
-          <a:p>
-            <a:pPr lvl="1"/>
-            <a:r>
-              <a:rPr lang="en-PH" dirty="0" smtClean="0"/>
-              <a:t>Medicine stocks</a:t>
-            </a:r>
-          </a:p>
-          <a:p>
-            <a:pPr lvl="1"/>
-            <a:r>
-              <a:rPr lang="en-PH" dirty="0" smtClean="0"/>
-              <a:t>Power-ups (slow time, double payment, etc.)</a:t>
-            </a:r>
-          </a:p>
-          <a:p>
-            <a:r>
-              <a:rPr lang="en-PH" dirty="0" smtClean="0"/>
-              <a:t>Endless level with time</a:t>
-            </a:r>
-            <a:endParaRPr lang="en-PH" dirty="0" smtClean="0"/>
-          </a:p>
-          <a:p>
-            <a:pPr lvl="1"/>
-            <a:r>
-              <a:rPr lang="en-PH" dirty="0" smtClean="0"/>
-              <a:t>60 seconds</a:t>
-            </a:r>
-            <a:endParaRPr lang="en-PH" dirty="0" smtClean="0"/>
-          </a:p>
-          <a:p>
-            <a:pPr lvl="1"/>
-            <a:r>
-              <a:rPr lang="en-PH" dirty="0" smtClean="0"/>
-              <a:t>Adds every 10</a:t>
-            </a:r>
-            <a:r>
-              <a:rPr lang="en-PH" baseline="30000" dirty="0" smtClean="0"/>
-              <a:t>th</a:t>
-            </a:r>
-            <a:r>
-              <a:rPr lang="en-PH" dirty="0" smtClean="0"/>
-              <a:t> interval of satisfied customers</a:t>
-            </a:r>
-            <a:endParaRPr lang="en-PH" dirty="0" smtClean="0"/>
-          </a:p>
-          <a:p>
-            <a:r>
-              <a:rPr lang="en-PH" dirty="0" smtClean="0"/>
-              <a:t>Money as score</a:t>
-            </a:r>
-          </a:p>
-          <a:p>
-            <a:pPr lvl="1"/>
-            <a:r>
-              <a:rPr lang="en-PH" dirty="0" smtClean="0"/>
-              <a:t>Earn as much as possible</a:t>
-            </a:r>
+              <a:rPr lang="en-PH" dirty="0" smtClean="0">
+                <a:solidFill>
+                  <a:schemeClr val="tx1"/>
+                </a:solidFill>
+              </a:rPr>
+              <a:t>We aim to sell this game to people who love to play reaction-time based games and also to the people who want to learn the basic information of what purpose each medicine can cure or treat certain diseases.</a:t>
+            </a:r>
+            <a:endParaRPr lang="en-PH" dirty="0">
+              <a:solidFill>
+                <a:srgbClr val="FFFF00"/>
+              </a:solidFill>
+            </a:endParaRPr>
           </a:p>
         </p:txBody>
       </p:sp>
       <p:pic>
         <p:nvPicPr>
-          <p:cNvPr id="3" name="Picture 2"/>
+          <p:cNvPr id="4" name="Picture 3"/>
           <p:cNvPicPr>
             <a:picLocks noChangeAspect="1"/>
           </p:cNvPicPr>
           <p:nvPr/>
         </p:nvPicPr>
         <p:blipFill>
-          <a:blip r:embed="rId2">
+          <a:blip r:embed="rId3" cstate="print">
             <a:extLst>
               <a:ext uri="{28A0092B-C50C-407E-A947-70E740481C1C}">
                 <a14:useLocalDpi xmlns:a14="http://schemas.microsoft.com/office/drawing/2010/main" val="0"/>
@@ -7222,8 +7697,8 @@
         </p:blipFill>
         <p:spPr>
           <a:xfrm>
-            <a:off x="-533400" y="2514600"/>
-            <a:ext cx="4824356" cy="4495800"/>
+            <a:off x="1676400" y="4613856"/>
+            <a:ext cx="4270257" cy="1807468"/>
           </a:xfrm>
           <a:prstGeom prst="rect">
             <a:avLst/>
@@ -7233,7 +7708,7 @@
     </p:spTree>
     <p:extLst>
       <p:ext uri="{BB962C8B-B14F-4D97-AF65-F5344CB8AC3E}">
-        <p14:creationId xmlns:p14="http://schemas.microsoft.com/office/powerpoint/2010/main" val="2931639991"/>
+        <p14:creationId xmlns:p14="http://schemas.microsoft.com/office/powerpoint/2010/main" val="3947612718"/>
       </p:ext>
     </p:extLst>
   </p:cSld>
@@ -7256,14 +7731,6 @@
 <file path=ppt/slides/slide5.xml><?xml version="1.0" encoding="utf-8"?>
 <p:sld xmlns:a="http://schemas.openxmlformats.org/drawingml/2006/main" xmlns:r="http://schemas.openxmlformats.org/officeDocument/2006/relationships" xmlns:p="http://schemas.openxmlformats.org/presentationml/2006/main">
   <p:cSld>
-    <p:bg>
-      <p:bgPr>
-        <a:solidFill>
-          <a:schemeClr val="bg1"/>
-        </a:solidFill>
-        <a:effectLst/>
-      </p:bgPr>
-    </p:bg>
     <p:spTree>
       <p:nvGrpSpPr>
         <p:cNvPr id="1" name=""/>
@@ -7280,7 +7747,7 @@
       </p:grpSpPr>
       <p:sp>
         <p:nvSpPr>
-          <p:cNvPr id="2" name="Title 1"/>
+          <p:cNvPr id="7" name="Title 6"/>
           <p:cNvSpPr>
             <a:spLocks noGrp="1"/>
           </p:cNvSpPr>
@@ -7290,7 +7757,7 @@
         </p:nvSpPr>
         <p:spPr>
           <a:xfrm>
-            <a:off x="979987" y="4953000"/>
+            <a:off x="304800" y="228600"/>
             <a:ext cx="6512511" cy="1143000"/>
           </a:xfrm>
         </p:spPr>
@@ -7300,24 +7767,136 @@
           <a:p>
             <a:r>
               <a:rPr lang="en-PH" dirty="0" smtClean="0"/>
-              <a:t>ABOUT THE TEAM (TEAM AVC)</a:t>
+              <a:t>FEATURES</a:t>
             </a:r>
             <a:endParaRPr lang="en-PH" dirty="0"/>
+          </a:p>
+        </p:txBody>
+      </p:sp>
+      <p:sp>
+        <p:nvSpPr>
+          <p:cNvPr id="8" name="Content Placeholder 7"/>
+          <p:cNvSpPr>
+            <a:spLocks noGrp="1"/>
+          </p:cNvSpPr>
+          <p:nvPr>
+            <p:ph idx="1"/>
+          </p:nvPr>
+        </p:nvSpPr>
+        <p:spPr>
+          <a:xfrm>
+            <a:off x="3523492" y="1524000"/>
+            <a:ext cx="5181600" cy="4724400"/>
+          </a:xfrm>
+          <a:solidFill>
+            <a:schemeClr val="bg1">
+              <a:alpha val="49000"/>
+            </a:schemeClr>
+          </a:solidFill>
+        </p:spPr>
+        <p:txBody>
+          <a:bodyPr>
+            <a:normAutofit fontScale="92500"/>
+          </a:bodyPr>
+          <a:lstStyle/>
+          <a:p>
+            <a:r>
+              <a:rPr lang="en-PH" dirty="0" smtClean="0"/>
+              <a:t>Reaction time-based </a:t>
+            </a:r>
+          </a:p>
+          <a:p>
+            <a:pPr lvl="1"/>
+            <a:r>
+              <a:rPr lang="en-PH" dirty="0" smtClean="0"/>
+              <a:t>Time limit to pick medicine for customer to buy</a:t>
+            </a:r>
+          </a:p>
+          <a:p>
+            <a:r>
+              <a:rPr lang="en-PH" dirty="0" smtClean="0"/>
+              <a:t>Upgrades &amp; </a:t>
+            </a:r>
+            <a:r>
+              <a:rPr lang="en-PH" dirty="0" err="1" smtClean="0"/>
+              <a:t>Powerups</a:t>
+            </a:r>
+            <a:endParaRPr lang="en-PH" dirty="0" smtClean="0"/>
+          </a:p>
+          <a:p>
+            <a:pPr lvl="1"/>
+            <a:r>
+              <a:rPr lang="en-PH" dirty="0" smtClean="0"/>
+              <a:t>More medicine to offer</a:t>
+            </a:r>
+          </a:p>
+          <a:p>
+            <a:pPr lvl="1"/>
+            <a:r>
+              <a:rPr lang="en-PH" dirty="0" smtClean="0"/>
+              <a:t>Medicine stocks</a:t>
+            </a:r>
+          </a:p>
+          <a:p>
+            <a:pPr lvl="1"/>
+            <a:r>
+              <a:rPr lang="en-PH" dirty="0" smtClean="0"/>
+              <a:t>Power-ups (slow time, double payment, etc.)</a:t>
+            </a:r>
+          </a:p>
+          <a:p>
+            <a:r>
+              <a:rPr lang="en-PH" dirty="0" smtClean="0"/>
+              <a:t>Endless level with time</a:t>
+            </a:r>
+          </a:p>
+          <a:p>
+            <a:pPr lvl="1"/>
+            <a:r>
+              <a:rPr lang="en-PH" dirty="0" smtClean="0"/>
+              <a:t>60 seconds</a:t>
+            </a:r>
+          </a:p>
+          <a:p>
+            <a:pPr lvl="1"/>
+            <a:r>
+              <a:rPr lang="en-PH" dirty="0" smtClean="0"/>
+              <a:t>Adds every 10</a:t>
+            </a:r>
+            <a:r>
+              <a:rPr lang="en-PH" baseline="30000" dirty="0" smtClean="0"/>
+              <a:t>th</a:t>
+            </a:r>
+            <a:r>
+              <a:rPr lang="en-PH" dirty="0" smtClean="0"/>
+              <a:t> interval of satisfied customers</a:t>
+            </a:r>
+          </a:p>
+          <a:p>
+            <a:r>
+              <a:rPr lang="en-PH" dirty="0" smtClean="0"/>
+              <a:t>Money as score</a:t>
+            </a:r>
+          </a:p>
+          <a:p>
+            <a:pPr lvl="1"/>
+            <a:r>
+              <a:rPr lang="en-PH" dirty="0" smtClean="0"/>
+              <a:t>Earn as much as possible</a:t>
+            </a:r>
           </a:p>
         </p:txBody>
       </p:sp>
       <p:pic>
         <p:nvPicPr>
-          <p:cNvPr id="5" name="Content Placeholder 4"/>
+          <p:cNvPr id="3" name="Picture 2"/>
           <p:cNvPicPr>
-            <a:picLocks noGrp="1" noChangeAspect="1"/>
+            <a:picLocks noChangeAspect="1"/>
           </p:cNvPicPr>
-          <p:nvPr>
-            <p:ph idx="1"/>
-          </p:nvPr>
+          <p:nvPr/>
         </p:nvPicPr>
         <p:blipFill>
-          <a:blip r:embed="rId2" cstate="print">
+          <a:blip r:embed="rId2">
             <a:extLst>
               <a:ext uri="{28A0092B-C50C-407E-A947-70E740481C1C}">
                 <a14:useLocalDpi xmlns:a14="http://schemas.microsoft.com/office/drawing/2010/main" val="0"/>
@@ -7329,365 +7908,19 @@
           </a:stretch>
         </p:blipFill>
         <p:spPr>
-          <a:xfrm rot="5400000">
-            <a:off x="716359" y="1036241"/>
-            <a:ext cx="4022725" cy="3017043"/>
+          <a:xfrm>
+            <a:off x="-697678" y="1905000"/>
+            <a:ext cx="4824356" cy="4495800"/>
           </a:xfrm>
           <a:prstGeom prst="rect">
             <a:avLst/>
           </a:prstGeom>
-          <a:ln>
-            <a:noFill/>
-          </a:ln>
-          <a:effectLst>
-            <a:outerShdw blurRad="190500" algn="tl" rotWithShape="0">
-              <a:srgbClr val="000000">
-                <a:alpha val="70000"/>
-              </a:srgbClr>
-            </a:outerShdw>
-          </a:effectLst>
         </p:spPr>
       </p:pic>
-      <p:sp>
-        <p:nvSpPr>
-          <p:cNvPr id="6" name="Content Placeholder 7"/>
-          <p:cNvSpPr txBox="1">
-            <a:spLocks/>
-          </p:cNvSpPr>
-          <p:nvPr/>
-        </p:nvSpPr>
-        <p:spPr>
-          <a:xfrm>
-            <a:off x="4343400" y="501203"/>
-            <a:ext cx="3505200" cy="4054922"/>
-          </a:xfrm>
-          <a:prstGeom prst="rect">
-            <a:avLst/>
-          </a:prstGeom>
-          <a:solidFill>
-            <a:schemeClr val="bg1">
-              <a:alpha val="49000"/>
-            </a:schemeClr>
-          </a:solidFill>
-        </p:spPr>
-        <p:txBody>
-          <a:bodyPr vert="horz" lIns="91440" tIns="45720" rIns="91440" bIns="45720" rtlCol="0">
-            <a:normAutofit fontScale="92500" lnSpcReduction="10000"/>
-          </a:bodyPr>
-          <a:lstStyle>
-            <a:lvl1pPr marL="342900" indent="-342900" algn="l" defTabSz="457200" rtl="0" eaLnBrk="1" latinLnBrk="0" hangingPunct="1">
-              <a:spcBef>
-                <a:spcPts val="1000"/>
-              </a:spcBef>
-              <a:spcAft>
-                <a:spcPts val="0"/>
-              </a:spcAft>
-              <a:buClr>
-                <a:schemeClr val="accent1"/>
-              </a:buClr>
-              <a:buSzPct val="80000"/>
-              <a:buFont typeface="Wingdings 3" charset="2"/>
-              <a:buChar char=""/>
-              <a:defRPr sz="1800" kern="1200">
-                <a:solidFill>
-                  <a:schemeClr val="tx1">
-                    <a:lumMod val="75000"/>
-                    <a:lumOff val="25000"/>
-                  </a:schemeClr>
-                </a:solidFill>
-                <a:latin typeface="+mn-lt"/>
-                <a:ea typeface="+mn-ea"/>
-                <a:cs typeface="+mn-cs"/>
-              </a:defRPr>
-            </a:lvl1pPr>
-            <a:lvl2pPr marL="742950" indent="-285750" algn="l" defTabSz="457200" rtl="0" eaLnBrk="1" latinLnBrk="0" hangingPunct="1">
-              <a:spcBef>
-                <a:spcPts val="1000"/>
-              </a:spcBef>
-              <a:spcAft>
-                <a:spcPts val="0"/>
-              </a:spcAft>
-              <a:buClr>
-                <a:schemeClr val="accent1"/>
-              </a:buClr>
-              <a:buSzPct val="80000"/>
-              <a:buFont typeface="Wingdings 3" charset="2"/>
-              <a:buChar char=""/>
-              <a:defRPr sz="1600" kern="1200">
-                <a:solidFill>
-                  <a:schemeClr val="tx1">
-                    <a:lumMod val="75000"/>
-                    <a:lumOff val="25000"/>
-                  </a:schemeClr>
-                </a:solidFill>
-                <a:latin typeface="+mn-lt"/>
-                <a:ea typeface="+mn-ea"/>
-                <a:cs typeface="+mn-cs"/>
-              </a:defRPr>
-            </a:lvl2pPr>
-            <a:lvl3pPr marL="1143000" indent="-228600" algn="l" defTabSz="457200" rtl="0" eaLnBrk="1" latinLnBrk="0" hangingPunct="1">
-              <a:spcBef>
-                <a:spcPts val="1000"/>
-              </a:spcBef>
-              <a:spcAft>
-                <a:spcPts val="0"/>
-              </a:spcAft>
-              <a:buClr>
-                <a:schemeClr val="accent1"/>
-              </a:buClr>
-              <a:buSzPct val="80000"/>
-              <a:buFont typeface="Wingdings 3" charset="2"/>
-              <a:buChar char=""/>
-              <a:defRPr sz="1400" kern="1200">
-                <a:solidFill>
-                  <a:schemeClr val="tx1">
-                    <a:lumMod val="75000"/>
-                    <a:lumOff val="25000"/>
-                  </a:schemeClr>
-                </a:solidFill>
-                <a:latin typeface="+mn-lt"/>
-                <a:ea typeface="+mn-ea"/>
-                <a:cs typeface="+mn-cs"/>
-              </a:defRPr>
-            </a:lvl3pPr>
-            <a:lvl4pPr marL="1600200" indent="-228600" algn="l" defTabSz="457200" rtl="0" eaLnBrk="1" latinLnBrk="0" hangingPunct="1">
-              <a:spcBef>
-                <a:spcPts val="1000"/>
-              </a:spcBef>
-              <a:spcAft>
-                <a:spcPts val="0"/>
-              </a:spcAft>
-              <a:buClr>
-                <a:schemeClr val="accent1"/>
-              </a:buClr>
-              <a:buSzPct val="80000"/>
-              <a:buFont typeface="Wingdings 3" charset="2"/>
-              <a:buChar char=""/>
-              <a:defRPr sz="1200" kern="1200">
-                <a:solidFill>
-                  <a:schemeClr val="tx1">
-                    <a:lumMod val="75000"/>
-                    <a:lumOff val="25000"/>
-                  </a:schemeClr>
-                </a:solidFill>
-                <a:latin typeface="+mn-lt"/>
-                <a:ea typeface="+mn-ea"/>
-                <a:cs typeface="+mn-cs"/>
-              </a:defRPr>
-            </a:lvl4pPr>
-            <a:lvl5pPr marL="2057400" indent="-228600" algn="l" defTabSz="457200" rtl="0" eaLnBrk="1" latinLnBrk="0" hangingPunct="1">
-              <a:spcBef>
-                <a:spcPts val="1000"/>
-              </a:spcBef>
-              <a:spcAft>
-                <a:spcPts val="0"/>
-              </a:spcAft>
-              <a:buClr>
-                <a:schemeClr val="accent1"/>
-              </a:buClr>
-              <a:buSzPct val="80000"/>
-              <a:buFont typeface="Wingdings 3" charset="2"/>
-              <a:buChar char=""/>
-              <a:defRPr sz="1200" kern="1200">
-                <a:solidFill>
-                  <a:schemeClr val="tx1">
-                    <a:lumMod val="75000"/>
-                    <a:lumOff val="25000"/>
-                  </a:schemeClr>
-                </a:solidFill>
-                <a:latin typeface="+mn-lt"/>
-                <a:ea typeface="+mn-ea"/>
-                <a:cs typeface="+mn-cs"/>
-              </a:defRPr>
-            </a:lvl5pPr>
-            <a:lvl6pPr marL="2514600" indent="-228600" algn="l" defTabSz="457200" rtl="0" eaLnBrk="1" latinLnBrk="0" hangingPunct="1">
-              <a:spcBef>
-                <a:spcPts val="1000"/>
-              </a:spcBef>
-              <a:spcAft>
-                <a:spcPts val="0"/>
-              </a:spcAft>
-              <a:buClr>
-                <a:schemeClr val="accent1"/>
-              </a:buClr>
-              <a:buSzPct val="80000"/>
-              <a:buFont typeface="Wingdings 3" charset="2"/>
-              <a:buChar char=""/>
-              <a:defRPr sz="1200" kern="1200">
-                <a:solidFill>
-                  <a:schemeClr val="tx1">
-                    <a:lumMod val="75000"/>
-                    <a:lumOff val="25000"/>
-                  </a:schemeClr>
-                </a:solidFill>
-                <a:latin typeface="+mn-lt"/>
-                <a:ea typeface="+mn-ea"/>
-                <a:cs typeface="+mn-cs"/>
-              </a:defRPr>
-            </a:lvl6pPr>
-            <a:lvl7pPr marL="2971800" indent="-228600" algn="l" defTabSz="457200" rtl="0" eaLnBrk="1" latinLnBrk="0" hangingPunct="1">
-              <a:spcBef>
-                <a:spcPts val="1000"/>
-              </a:spcBef>
-              <a:spcAft>
-                <a:spcPts val="0"/>
-              </a:spcAft>
-              <a:buClr>
-                <a:schemeClr val="accent1"/>
-              </a:buClr>
-              <a:buSzPct val="80000"/>
-              <a:buFont typeface="Wingdings 3" charset="2"/>
-              <a:buChar char=""/>
-              <a:defRPr sz="1200" kern="1200">
-                <a:solidFill>
-                  <a:schemeClr val="tx1">
-                    <a:lumMod val="75000"/>
-                    <a:lumOff val="25000"/>
-                  </a:schemeClr>
-                </a:solidFill>
-                <a:latin typeface="+mn-lt"/>
-                <a:ea typeface="+mn-ea"/>
-                <a:cs typeface="+mn-cs"/>
-              </a:defRPr>
-            </a:lvl7pPr>
-            <a:lvl8pPr marL="3429000" indent="-228600" algn="l" defTabSz="457200" rtl="0" eaLnBrk="1" latinLnBrk="0" hangingPunct="1">
-              <a:spcBef>
-                <a:spcPts val="1000"/>
-              </a:spcBef>
-              <a:spcAft>
-                <a:spcPts val="0"/>
-              </a:spcAft>
-              <a:buClr>
-                <a:schemeClr val="accent1"/>
-              </a:buClr>
-              <a:buSzPct val="80000"/>
-              <a:buFont typeface="Wingdings 3" charset="2"/>
-              <a:buChar char=""/>
-              <a:defRPr sz="1200" kern="1200">
-                <a:solidFill>
-                  <a:schemeClr val="tx1">
-                    <a:lumMod val="75000"/>
-                    <a:lumOff val="25000"/>
-                  </a:schemeClr>
-                </a:solidFill>
-                <a:latin typeface="+mn-lt"/>
-                <a:ea typeface="+mn-ea"/>
-                <a:cs typeface="+mn-cs"/>
-              </a:defRPr>
-            </a:lvl8pPr>
-            <a:lvl9pPr marL="3886200" indent="-228600" algn="l" defTabSz="457200" rtl="0" eaLnBrk="1" latinLnBrk="0" hangingPunct="1">
-              <a:spcBef>
-                <a:spcPts val="1000"/>
-              </a:spcBef>
-              <a:spcAft>
-                <a:spcPts val="0"/>
-              </a:spcAft>
-              <a:buClr>
-                <a:schemeClr val="accent1"/>
-              </a:buClr>
-              <a:buSzPct val="80000"/>
-              <a:buFont typeface="Wingdings 3" charset="2"/>
-              <a:buChar char=""/>
-              <a:defRPr sz="1200" kern="1200">
-                <a:solidFill>
-                  <a:schemeClr val="tx1">
-                    <a:lumMod val="75000"/>
-                    <a:lumOff val="25000"/>
-                  </a:schemeClr>
-                </a:solidFill>
-                <a:latin typeface="+mn-lt"/>
-                <a:ea typeface="+mn-ea"/>
-                <a:cs typeface="+mn-cs"/>
-              </a:defRPr>
-            </a:lvl9pPr>
-          </a:lstStyle>
-          <a:p>
-            <a:r>
-              <a:rPr lang="en-PH" dirty="0" smtClean="0"/>
-              <a:t>Adam Reyes (left)</a:t>
-            </a:r>
-          </a:p>
-          <a:p>
-            <a:pPr lvl="1"/>
-            <a:r>
-              <a:rPr lang="en-PH" dirty="0" smtClean="0"/>
-              <a:t>Team Leader</a:t>
-            </a:r>
-          </a:p>
-          <a:p>
-            <a:pPr lvl="1"/>
-            <a:r>
-              <a:rPr lang="en-PH" dirty="0" smtClean="0"/>
-              <a:t>Lead Designer</a:t>
-            </a:r>
-          </a:p>
-          <a:p>
-            <a:pPr lvl="1"/>
-            <a:r>
-              <a:rPr lang="en-PH" dirty="0" smtClean="0"/>
-              <a:t>Programmer</a:t>
-            </a:r>
-          </a:p>
-          <a:p>
-            <a:r>
-              <a:rPr lang="en-PH" dirty="0" smtClean="0"/>
-              <a:t>Vince Belleza (middle)</a:t>
-            </a:r>
-          </a:p>
-          <a:p>
-            <a:pPr lvl="1"/>
-            <a:r>
-              <a:rPr lang="en-PH" dirty="0" smtClean="0"/>
-              <a:t>Lead Programmer</a:t>
-            </a:r>
-          </a:p>
-          <a:p>
-            <a:pPr lvl="1"/>
-            <a:r>
-              <a:rPr lang="en-PH" dirty="0" smtClean="0"/>
-              <a:t>Level Designer</a:t>
-            </a:r>
-          </a:p>
-          <a:p>
-            <a:pPr lvl="1"/>
-            <a:r>
-              <a:rPr lang="en-PH" dirty="0" smtClean="0"/>
-              <a:t>Lead Documentation</a:t>
-            </a:r>
-          </a:p>
-          <a:p>
-            <a:r>
-              <a:rPr lang="en-PH" dirty="0" smtClean="0"/>
-              <a:t>Cheska Espinola (right)</a:t>
-            </a:r>
-          </a:p>
-          <a:p>
-            <a:pPr lvl="1"/>
-            <a:r>
-              <a:rPr lang="en-PH" dirty="0" smtClean="0"/>
-              <a:t>Game Artist</a:t>
-            </a:r>
-          </a:p>
-          <a:p>
-            <a:pPr lvl="1"/>
-            <a:r>
-              <a:rPr lang="en-PH" dirty="0" smtClean="0"/>
-              <a:t>Programmer</a:t>
-            </a:r>
-          </a:p>
-          <a:p>
-            <a:pPr lvl="1"/>
-            <a:r>
-              <a:rPr lang="en-PH" dirty="0" smtClean="0"/>
-              <a:t>Documentation</a:t>
-            </a:r>
-          </a:p>
-        </p:txBody>
-      </p:sp>
     </p:spTree>
     <p:extLst>
       <p:ext uri="{BB962C8B-B14F-4D97-AF65-F5344CB8AC3E}">
-        <p14:creationId xmlns:p14="http://schemas.microsoft.com/office/powerpoint/2010/main" val="1503469068"/>
+        <p14:creationId xmlns:p14="http://schemas.microsoft.com/office/powerpoint/2010/main" val="2931639991"/>
       </p:ext>
     </p:extLst>
   </p:cSld>
@@ -7772,6 +8005,60 @@
           </a:p>
         </p:txBody>
       </p:sp>
+      <p:sp>
+        <p:nvSpPr>
+          <p:cNvPr id="5" name="Content Placeholder 2"/>
+          <p:cNvSpPr>
+            <a:spLocks noGrp="1"/>
+          </p:cNvSpPr>
+          <p:nvPr>
+            <p:ph idx="1"/>
+          </p:nvPr>
+        </p:nvSpPr>
+        <p:spPr>
+          <a:xfrm>
+            <a:off x="762000" y="4343400"/>
+            <a:ext cx="6347714" cy="1621763"/>
+          </a:xfrm>
+        </p:spPr>
+        <p:txBody>
+          <a:bodyPr>
+            <a:normAutofit lnSpcReduction="10000"/>
+          </a:bodyPr>
+          <a:lstStyle/>
+          <a:p>
+            <a:r>
+              <a:rPr lang="en-PH" dirty="0" smtClean="0"/>
+              <a:t>Diner Dash</a:t>
+            </a:r>
+          </a:p>
+          <a:p>
+            <a:pPr lvl="1"/>
+            <a:r>
+              <a:rPr lang="en-PH" dirty="0" smtClean="0"/>
+              <a:t>Casual gameplay</a:t>
+            </a:r>
+          </a:p>
+          <a:p>
+            <a:pPr lvl="1"/>
+            <a:r>
+              <a:rPr lang="en-PH" dirty="0" smtClean="0"/>
+              <a:t>Tap to assist customers</a:t>
+            </a:r>
+          </a:p>
+          <a:p>
+            <a:pPr lvl="1"/>
+            <a:r>
+              <a:rPr lang="en-PH" dirty="0" smtClean="0"/>
+              <a:t>Shop for upgrades for better restaurant</a:t>
+            </a:r>
+          </a:p>
+          <a:p>
+            <a:pPr lvl="1"/>
+            <a:endParaRPr lang="en-PH" dirty="0"/>
+          </a:p>
+        </p:txBody>
+      </p:sp>
       <p:pic>
         <p:nvPicPr>
           <p:cNvPr id="1026" name="Picture 2" descr="http://www.pixelperfectgaming.com/wp-content/uploads/2012/10/Diner_Dash_Kindle_Fire_Logo.jpg"/>
@@ -7813,58 +8100,6 @@
           </a:extLst>
         </p:spPr>
       </p:pic>
-      <p:sp>
-        <p:nvSpPr>
-          <p:cNvPr id="5" name="Content Placeholder 2"/>
-          <p:cNvSpPr>
-            <a:spLocks noGrp="1"/>
-          </p:cNvSpPr>
-          <p:nvPr>
-            <p:ph idx="1"/>
-          </p:nvPr>
-        </p:nvSpPr>
-        <p:spPr>
-          <a:xfrm>
-            <a:off x="762000" y="4343400"/>
-            <a:ext cx="6347714" cy="1621763"/>
-          </a:xfrm>
-        </p:spPr>
-        <p:txBody>
-          <a:bodyPr/>
-          <a:lstStyle/>
-          <a:p>
-            <a:r>
-              <a:rPr lang="en-PH" dirty="0" smtClean="0"/>
-              <a:t>Diner Dash</a:t>
-            </a:r>
-          </a:p>
-          <a:p>
-            <a:pPr lvl="1"/>
-            <a:r>
-              <a:rPr lang="en-PH" dirty="0" smtClean="0"/>
-              <a:t>Casual gameplay</a:t>
-            </a:r>
-          </a:p>
-          <a:p>
-            <a:pPr lvl="1"/>
-            <a:r>
-              <a:rPr lang="en-PH" dirty="0" smtClean="0"/>
-              <a:t>Tap to assist customers</a:t>
-            </a:r>
-          </a:p>
-          <a:p>
-            <a:pPr lvl="1"/>
-            <a:r>
-              <a:rPr lang="en-PH" dirty="0" smtClean="0"/>
-              <a:t>Shop for upgrades for better restaurant</a:t>
-            </a:r>
-          </a:p>
-          <a:p>
-            <a:pPr lvl="1"/>
-            <a:endParaRPr lang="en-PH" dirty="0"/>
-          </a:p>
-        </p:txBody>
-      </p:sp>
     </p:spTree>
     <p:extLst>
       <p:ext uri="{BB962C8B-B14F-4D97-AF65-F5344CB8AC3E}">
@@ -7949,13 +8184,13 @@
             <a:spLocks noGrp="1"/>
           </p:cNvSpPr>
           <p:nvPr>
-            <p:ph type="title"/>
+            <p:ph type="title" idx="4294967295"/>
           </p:nvPr>
         </p:nvSpPr>
         <p:spPr>
           <a:xfrm>
-            <a:off x="990600" y="609600"/>
-            <a:ext cx="5064711" cy="1143000"/>
+            <a:off x="0" y="298450"/>
+            <a:ext cx="5065713" cy="1143000"/>
           </a:xfrm>
         </p:spPr>
         <p:txBody>
@@ -7977,13 +8212,13 @@
             <a:spLocks noGrp="1"/>
           </p:cNvSpPr>
           <p:nvPr>
-            <p:ph type="body" idx="1"/>
+            <p:ph type="body" idx="4294967295"/>
           </p:nvPr>
         </p:nvSpPr>
         <p:spPr>
           <a:xfrm>
-            <a:off x="386152" y="2054092"/>
-            <a:ext cx="2187834" cy="576262"/>
+            <a:off x="299818" y="2054092"/>
+            <a:ext cx="2290982" cy="576263"/>
           </a:xfrm>
         </p:spPr>
         <p:style>
@@ -8003,14 +8238,16 @@
           </a:fontRef>
         </p:style>
         <p:txBody>
-          <a:bodyPr/>
+          <a:bodyPr>
+            <a:normAutofit fontScale="92500"/>
+          </a:bodyPr>
           <a:lstStyle/>
           <a:p>
             <a:r>
-              <a:rPr lang="en-PH" dirty="0" smtClean="0"/>
+              <a:rPr lang="en-PH" sz="2000" dirty="0" smtClean="0"/>
               <a:t>APOTHECARY</a:t>
             </a:r>
-            <a:endParaRPr lang="en-PH" dirty="0"/>
+            <a:endParaRPr lang="en-PH" sz="2000" dirty="0"/>
           </a:p>
         </p:txBody>
       </p:sp>
@@ -8021,13 +8258,13 @@
             <a:spLocks noGrp="1"/>
           </p:cNvSpPr>
           <p:nvPr>
-            <p:ph sz="half" idx="2"/>
+            <p:ph sz="half" idx="4294967295"/>
           </p:nvPr>
         </p:nvSpPr>
         <p:spPr>
           <a:xfrm>
-            <a:off x="210070" y="2747352"/>
-            <a:ext cx="2539999" cy="2662847"/>
+            <a:off x="269767" y="2747963"/>
+            <a:ext cx="2540000" cy="2662237"/>
           </a:xfrm>
         </p:spPr>
         <p:style>
@@ -8045,7 +8282,9 @@
           </a:fontRef>
         </p:style>
         <p:txBody>
-          <a:bodyPr/>
+          <a:bodyPr>
+            <a:normAutofit fontScale="92500" lnSpcReduction="10000"/>
+          </a:bodyPr>
           <a:lstStyle/>
           <a:p>
             <a:r>
@@ -8068,13 +8307,23 @@
           <a:p>
             <a:r>
               <a:rPr lang="en-PH" dirty="0" smtClean="0"/>
-              <a:t>Reaction time dependent</a:t>
-            </a:r>
-          </a:p>
-          <a:p>
+              <a:t>Reaction </a:t>
+            </a:r>
+            <a:r>
+              <a:rPr lang="en-PH" dirty="0" smtClean="0"/>
+              <a:t>time &amp; knowledge dependent</a:t>
+            </a:r>
+          </a:p>
+          <a:p>
+            <a:pPr marL="36900" indent="0">
+              <a:buNone/>
+            </a:pPr>
             <a:endParaRPr lang="en-PH" dirty="0" smtClean="0"/>
           </a:p>
           <a:p>
+            <a:endParaRPr lang="en-PH" dirty="0" smtClean="0"/>
+          </a:p>
+          <a:p>
             <a:endParaRPr lang="en-PH" dirty="0"/>
           </a:p>
         </p:txBody>
@@ -8086,13 +8335,13 @@
             <a:spLocks noGrp="1"/>
           </p:cNvSpPr>
           <p:nvPr>
-            <p:ph type="body" sz="quarter" idx="3"/>
+            <p:ph type="body" sz="quarter" idx="4294967295"/>
           </p:nvPr>
         </p:nvSpPr>
         <p:spPr>
           <a:xfrm>
-            <a:off x="6019800" y="2054092"/>
-            <a:ext cx="1905000" cy="576262"/>
+            <a:off x="6173301" y="2054092"/>
+            <a:ext cx="2440519" cy="576263"/>
           </a:xfrm>
         </p:spPr>
         <p:style>
@@ -8112,14 +8361,16 @@
           </a:fontRef>
         </p:style>
         <p:txBody>
-          <a:bodyPr/>
+          <a:bodyPr>
+            <a:normAutofit/>
+          </a:bodyPr>
           <a:lstStyle/>
           <a:p>
             <a:r>
-              <a:rPr lang="en-PH" dirty="0" smtClean="0"/>
+              <a:rPr lang="en-PH" sz="2000" dirty="0" smtClean="0"/>
               <a:t>DINER DASH</a:t>
             </a:r>
-            <a:endParaRPr lang="en-PH" dirty="0"/>
+            <a:endParaRPr lang="en-PH" sz="2000" dirty="0"/>
           </a:p>
         </p:txBody>
       </p:sp>
@@ -8130,13 +8381,13 @@
             <a:spLocks noGrp="1"/>
           </p:cNvSpPr>
           <p:nvPr>
-            <p:ph sz="quarter" idx="4"/>
+            <p:ph sz="quarter" idx="4294967295"/>
           </p:nvPr>
         </p:nvSpPr>
         <p:spPr>
           <a:xfrm>
-            <a:off x="5638800" y="2747354"/>
-            <a:ext cx="2667000" cy="2662846"/>
+            <a:off x="5943600" y="2747963"/>
+            <a:ext cx="2667000" cy="2662237"/>
           </a:xfrm>
         </p:spPr>
         <p:style>
@@ -8171,7 +8422,17 @@
           <a:p>
             <a:r>
               <a:rPr lang="en-PH" dirty="0" smtClean="0"/>
-              <a:t>Better restaurants</a:t>
+              <a:t>Better </a:t>
+            </a:r>
+            <a:r>
+              <a:rPr lang="en-PH" dirty="0" smtClean="0"/>
+              <a:t>restaurants</a:t>
+            </a:r>
+          </a:p>
+          <a:p>
+            <a:r>
+              <a:rPr lang="en-PH" dirty="0" smtClean="0"/>
+              <a:t>Level-based</a:t>
             </a:r>
             <a:endParaRPr lang="en-PH" dirty="0"/>
           </a:p>
@@ -8187,7 +8448,7 @@
         </p:nvSpPr>
         <p:spPr>
           <a:xfrm>
-            <a:off x="2895600" y="2747353"/>
+            <a:off x="3083215" y="2747353"/>
             <a:ext cx="2597669" cy="2662847"/>
           </a:xfrm>
           <a:prstGeom prst="rect">
@@ -8441,27 +8702,69 @@
           </a:lstStyle>
           <a:p>
             <a:r>
-              <a:rPr lang="en-PH" dirty="0" smtClean="0"/>
-              <a:t>Challenged by time</a:t>
-            </a:r>
-          </a:p>
-          <a:p>
-            <a:r>
-              <a:rPr lang="en-PH" dirty="0" smtClean="0"/>
-              <a:t>Level system</a:t>
-            </a:r>
-          </a:p>
-          <a:p>
-            <a:r>
-              <a:rPr lang="en-PH" dirty="0" smtClean="0"/>
-              <a:t>To gather as much money as possible</a:t>
-            </a:r>
-          </a:p>
-          <a:p>
-            <a:r>
-              <a:rPr lang="en-PH" dirty="0" smtClean="0"/>
-              <a:t>Shift at work</a:t>
-            </a:r>
+              <a:rPr lang="en-PH" dirty="0" smtClean="0">
+                <a:solidFill>
+                  <a:schemeClr val="bg1"/>
+                </a:solidFill>
+              </a:rPr>
+              <a:t>Challenged by </a:t>
+            </a:r>
+            <a:r>
+              <a:rPr lang="en-PH" dirty="0" smtClean="0">
+                <a:solidFill>
+                  <a:schemeClr val="bg1"/>
+                </a:solidFill>
+              </a:rPr>
+              <a:t>time</a:t>
+            </a:r>
+            <a:endParaRPr lang="en-PH" dirty="0" smtClean="0">
+              <a:solidFill>
+                <a:schemeClr val="bg1"/>
+              </a:solidFill>
+            </a:endParaRPr>
+          </a:p>
+          <a:p>
+            <a:r>
+              <a:rPr lang="en-PH" dirty="0" smtClean="0">
+                <a:solidFill>
+                  <a:schemeClr val="bg1"/>
+                </a:solidFill>
+              </a:rPr>
+              <a:t>To gather as much money as </a:t>
+            </a:r>
+            <a:r>
+              <a:rPr lang="en-PH" dirty="0" smtClean="0">
+                <a:solidFill>
+                  <a:schemeClr val="bg1"/>
+                </a:solidFill>
+              </a:rPr>
+              <a:t>possible</a:t>
+            </a:r>
+          </a:p>
+          <a:p>
+            <a:r>
+              <a:rPr lang="en-PH" dirty="0" smtClean="0">
+                <a:solidFill>
+                  <a:schemeClr val="bg1"/>
+                </a:solidFill>
+              </a:rPr>
+              <a:t>Timer</a:t>
+            </a:r>
+            <a:endParaRPr lang="en-PH" dirty="0" smtClean="0">
+              <a:solidFill>
+                <a:schemeClr val="bg1"/>
+              </a:solidFill>
+            </a:endParaRPr>
+          </a:p>
+          <a:p>
+            <a:pPr marL="0" indent="0">
+              <a:buNone/>
+            </a:pPr>
+            <a:endParaRPr lang="en-PH" dirty="0" smtClean="0">
+              <a:solidFill>
+                <a:schemeClr val="bg1"/>
+              </a:solidFill>
+            </a:endParaRPr>
           </a:p>
           <a:p>
             <a:endParaRPr lang="en-PH" dirty="0"/>
@@ -8478,8 +8781,8 @@
         </p:nvSpPr>
         <p:spPr>
           <a:xfrm>
-            <a:off x="3299703" y="2054092"/>
-            <a:ext cx="1729497" cy="576262"/>
+            <a:off x="3479202" y="2054092"/>
+            <a:ext cx="1805697" cy="576262"/>
           </a:xfrm>
           <a:prstGeom prst="rect">
             <a:avLst/>
@@ -8732,7 +9035,15 @@
           </a:lstStyle>
           <a:p>
             <a:r>
-              <a:rPr lang="en-PH" dirty="0" smtClean="0"/>
+              <a:rPr lang="en-PH" dirty="0" err="1" smtClean="0"/>
+              <a:t>s</a:t>
+            </a:r>
+            <a:r>
+              <a:rPr lang="en-PH" dirty="0" err="1" smtClean="0">
+                <a:solidFill>
+                  <a:schemeClr val="bg1"/>
+                </a:solidFill>
+              </a:rPr>
               <a:t>Similarities</a:t>
             </a:r>
             <a:endParaRPr lang="en-PH" dirty="0"/>
@@ -8940,14 +9251,19 @@
             <p:ph type="title"/>
           </p:nvPr>
         </p:nvSpPr>
-        <p:spPr/>
+        <p:spPr>
+          <a:xfrm>
+            <a:off x="381000" y="506081"/>
+            <a:ext cx="8340020" cy="1143000"/>
+          </a:xfrm>
+        </p:spPr>
         <p:txBody>
           <a:bodyPr/>
           <a:lstStyle/>
           <a:p>
             <a:r>
               <a:rPr lang="en-PH" dirty="0" smtClean="0"/>
-              <a:t>SOURCES</a:t>
+              <a:t>MILESTONES</a:t>
             </a:r>
             <a:endParaRPr lang="en-PH" dirty="0"/>
           </a:p>
@@ -8963,103 +9279,15 @@
             <p:ph idx="1"/>
           </p:nvPr>
         </p:nvSpPr>
-        <p:spPr/>
-        <p:txBody>
-          <a:bodyPr numCol="1"/>
+        <p:spPr>
+          <a:xfrm>
+            <a:off x="685800" y="1828800"/>
+            <a:ext cx="7620000" cy="4038600"/>
+          </a:xfrm>
+        </p:spPr>
+        <p:txBody>
+          <a:bodyPr/>
           <a:lstStyle/>
-          <a:p>
-            <a:r>
-              <a:rPr lang="en-PH" dirty="0">
-                <a:hlinkClick r:id="rId2"/>
-              </a:rPr>
-              <a:t>http://pixelperfectgaming.com/2012/10/29/diner-dash-now-available-for-kindle-fire</a:t>
-            </a:r>
-            <a:r>
-              <a:rPr lang="en-PH" dirty="0" smtClean="0">
-                <a:hlinkClick r:id="rId2"/>
-              </a:rPr>
-              <a:t>/</a:t>
-            </a:r>
-            <a:endParaRPr lang="en-PH" dirty="0" smtClean="0"/>
-          </a:p>
-          <a:p>
-            <a:r>
-              <a:rPr lang="en-PH" dirty="0">
-                <a:hlinkClick r:id="rId3"/>
-              </a:rPr>
-              <a:t>http://</a:t>
-            </a:r>
-            <a:r>
-              <a:rPr lang="en-PH" dirty="0" smtClean="0">
-                <a:hlinkClick r:id="rId3"/>
-              </a:rPr>
-              <a:t>freddy-fazbears-pizza.wikia.com/wiki/Five_Nights_at_Freddy's</a:t>
-            </a:r>
-            <a:endParaRPr lang="en-PH" dirty="0" smtClean="0"/>
-          </a:p>
-          <a:p>
-            <a:r>
-              <a:rPr lang="en-PH" dirty="0" smtClean="0">
-                <a:hlinkClick r:id="rId4"/>
-              </a:rPr>
-              <a:t>http</a:t>
-            </a:r>
-            <a:r>
-              <a:rPr lang="en-PH" dirty="0">
-                <a:hlinkClick r:id="rId4"/>
-              </a:rPr>
-              <a:t>://</a:t>
-            </a:r>
-            <a:r>
-              <a:rPr lang="en-PH" dirty="0" smtClean="0">
-                <a:hlinkClick r:id="rId4"/>
-              </a:rPr>
-              <a:t>greymountainherbs.com/wp-content/uploads/2014/11/apothecary-bottles1.jpg</a:t>
-            </a:r>
-            <a:endParaRPr lang="en-PH" dirty="0" smtClean="0"/>
-          </a:p>
-          <a:p>
-            <a:r>
-              <a:rPr lang="en-PH" dirty="0">
-                <a:hlinkClick r:id="rId5"/>
-              </a:rPr>
-              <a:t>http://</a:t>
-            </a:r>
-            <a:r>
-              <a:rPr lang="en-PH" dirty="0" smtClean="0">
-                <a:hlinkClick r:id="rId5"/>
-              </a:rPr>
-              <a:t>multayindonesia.com/img/p/491-1892-thickbox.jpg</a:t>
-            </a:r>
-            <a:endParaRPr lang="en-PH" dirty="0" smtClean="0"/>
-          </a:p>
-          <a:p>
-            <a:r>
-              <a:rPr lang="en-PH" dirty="0">
-                <a:hlinkClick r:id="rId6"/>
-              </a:rPr>
-              <a:t>http://</a:t>
-            </a:r>
-            <a:r>
-              <a:rPr lang="en-PH" dirty="0" smtClean="0">
-                <a:hlinkClick r:id="rId6"/>
-              </a:rPr>
-              <a:t>ecrustationery.com/wp-content/uploads/2012/10/ECRU-Halloween-Labels.jpg</a:t>
-            </a:r>
-            <a:endParaRPr lang="en-PH" dirty="0" smtClean="0"/>
-          </a:p>
-          <a:p>
-            <a:endParaRPr lang="en-PH" dirty="0" smtClean="0"/>
-          </a:p>
-          <a:p>
-            <a:endParaRPr lang="en-PH" dirty="0" smtClean="0"/>
-          </a:p>
-          <a:p>
-            <a:endParaRPr lang="en-PH" dirty="0" smtClean="0"/>
-          </a:p>
-          <a:p>
-            <a:endParaRPr lang="en-PH" dirty="0" smtClean="0"/>
-          </a:p>
           <a:p>
             <a:endParaRPr lang="en-PH" dirty="0"/>
           </a:p>
@@ -9068,7 +9296,7 @@
     </p:spTree>
     <p:extLst>
       <p:ext uri="{BB962C8B-B14F-4D97-AF65-F5344CB8AC3E}">
-        <p14:creationId xmlns:p14="http://schemas.microsoft.com/office/powerpoint/2010/main" val="100906932"/>
+        <p14:creationId xmlns:p14="http://schemas.microsoft.com/office/powerpoint/2010/main" val="3089486041"/>
       </p:ext>
     </p:extLst>
   </p:cSld>
@@ -9089,9 +9317,9 @@
 </file>
 
 <file path=ppt/theme/theme1.xml><?xml version="1.0" encoding="utf-8"?>
-<a:theme xmlns:a="http://schemas.openxmlformats.org/drawingml/2006/main" name="Facet">
+<a:theme xmlns:a="http://schemas.openxmlformats.org/drawingml/2006/main" name="Slate">
   <a:themeElements>
-    <a:clrScheme name="Facet">
+    <a:clrScheme name="Green">
       <a:dk1>
         <a:sysClr val="windowText" lastClr="000000"/>
       </a:dk1>
@@ -9099,46 +9327,46 @@
         <a:sysClr val="window" lastClr="FFFFFF"/>
       </a:lt1>
       <a:dk2>
-        <a:srgbClr val="2C3C43"/>
+        <a:srgbClr val="455F51"/>
       </a:dk2>
       <a:lt2>
-        <a:srgbClr val="EBEBEB"/>
+        <a:srgbClr val="E3DED1"/>
       </a:lt2>
       <a:accent1>
-        <a:srgbClr val="90C226"/>
+        <a:srgbClr val="549E39"/>
       </a:accent1>
       <a:accent2>
-        <a:srgbClr val="54A021"/>
+        <a:srgbClr val="8AB833"/>
       </a:accent2>
       <a:accent3>
-        <a:srgbClr val="E6B91E"/>
+        <a:srgbClr val="C0CF3A"/>
       </a:accent3>
       <a:accent4>
-        <a:srgbClr val="E76618"/>
+        <a:srgbClr val="029676"/>
       </a:accent4>
       <a:accent5>
-        <a:srgbClr val="C42F1A"/>
+        <a:srgbClr val="4AB5C4"/>
       </a:accent5>
       <a:accent6>
-        <a:srgbClr val="918655"/>
+        <a:srgbClr val="0989B1"/>
       </a:accent6>
       <a:hlink>
-        <a:srgbClr val="99CA3C"/>
+        <a:srgbClr val="6B9F25"/>
       </a:hlink>
       <a:folHlink>
-        <a:srgbClr val="B9D181"/>
+        <a:srgbClr val="BA6906"/>
       </a:folHlink>
     </a:clrScheme>
-    <a:fontScheme name="Facet">
+    <a:fontScheme name="Slate">
       <a:majorFont>
-        <a:latin typeface="Trebuchet MS" panose="020B0603020202020204"/>
+        <a:latin typeface="Calisto MT" panose="02040603050505030304"/>
         <a:ea typeface=""/>
         <a:cs typeface=""/>
-        <a:font script="Jpan" typeface="メイリオ"/>
-        <a:font script="Hang" typeface="맑은 고딕"/>
-        <a:font script="Hans" typeface="方正姚体"/>
+        <a:font script="Jpan" typeface="ＭＳ Ｐゴシック"/>
+        <a:font script="Hang" typeface="돋움"/>
+        <a:font script="Hans" typeface="方正舒体"/>
         <a:font script="Hant" typeface="微軟正黑體"/>
-        <a:font script="Arab" typeface="Tahoma"/>
+        <a:font script="Arab" typeface="Arial"/>
         <a:font script="Hebr" typeface="Arial"/>
         <a:font script="Thai" typeface="Cordia New"/>
         <a:font script="Ethi" typeface="Nyala"/>
@@ -9161,21 +9389,21 @@
         <a:font script="Laoo" typeface="DokChampa"/>
         <a:font script="Sinh" typeface="Iskoola Pota"/>
         <a:font script="Mong" typeface="Mongolian Baiti"/>
-        <a:font script="Viet" typeface="Tahoma"/>
+        <a:font script="Viet" typeface="Arial"/>
         <a:font script="Uigh" typeface="Microsoft Uighur"/>
         <a:font script="Geor" typeface="Sylfaen"/>
       </a:majorFont>
       <a:minorFont>
-        <a:latin typeface="Trebuchet MS" panose="020B0603020202020204"/>
+        <a:latin typeface="Calisto MT" panose="02040603050505030304"/>
         <a:ea typeface=""/>
         <a:cs typeface=""/>
-        <a:font script="Jpan" typeface="メイリオ"/>
-        <a:font script="Hang" typeface="HY그래픽M"/>
-        <a:font script="Hans" typeface="华文新魏"/>
+        <a:font script="Jpan" typeface="ＭＳ Ｐゴシック"/>
+        <a:font script="Hang" typeface="돋움"/>
+        <a:font script="Hans" typeface="方正舒体"/>
         <a:font script="Hant" typeface="微軟正黑體"/>
-        <a:font script="Arab" typeface="Tahoma"/>
-        <a:font script="Hebr" typeface="Gisha"/>
-        <a:font script="Thai" typeface="IrisUPC"/>
+        <a:font script="Arab" typeface="Arial"/>
+        <a:font script="Hebr" typeface="Arial"/>
+        <a:font script="Thai" typeface="Cordia New"/>
         <a:font script="Ethi" typeface="Nyala"/>
         <a:font script="Beng" typeface="Vrinda"/>
         <a:font script="Gujr" typeface="Shruti"/>
@@ -9201,7 +9429,7 @@
         <a:font script="Geor" typeface="Sylfaen"/>
       </a:minorFont>
     </a:fontScheme>
-    <a:fmtScheme name="Facet">
+    <a:fmtScheme name="Slate">
       <a:fillStyleLst>
         <a:solidFill>
           <a:schemeClr val="phClr"/>
@@ -9210,13 +9438,13 @@
           <a:gsLst>
             <a:gs pos="0">
               <a:schemeClr val="phClr">
-                <a:tint val="65000"/>
+                <a:tint val="60000"/>
                 <a:lumMod val="110000"/>
               </a:schemeClr>
             </a:gs>
-            <a:gs pos="88000">
+            <a:gs pos="100000">
               <a:schemeClr val="phClr">
-                <a:tint val="90000"/>
+                <a:tint val="88000"/>
               </a:schemeClr>
             </a:gs>
           </a:gsLst>
@@ -9227,13 +9455,13 @@
             <a:gs pos="0">
               <a:schemeClr val="phClr">
                 <a:tint val="96000"/>
-                <a:lumMod val="100000"/>
+                <a:lumMod val="104000"/>
               </a:schemeClr>
             </a:gs>
-            <a:gs pos="78000">
+            <a:gs pos="100000">
               <a:schemeClr val="phClr">
-                <a:shade val="94000"/>
-                <a:lumMod val="94000"/>
+                <a:shade val="90000"/>
+                <a:lumMod val="90000"/>
               </a:schemeClr>
             </a:gs>
           </a:gsLst>
@@ -9241,13 +9469,15 @@
         </a:gradFill>
       </a:fillStyleLst>
       <a:lnStyleLst>
-        <a:ln w="12700" cap="rnd" cmpd="sng" algn="ctr">
+        <a:ln w="9525" cap="rnd" cmpd="sng" algn="ctr">
           <a:solidFill>
-            <a:schemeClr val="phClr"/>
+            <a:schemeClr val="phClr">
+              <a:shade val="90000"/>
+            </a:schemeClr>
           </a:solidFill>
           <a:prstDash val="solid"/>
         </a:ln>
-        <a:ln w="19050" cap="rnd" cmpd="sng" algn="ctr">
+        <a:ln w="15875" cap="rnd" cmpd="sng" algn="ctr">
           <a:solidFill>
             <a:schemeClr val="phClr"/>
           </a:solidFill>
@@ -9266,18 +9496,18 @@
         </a:effectStyle>
         <a:effectStyle>
           <a:effectLst>
-            <a:outerShdw blurRad="38100" dist="25400" dir="5400000" rotWithShape="0">
+            <a:outerShdw blurRad="63500" dist="25400" dir="5400000" rotWithShape="0">
               <a:srgbClr val="000000">
-                <a:alpha val="35000"/>
+                <a:alpha val="60000"/>
               </a:srgbClr>
             </a:outerShdw>
           </a:effectLst>
         </a:effectStyle>
         <a:effectStyle>
           <a:effectLst>
-            <a:outerShdw blurRad="50800" dist="38100" dir="5400000" rotWithShape="0">
+            <a:outerShdw blurRad="76200" dist="38100" dir="5400000" rotWithShape="0">
               <a:srgbClr val="000000">
-                <a:alpha val="35000"/>
+                <a:alpha val="75000"/>
               </a:srgbClr>
             </a:outerShdw>
           </a:effectLst>
@@ -9285,10 +9515,12 @@
             <a:camera prst="orthographicFront">
               <a:rot lat="0" lon="0" rev="0"/>
             </a:camera>
-            <a:lightRig rig="threePt" dir="tl"/>
+            <a:lightRig rig="threePt" dir="t">
+              <a:rot lat="0" lon="0" rev="1200000"/>
+            </a:lightRig>
           </a:scene3d>
-          <a:sp3d prstMaterial="plastic">
-            <a:bevelT w="0" h="0"/>
+          <a:sp3d>
+            <a:bevelT w="63500" h="25400" prst="hardEdge"/>
           </a:sp3d>
         </a:effectStyle>
       </a:effectStyleLst>
@@ -9296,42 +9528,23 @@
         <a:solidFill>
           <a:schemeClr val="phClr"/>
         </a:solidFill>
-        <a:gradFill rotWithShape="1">
-          <a:gsLst>
-            <a:gs pos="0">
+        <a:solidFill>
+          <a:schemeClr val="phClr"/>
+        </a:solidFill>
+        <a:blipFill rotWithShape="1">
+          <a:blip xmlns:r="http://schemas.openxmlformats.org/officeDocument/2006/relationships" r:embed="rId1">
+            <a:duotone>
               <a:schemeClr val="phClr">
-                <a:tint val="90000"/>
-                <a:lumMod val="104000"/>
+                <a:shade val="80000"/>
+                <a:lumMod val="80000"/>
               </a:schemeClr>
-            </a:gs>
-            <a:gs pos="94000">
               <a:schemeClr val="phClr">
-                <a:shade val="96000"/>
-                <a:lumMod val="82000"/>
+                <a:tint val="98000"/>
               </a:schemeClr>
-            </a:gs>
-          </a:gsLst>
-          <a:lin ang="5400000" scaled="0"/>
-        </a:gradFill>
-        <a:gradFill rotWithShape="1">
-          <a:gsLst>
-            <a:gs pos="0">
-              <a:schemeClr val="phClr">
-                <a:tint val="90000"/>
-                <a:lumMod val="110000"/>
-              </a:schemeClr>
-            </a:gs>
-            <a:gs pos="100000">
-              <a:schemeClr val="phClr">
-                <a:shade val="94000"/>
-                <a:lumMod val="96000"/>
-              </a:schemeClr>
-            </a:gs>
-          </a:gsLst>
-          <a:path path="circle">
-            <a:fillToRect l="50000" t="50000" r="100000" b="100000"/>
-          </a:path>
-        </a:gradFill>
+            </a:duotone>
+          </a:blip>
+          <a:stretch/>
+        </a:blipFill>
       </a:bgFillStyleLst>
     </a:fmtScheme>
   </a:themeElements>
@@ -9339,7 +9552,7 @@
   <a:extraClrSchemeLst/>
   <a:extLst>
     <a:ext uri="{05A4C25C-085E-4340-85A3-A5531E510DB2}">
-      <thm15:themeFamily xmlns:thm15="http://schemas.microsoft.com/office/thememl/2012/main" name="Facet" id="{C0C680CD-088A-49FC-A102-D699147F32B2}" vid="{CFBC31BA-B70F-4F30-BCAA-4F3011E16C4D}"/>
+      <thm15:themeFamily xmlns:thm15="http://schemas.microsoft.com/office/thememl/2012/main" name="Slate" id="{C3F70B94-7CE9-428E-ADC1-3269CC2C3385}" vid="{3F2DE9A5-64E6-437C-A389-CC4477E817E8}"/>
     </a:ext>
   </a:extLst>
 </a:theme>
